--- a/Presentation/Music Generation Major Project.pptx
+++ b/Presentation/Music Generation Major Project.pptx
@@ -39,22 +39,26 @@
     <p:sldId id="283" r:id="rId34"/>
     <p:sldId id="284" r:id="rId35"/>
     <p:sldId id="285" r:id="rId36"/>
+    <p:sldId id="286" r:id="rId37"/>
+    <p:sldId id="287" r:id="rId38"/>
+    <p:sldId id="288" r:id="rId39"/>
+    <p:sldId id="289" r:id="rId40"/>
   </p:sldIdLst>
   <p:sldSz cy="6858000" cx="12192000"/>
   <p:notesSz cx="9601200" cy="7315200"/>
   <p:embeddedFontLst>
     <p:embeddedFont>
       <p:font typeface="Helvetica Neue"/>
-      <p:regular r:id="rId37"/>
-      <p:bold r:id="rId38"/>
-      <p:italic r:id="rId39"/>
-      <p:boldItalic r:id="rId40"/>
+      <p:regular r:id="rId41"/>
+      <p:bold r:id="rId42"/>
+      <p:italic r:id="rId43"/>
+      <p:boldItalic r:id="rId44"/>
     </p:embeddedFont>
     <p:embeddedFont>
       <p:font typeface="Old Standard TT"/>
-      <p:regular r:id="rId41"/>
-      <p:bold r:id="rId42"/>
-      <p:italic r:id="rId43"/>
+      <p:regular r:id="rId45"/>
+      <p:bold r:id="rId46"/>
+      <p:italic r:id="rId47"/>
     </p:embeddedFont>
   </p:embeddedFontLst>
   <p:defaultTextStyle>
@@ -302,7 +306,7 @@
       </p15:sldGuideLst>
     </p:ext>
     <p:ext uri="http://customooxmlschemas.google.com/">
-      <go:slidesCustomData xmlns:go="http://customooxmlschemas.google.com/" r:id="rId44" roundtripDataSignature="AMtx7mio7SyRkOjIBJyojpy7xfpllKAAig=="/>
+      <go:slidesCustomData xmlns:go="http://customooxmlschemas.google.com/" r:id="rId48" roundtripDataSignature="AMtx7mhL9ZRkHg45AgRc5FLUQjXU/Lo9SA=="/>
     </p:ext>
   </p:extLst>
 </p:presentation>
@@ -1829,7 +1833,7 @@
   <p:cSld>
     <p:spTree>
       <p:nvGrpSpPr>
-        <p:cNvPr id="110" name="Shape 110"/>
+        <p:cNvPr id="109" name="Shape 109"/>
         <p:cNvGrpSpPr/>
         <p:nvPr/>
       </p:nvGrpSpPr>
@@ -1843,7 +1847,7 @@
       </p:grpSpPr>
       <p:sp>
         <p:nvSpPr>
-          <p:cNvPr id="111" name="Google Shape;111;g11b806550b1_1_22:notes"/>
+          <p:cNvPr id="110" name="Google Shape;110;g11b806550b1_1_22:notes"/>
           <p:cNvSpPr/>
           <p:nvPr>
             <p:ph idx="2" type="sldImg"/>
@@ -1878,7 +1882,7 @@
       </p:sp>
       <p:sp>
         <p:nvSpPr>
-          <p:cNvPr id="112" name="Google Shape;112;g11b806550b1_1_22:notes"/>
+          <p:cNvPr id="111" name="Google Shape;111;g11b806550b1_1_22:notes"/>
           <p:cNvSpPr txBox="1"/>
           <p:nvPr>
             <p:ph idx="1" type="body"/>
@@ -1917,7 +1921,7 @@
       </p:sp>
       <p:sp>
         <p:nvSpPr>
-          <p:cNvPr id="113" name="Google Shape;113;g11b806550b1_1_22:notes"/>
+          <p:cNvPr id="112" name="Google Shape;112;g11b806550b1_1_22:notes"/>
           <p:cNvSpPr txBox="1"/>
           <p:nvPr>
             <p:ph idx="12" type="sldNum"/>
@@ -1973,7 +1977,7 @@
   <p:cSld>
     <p:spTree>
       <p:nvGrpSpPr>
-        <p:cNvPr id="117" name="Shape 117"/>
+        <p:cNvPr id="116" name="Shape 116"/>
         <p:cNvGrpSpPr/>
         <p:nvPr/>
       </p:nvGrpSpPr>
@@ -1987,7 +1991,7 @@
       </p:grpSpPr>
       <p:sp>
         <p:nvSpPr>
-          <p:cNvPr id="118" name="Google Shape;118;g11b806550b1_1_28:notes"/>
+          <p:cNvPr id="117" name="Google Shape;117;g11b806550b1_1_28:notes"/>
           <p:cNvSpPr/>
           <p:nvPr>
             <p:ph idx="2" type="sldImg"/>
@@ -2022,7 +2026,7 @@
       </p:sp>
       <p:sp>
         <p:nvSpPr>
-          <p:cNvPr id="119" name="Google Shape;119;g11b806550b1_1_28:notes"/>
+          <p:cNvPr id="118" name="Google Shape;118;g11b806550b1_1_28:notes"/>
           <p:cNvSpPr txBox="1"/>
           <p:nvPr>
             <p:ph idx="1" type="body"/>
@@ -2061,7 +2065,7 @@
       </p:sp>
       <p:sp>
         <p:nvSpPr>
-          <p:cNvPr id="120" name="Google Shape;120;g11b806550b1_1_28:notes"/>
+          <p:cNvPr id="119" name="Google Shape;119;g11b806550b1_1_28:notes"/>
           <p:cNvSpPr txBox="1"/>
           <p:nvPr>
             <p:ph idx="12" type="sldNum"/>
@@ -2117,7 +2121,7 @@
   <p:cSld>
     <p:spTree>
       <p:nvGrpSpPr>
-        <p:cNvPr id="124" name="Shape 124"/>
+        <p:cNvPr id="123" name="Shape 123"/>
         <p:cNvGrpSpPr/>
         <p:nvPr/>
       </p:nvGrpSpPr>
@@ -2131,7 +2135,7 @@
       </p:grpSpPr>
       <p:sp>
         <p:nvSpPr>
-          <p:cNvPr id="125" name="Google Shape;125;g11b806550b1_1_40:notes"/>
+          <p:cNvPr id="124" name="Google Shape;124;g11b806550b1_1_40:notes"/>
           <p:cNvSpPr/>
           <p:nvPr>
             <p:ph idx="2" type="sldImg"/>
@@ -2166,7 +2170,7 @@
       </p:sp>
       <p:sp>
         <p:nvSpPr>
-          <p:cNvPr id="126" name="Google Shape;126;g11b806550b1_1_40:notes"/>
+          <p:cNvPr id="125" name="Google Shape;125;g11b806550b1_1_40:notes"/>
           <p:cNvSpPr txBox="1"/>
           <p:nvPr>
             <p:ph idx="1" type="body"/>
@@ -2205,7 +2209,7 @@
       </p:sp>
       <p:sp>
         <p:nvSpPr>
-          <p:cNvPr id="127" name="Google Shape;127;g11b806550b1_1_40:notes"/>
+          <p:cNvPr id="126" name="Google Shape;126;g11b806550b1_1_40:notes"/>
           <p:cNvSpPr txBox="1"/>
           <p:nvPr>
             <p:ph idx="12" type="sldNum"/>
@@ -2261,7 +2265,7 @@
   <p:cSld>
     <p:spTree>
       <p:nvGrpSpPr>
-        <p:cNvPr id="131" name="Shape 131"/>
+        <p:cNvPr id="130" name="Shape 130"/>
         <p:cNvGrpSpPr/>
         <p:nvPr/>
       </p:nvGrpSpPr>
@@ -2275,7 +2279,7 @@
       </p:grpSpPr>
       <p:sp>
         <p:nvSpPr>
-          <p:cNvPr id="132" name="Google Shape;132;g11b806550b1_1_46:notes"/>
+          <p:cNvPr id="131" name="Google Shape;131;g11b806550b1_1_46:notes"/>
           <p:cNvSpPr/>
           <p:nvPr>
             <p:ph idx="2" type="sldImg"/>
@@ -2310,7 +2314,7 @@
       </p:sp>
       <p:sp>
         <p:nvSpPr>
-          <p:cNvPr id="133" name="Google Shape;133;g11b806550b1_1_46:notes"/>
+          <p:cNvPr id="132" name="Google Shape;132;g11b806550b1_1_46:notes"/>
           <p:cNvSpPr txBox="1"/>
           <p:nvPr>
             <p:ph idx="1" type="body"/>
@@ -2349,7 +2353,7 @@
       </p:sp>
       <p:sp>
         <p:nvSpPr>
-          <p:cNvPr id="134" name="Google Shape;134;g11b806550b1_1_46:notes"/>
+          <p:cNvPr id="133" name="Google Shape;133;g11b806550b1_1_46:notes"/>
           <p:cNvSpPr txBox="1"/>
           <p:nvPr>
             <p:ph idx="12" type="sldNum"/>
@@ -2837,7 +2841,7 @@
   <p:cSld>
     <p:spTree>
       <p:nvGrpSpPr>
-        <p:cNvPr id="159" name="Shape 159"/>
+        <p:cNvPr id="160" name="Shape 160"/>
         <p:cNvGrpSpPr/>
         <p:nvPr/>
       </p:nvGrpSpPr>
@@ -2851,7 +2855,7 @@
       </p:grpSpPr>
       <p:sp>
         <p:nvSpPr>
-          <p:cNvPr id="160" name="Google Shape;160;g11b806550b1_2_0:notes"/>
+          <p:cNvPr id="161" name="Google Shape;161;g11b806550b1_2_0:notes"/>
           <p:cNvSpPr/>
           <p:nvPr>
             <p:ph idx="2" type="sldImg"/>
@@ -2886,7 +2890,7 @@
       </p:sp>
       <p:sp>
         <p:nvSpPr>
-          <p:cNvPr id="161" name="Google Shape;161;g11b806550b1_2_0:notes"/>
+          <p:cNvPr id="162" name="Google Shape;162;g11b806550b1_2_0:notes"/>
           <p:cNvSpPr txBox="1"/>
           <p:nvPr>
             <p:ph idx="1" type="body"/>
@@ -2925,7 +2929,7 @@
       </p:sp>
       <p:sp>
         <p:nvSpPr>
-          <p:cNvPr id="162" name="Google Shape;162;g11b806550b1_2_0:notes"/>
+          <p:cNvPr id="163" name="Google Shape;163;g11b806550b1_2_0:notes"/>
           <p:cNvSpPr txBox="1"/>
           <p:nvPr>
             <p:ph idx="12" type="sldNum"/>
@@ -2981,7 +2985,7 @@
   <p:cSld>
     <p:spTree>
       <p:nvGrpSpPr>
-        <p:cNvPr id="165" name="Shape 165"/>
+        <p:cNvPr id="166" name="Shape 166"/>
         <p:cNvGrpSpPr/>
         <p:nvPr/>
       </p:nvGrpSpPr>
@@ -2995,7 +2999,7 @@
       </p:grpSpPr>
       <p:sp>
         <p:nvSpPr>
-          <p:cNvPr id="166" name="Google Shape;166;g11b806550b1_2_6:notes"/>
+          <p:cNvPr id="167" name="Google Shape;167;g1280786ebf6_0_12:notes"/>
           <p:cNvSpPr/>
           <p:nvPr>
             <p:ph idx="2" type="sldImg"/>
@@ -3030,7 +3034,7 @@
       </p:sp>
       <p:sp>
         <p:nvSpPr>
-          <p:cNvPr id="167" name="Google Shape;167;g11b806550b1_2_6:notes"/>
+          <p:cNvPr id="168" name="Google Shape;168;g1280786ebf6_0_12:notes"/>
           <p:cNvSpPr txBox="1"/>
           <p:nvPr>
             <p:ph idx="1" type="body"/>
@@ -3069,7 +3073,7 @@
       </p:sp>
       <p:sp>
         <p:nvSpPr>
-          <p:cNvPr id="168" name="Google Shape;168;g11b806550b1_2_6:notes"/>
+          <p:cNvPr id="169" name="Google Shape;169;g1280786ebf6_0_12:notes"/>
           <p:cNvSpPr txBox="1"/>
           <p:nvPr>
             <p:ph idx="12" type="sldNum"/>
@@ -3125,7 +3129,7 @@
   <p:cSld>
     <p:spTree>
       <p:nvGrpSpPr>
-        <p:cNvPr id="172" name="Shape 172"/>
+        <p:cNvPr id="173" name="Shape 173"/>
         <p:cNvGrpSpPr/>
         <p:nvPr/>
       </p:nvGrpSpPr>
@@ -3139,7 +3143,7 @@
       </p:grpSpPr>
       <p:sp>
         <p:nvSpPr>
-          <p:cNvPr id="173" name="Google Shape;173;g11b806550b1_2_14:notes"/>
+          <p:cNvPr id="174" name="Google Shape;174;g11b806550b1_2_6:notes"/>
           <p:cNvSpPr/>
           <p:nvPr>
             <p:ph idx="2" type="sldImg"/>
@@ -3174,7 +3178,7 @@
       </p:sp>
       <p:sp>
         <p:nvSpPr>
-          <p:cNvPr id="174" name="Google Shape;174;g11b806550b1_2_14:notes"/>
+          <p:cNvPr id="175" name="Google Shape;175;g11b806550b1_2_6:notes"/>
           <p:cNvSpPr txBox="1"/>
           <p:nvPr>
             <p:ph idx="1" type="body"/>
@@ -3213,7 +3217,7 @@
       </p:sp>
       <p:sp>
         <p:nvSpPr>
-          <p:cNvPr id="175" name="Google Shape;175;g11b806550b1_2_14:notes"/>
+          <p:cNvPr id="176" name="Google Shape;176;g11b806550b1_2_6:notes"/>
           <p:cNvSpPr txBox="1"/>
           <p:nvPr>
             <p:ph idx="12" type="sldNum"/>
@@ -3368,7 +3372,7 @@
   <p:cSld>
     <p:spTree>
       <p:nvGrpSpPr>
-        <p:cNvPr id="178" name="Shape 178"/>
+        <p:cNvPr id="181" name="Shape 181"/>
         <p:cNvGrpSpPr/>
         <p:nvPr/>
       </p:nvGrpSpPr>
@@ -3382,7 +3386,7 @@
       </p:grpSpPr>
       <p:sp>
         <p:nvSpPr>
-          <p:cNvPr id="179" name="Google Shape;179;g11b806550b1_2_20:notes"/>
+          <p:cNvPr id="182" name="Google Shape;182;g11b806550b1_2_14:notes"/>
           <p:cNvSpPr/>
           <p:nvPr>
             <p:ph idx="2" type="sldImg"/>
@@ -3417,7 +3421,7 @@
       </p:sp>
       <p:sp>
         <p:nvSpPr>
-          <p:cNvPr id="180" name="Google Shape;180;g11b806550b1_2_20:notes"/>
+          <p:cNvPr id="183" name="Google Shape;183;g11b806550b1_2_14:notes"/>
           <p:cNvSpPr txBox="1"/>
           <p:nvPr>
             <p:ph idx="1" type="body"/>
@@ -3456,7 +3460,7 @@
       </p:sp>
       <p:sp>
         <p:nvSpPr>
-          <p:cNvPr id="181" name="Google Shape;181;g11b806550b1_2_20:notes"/>
+          <p:cNvPr id="184" name="Google Shape;184;g11b806550b1_2_14:notes"/>
           <p:cNvSpPr txBox="1"/>
           <p:nvPr>
             <p:ph idx="12" type="sldNum"/>
@@ -3512,7 +3516,7 @@
   <p:cSld>
     <p:spTree>
       <p:nvGrpSpPr>
-        <p:cNvPr id="185" name="Shape 185"/>
+        <p:cNvPr id="187" name="Shape 187"/>
         <p:cNvGrpSpPr/>
         <p:nvPr/>
       </p:nvGrpSpPr>
@@ -3526,7 +3530,7 @@
       </p:grpSpPr>
       <p:sp>
         <p:nvSpPr>
-          <p:cNvPr id="186" name="Google Shape;186;g11b806550b1_2_26:notes"/>
+          <p:cNvPr id="188" name="Google Shape;188;g11b806550b1_2_20:notes"/>
           <p:cNvSpPr/>
           <p:nvPr>
             <p:ph idx="2" type="sldImg"/>
@@ -3561,7 +3565,7 @@
       </p:sp>
       <p:sp>
         <p:nvSpPr>
-          <p:cNvPr id="187" name="Google Shape;187;g11b806550b1_2_26:notes"/>
+          <p:cNvPr id="189" name="Google Shape;189;g11b806550b1_2_20:notes"/>
           <p:cNvSpPr txBox="1"/>
           <p:nvPr>
             <p:ph idx="1" type="body"/>
@@ -3600,7 +3604,7 @@
       </p:sp>
       <p:sp>
         <p:nvSpPr>
-          <p:cNvPr id="188" name="Google Shape;188;g11b806550b1_2_26:notes"/>
+          <p:cNvPr id="190" name="Google Shape;190;g11b806550b1_2_20:notes"/>
           <p:cNvSpPr txBox="1"/>
           <p:nvPr>
             <p:ph idx="12" type="sldNum"/>
@@ -3656,7 +3660,7 @@
   <p:cSld>
     <p:spTree>
       <p:nvGrpSpPr>
-        <p:cNvPr id="192" name="Shape 192"/>
+        <p:cNvPr id="194" name="Shape 194"/>
         <p:cNvGrpSpPr/>
         <p:nvPr/>
       </p:nvGrpSpPr>
@@ -3670,7 +3674,7 @@
       </p:grpSpPr>
       <p:sp>
         <p:nvSpPr>
-          <p:cNvPr id="193" name="Google Shape;193;g11b806550b1_2_33:notes"/>
+          <p:cNvPr id="195" name="Google Shape;195;g11b806550b1_2_26:notes"/>
           <p:cNvSpPr/>
           <p:nvPr>
             <p:ph idx="2" type="sldImg"/>
@@ -3705,7 +3709,7 @@
       </p:sp>
       <p:sp>
         <p:nvSpPr>
-          <p:cNvPr id="194" name="Google Shape;194;g11b806550b1_2_33:notes"/>
+          <p:cNvPr id="196" name="Google Shape;196;g11b806550b1_2_26:notes"/>
           <p:cNvSpPr txBox="1"/>
           <p:nvPr>
             <p:ph idx="1" type="body"/>
@@ -3744,7 +3748,7 @@
       </p:sp>
       <p:sp>
         <p:nvSpPr>
-          <p:cNvPr id="195" name="Google Shape;195;g11b806550b1_2_33:notes"/>
+          <p:cNvPr id="197" name="Google Shape;197;g11b806550b1_2_26:notes"/>
           <p:cNvSpPr txBox="1"/>
           <p:nvPr>
             <p:ph idx="12" type="sldNum"/>
@@ -3800,7 +3804,7 @@
   <p:cSld>
     <p:spTree>
       <p:nvGrpSpPr>
-        <p:cNvPr id="199" name="Shape 199"/>
+        <p:cNvPr id="202" name="Shape 202"/>
         <p:cNvGrpSpPr/>
         <p:nvPr/>
       </p:nvGrpSpPr>
@@ -3814,7 +3818,7 @@
       </p:grpSpPr>
       <p:sp>
         <p:nvSpPr>
-          <p:cNvPr id="200" name="Google Shape;200;g11b806550b1_2_40:notes"/>
+          <p:cNvPr id="203" name="Google Shape;203;g11b806550b1_2_33:notes"/>
           <p:cNvSpPr/>
           <p:nvPr>
             <p:ph idx="2" type="sldImg"/>
@@ -3849,7 +3853,7 @@
       </p:sp>
       <p:sp>
         <p:nvSpPr>
-          <p:cNvPr id="201" name="Google Shape;201;g11b806550b1_2_40:notes"/>
+          <p:cNvPr id="204" name="Google Shape;204;g11b806550b1_2_33:notes"/>
           <p:cNvSpPr txBox="1"/>
           <p:nvPr>
             <p:ph idx="1" type="body"/>
@@ -3888,7 +3892,7 @@
       </p:sp>
       <p:sp>
         <p:nvSpPr>
-          <p:cNvPr id="202" name="Google Shape;202;g11b806550b1_2_40:notes"/>
+          <p:cNvPr id="205" name="Google Shape;205;g11b806550b1_2_33:notes"/>
           <p:cNvSpPr txBox="1"/>
           <p:nvPr>
             <p:ph idx="12" type="sldNum"/>
@@ -3944,7 +3948,7 @@
   <p:cSld>
     <p:spTree>
       <p:nvGrpSpPr>
-        <p:cNvPr id="205" name="Shape 205"/>
+        <p:cNvPr id="210" name="Shape 210"/>
         <p:cNvGrpSpPr/>
         <p:nvPr/>
       </p:nvGrpSpPr>
@@ -3958,7 +3962,7 @@
       </p:grpSpPr>
       <p:sp>
         <p:nvSpPr>
-          <p:cNvPr id="206" name="Google Shape;206;g11b806550b1_2_46:notes"/>
+          <p:cNvPr id="211" name="Google Shape;211;g11b806550b1_2_40:notes"/>
           <p:cNvSpPr/>
           <p:nvPr>
             <p:ph idx="2" type="sldImg"/>
@@ -3993,7 +3997,7 @@
       </p:sp>
       <p:sp>
         <p:nvSpPr>
-          <p:cNvPr id="207" name="Google Shape;207;g11b806550b1_2_46:notes"/>
+          <p:cNvPr id="212" name="Google Shape;212;g11b806550b1_2_40:notes"/>
           <p:cNvSpPr txBox="1"/>
           <p:nvPr>
             <p:ph idx="1" type="body"/>
@@ -4032,7 +4036,7 @@
       </p:sp>
       <p:sp>
         <p:nvSpPr>
-          <p:cNvPr id="208" name="Google Shape;208;g11b806550b1_2_46:notes"/>
+          <p:cNvPr id="213" name="Google Shape;213;g11b806550b1_2_40:notes"/>
           <p:cNvSpPr txBox="1"/>
           <p:nvPr>
             <p:ph idx="12" type="sldNum"/>
@@ -4088,7 +4092,7 @@
   <p:cSld>
     <p:spTree>
       <p:nvGrpSpPr>
-        <p:cNvPr id="212" name="Shape 212"/>
+        <p:cNvPr id="216" name="Shape 216"/>
         <p:cNvGrpSpPr/>
         <p:nvPr/>
       </p:nvGrpSpPr>
@@ -4102,7 +4106,7 @@
       </p:grpSpPr>
       <p:sp>
         <p:nvSpPr>
-          <p:cNvPr id="213" name="Google Shape;213;g11b806550b1_2_53:notes"/>
+          <p:cNvPr id="217" name="Google Shape;217;g11b806550b1_2_46:notes"/>
           <p:cNvSpPr/>
           <p:nvPr>
             <p:ph idx="2" type="sldImg"/>
@@ -4137,7 +4141,7 @@
       </p:sp>
       <p:sp>
         <p:nvSpPr>
-          <p:cNvPr id="214" name="Google Shape;214;g11b806550b1_2_53:notes"/>
+          <p:cNvPr id="218" name="Google Shape;218;g11b806550b1_2_46:notes"/>
           <p:cNvSpPr txBox="1"/>
           <p:nvPr>
             <p:ph idx="1" type="body"/>
@@ -4176,7 +4180,7 @@
       </p:sp>
       <p:sp>
         <p:nvSpPr>
-          <p:cNvPr id="215" name="Google Shape;215;g11b806550b1_2_53:notes"/>
+          <p:cNvPr id="219" name="Google Shape;219;g11b806550b1_2_46:notes"/>
           <p:cNvSpPr txBox="1"/>
           <p:nvPr>
             <p:ph idx="12" type="sldNum"/>
@@ -4232,7 +4236,7 @@
   <p:cSld>
     <p:spTree>
       <p:nvGrpSpPr>
-        <p:cNvPr id="218" name="Shape 218"/>
+        <p:cNvPr id="224" name="Shape 224"/>
         <p:cNvGrpSpPr/>
         <p:nvPr/>
       </p:nvGrpSpPr>
@@ -4246,7 +4250,7 @@
       </p:grpSpPr>
       <p:sp>
         <p:nvSpPr>
-          <p:cNvPr id="219" name="Google Shape;219;g127e5307d53_0_0:notes"/>
+          <p:cNvPr id="225" name="Google Shape;225;g11b806550b1_2_53:notes"/>
           <p:cNvSpPr/>
           <p:nvPr>
             <p:ph idx="2" type="sldImg"/>
@@ -4281,7 +4285,7 @@
       </p:sp>
       <p:sp>
         <p:nvSpPr>
-          <p:cNvPr id="220" name="Google Shape;220;g127e5307d53_0_0:notes"/>
+          <p:cNvPr id="226" name="Google Shape;226;g11b806550b1_2_53:notes"/>
           <p:cNvSpPr txBox="1"/>
           <p:nvPr>
             <p:ph idx="1" type="body"/>
@@ -4320,7 +4324,7 @@
       </p:sp>
       <p:sp>
         <p:nvSpPr>
-          <p:cNvPr id="221" name="Google Shape;221;g127e5307d53_0_0:notes"/>
+          <p:cNvPr id="227" name="Google Shape;227;g11b806550b1_2_53:notes"/>
           <p:cNvSpPr txBox="1"/>
           <p:nvPr>
             <p:ph idx="12" type="sldNum"/>
@@ -4376,7 +4380,7 @@
   <p:cSld>
     <p:spTree>
       <p:nvGrpSpPr>
-        <p:cNvPr id="225" name="Shape 225"/>
+        <p:cNvPr id="230" name="Shape 230"/>
         <p:cNvGrpSpPr/>
         <p:nvPr/>
       </p:nvGrpSpPr>
@@ -4390,7 +4394,7 @@
       </p:grpSpPr>
       <p:sp>
         <p:nvSpPr>
-          <p:cNvPr id="226" name="Google Shape;226;g127f4ac9148_1_0:notes"/>
+          <p:cNvPr id="231" name="Google Shape;231;g127e5307d53_0_0:notes"/>
           <p:cNvSpPr/>
           <p:nvPr>
             <p:ph idx="2" type="sldImg"/>
@@ -4425,7 +4429,7 @@
       </p:sp>
       <p:sp>
         <p:nvSpPr>
-          <p:cNvPr id="227" name="Google Shape;227;g127f4ac9148_1_0:notes"/>
+          <p:cNvPr id="232" name="Google Shape;232;g127e5307d53_0_0:notes"/>
           <p:cNvSpPr txBox="1"/>
           <p:nvPr>
             <p:ph idx="1" type="body"/>
@@ -4464,7 +4468,7 @@
       </p:sp>
       <p:sp>
         <p:nvSpPr>
-          <p:cNvPr id="228" name="Google Shape;228;g127f4ac9148_1_0:notes"/>
+          <p:cNvPr id="233" name="Google Shape;233;g127e5307d53_0_0:notes"/>
           <p:cNvSpPr txBox="1"/>
           <p:nvPr>
             <p:ph idx="12" type="sldNum"/>
@@ -4534,7 +4538,7 @@
       </p:grpSpPr>
       <p:sp>
         <p:nvSpPr>
-          <p:cNvPr id="238" name="Google Shape;238;g11b806550b1_2_59:notes"/>
+          <p:cNvPr id="238" name="Google Shape;238;g127f4ac9148_1_0:notes"/>
           <p:cNvSpPr/>
           <p:nvPr>
             <p:ph idx="2" type="sldImg"/>
@@ -4569,7 +4573,7 @@
       </p:sp>
       <p:sp>
         <p:nvSpPr>
-          <p:cNvPr id="239" name="Google Shape;239;g11b806550b1_2_59:notes"/>
+          <p:cNvPr id="239" name="Google Shape;239;g127f4ac9148_1_0:notes"/>
           <p:cNvSpPr txBox="1"/>
           <p:nvPr>
             <p:ph idx="1" type="body"/>
@@ -4608,7 +4612,7 @@
       </p:sp>
       <p:sp>
         <p:nvSpPr>
-          <p:cNvPr id="240" name="Google Shape;240;g11b806550b1_2_59:notes"/>
+          <p:cNvPr id="240" name="Google Shape;240;g127f4ac9148_1_0:notes"/>
           <p:cNvSpPr txBox="1"/>
           <p:nvPr>
             <p:ph idx="12" type="sldNum"/>
@@ -4664,7 +4668,7 @@
   <p:cSld>
     <p:spTree>
       <p:nvGrpSpPr>
-        <p:cNvPr id="244" name="Shape 244"/>
+        <p:cNvPr id="249" name="Shape 249"/>
         <p:cNvGrpSpPr/>
         <p:nvPr/>
       </p:nvGrpSpPr>
@@ -4678,7 +4682,7 @@
       </p:grpSpPr>
       <p:sp>
         <p:nvSpPr>
-          <p:cNvPr id="245" name="Google Shape;245;g11b806550b1_2_65:notes"/>
+          <p:cNvPr id="250" name="Google Shape;250;g11b806550b1_2_59:notes"/>
           <p:cNvSpPr/>
           <p:nvPr>
             <p:ph idx="2" type="sldImg"/>
@@ -4713,7 +4717,7 @@
       </p:sp>
       <p:sp>
         <p:nvSpPr>
-          <p:cNvPr id="246" name="Google Shape;246;g11b806550b1_2_65:notes"/>
+          <p:cNvPr id="251" name="Google Shape;251;g11b806550b1_2_59:notes"/>
           <p:cNvSpPr txBox="1"/>
           <p:nvPr>
             <p:ph idx="1" type="body"/>
@@ -4752,7 +4756,7 @@
       </p:sp>
       <p:sp>
         <p:nvSpPr>
-          <p:cNvPr id="247" name="Google Shape;247;g11b806550b1_2_65:notes"/>
+          <p:cNvPr id="252" name="Google Shape;252;g11b806550b1_2_59:notes"/>
           <p:cNvSpPr txBox="1"/>
           <p:nvPr>
             <p:ph idx="12" type="sldNum"/>
@@ -4907,7 +4911,7 @@
   <p:cSld>
     <p:spTree>
       <p:nvGrpSpPr>
-        <p:cNvPr id="250" name="Shape 250"/>
+        <p:cNvPr id="256" name="Shape 256"/>
         <p:cNvGrpSpPr/>
         <p:nvPr/>
       </p:nvGrpSpPr>
@@ -4921,7 +4925,7 @@
       </p:grpSpPr>
       <p:sp>
         <p:nvSpPr>
-          <p:cNvPr id="251" name="Google Shape;251;g11b806550b1_2_71:notes"/>
+          <p:cNvPr id="257" name="Google Shape;257;g11b806550b1_2_65:notes"/>
           <p:cNvSpPr/>
           <p:nvPr>
             <p:ph idx="2" type="sldImg"/>
@@ -4956,7 +4960,7 @@
       </p:sp>
       <p:sp>
         <p:nvSpPr>
-          <p:cNvPr id="252" name="Google Shape;252;g11b806550b1_2_71:notes"/>
+          <p:cNvPr id="258" name="Google Shape;258;g11b806550b1_2_65:notes"/>
           <p:cNvSpPr txBox="1"/>
           <p:nvPr>
             <p:ph idx="1" type="body"/>
@@ -4995,7 +4999,583 @@
       </p:sp>
       <p:sp>
         <p:nvSpPr>
-          <p:cNvPr id="253" name="Google Shape;253;g11b806550b1_2_71:notes"/>
+          <p:cNvPr id="259" name="Google Shape;259;g11b806550b1_2_65:notes"/>
+          <p:cNvSpPr txBox="1"/>
+          <p:nvPr>
+            <p:ph idx="12" type="sldNum"/>
+          </p:nvPr>
+        </p:nvSpPr>
+        <p:spPr>
+          <a:xfrm>
+            <a:off x="5438775" y="6948487"/>
+            <a:ext cx="4160700" cy="365100"/>
+          </a:xfrm>
+          <a:prstGeom prst="rect">
+            <a:avLst/>
+          </a:prstGeom>
+        </p:spPr>
+        <p:txBody>
+          <a:bodyPr anchorCtr="0" anchor="b" bIns="48325" lIns="96650" spcFirstLastPara="1" rIns="96650" wrap="square" tIns="48325">
+            <a:noAutofit/>
+          </a:bodyPr>
+          <a:lstStyle/>
+          <a:p>
+            <a:pPr indent="0" lvl="0" marL="0" rtl="0" algn="r">
+              <a:spcBef>
+                <a:spcPts val="0"/>
+              </a:spcBef>
+              <a:spcAft>
+                <a:spcPts val="0"/>
+              </a:spcAft>
+              <a:buClr>
+                <a:srgbClr val="000000"/>
+              </a:buClr>
+              <a:buSzPts val="1400"/>
+              <a:buFont typeface="Arial"/>
+              <a:buNone/>
+            </a:pPr>
+            <a:r>
+              <a:rPr lang="en-US"/>
+              <a:t>*</a:t>
+            </a:r>
+            <a:endParaRPr/>
+          </a:p>
+        </p:txBody>
+      </p:sp>
+    </p:spTree>
+  </p:cSld>
+  <p:clrMapOvr>
+    <a:masterClrMapping/>
+  </p:clrMapOvr>
+</p:notes>
+</file>
+
+<file path=ppt/notesSlides/notesSlide31.xml><?xml version="1.0" encoding="utf-8"?>
+<p:notes xmlns:a="http://schemas.openxmlformats.org/drawingml/2006/main" xmlns:r="http://schemas.openxmlformats.org/officeDocument/2006/relationships" xmlns:mc="http://schemas.openxmlformats.org/markup-compatibility/2006" xmlns:mv="urn:schemas-microsoft-com:mac:vml" xmlns:p="http://schemas.openxmlformats.org/presentationml/2006/main" xmlns:c="http://schemas.openxmlformats.org/drawingml/2006/chart" xmlns:dgm="http://schemas.openxmlformats.org/drawingml/2006/diagram" xmlns:o="urn:schemas-microsoft-com:office:office" xmlns:v="urn:schemas-microsoft-com:vml" xmlns:pvml="urn:schemas-microsoft-com:office:powerpoint" xmlns:com="http://schemas.openxmlformats.org/drawingml/2006/compatibility" xmlns:p14="http://schemas.microsoft.com/office/powerpoint/2010/main" xmlns:p15="http://schemas.microsoft.com/office/powerpoint/2012/main" xmlns:ahyp="http://schemas.microsoft.com/office/drawing/2018/hyperlinkcolor" showMasterPhAnim="0" showMasterSp="0">
+  <p:cSld>
+    <p:spTree>
+      <p:nvGrpSpPr>
+        <p:cNvPr id="262" name="Shape 262"/>
+        <p:cNvGrpSpPr/>
+        <p:nvPr/>
+      </p:nvGrpSpPr>
+      <p:grpSpPr>
+        <a:xfrm>
+          <a:off x="0" y="0"/>
+          <a:ext cx="0" cy="0"/>
+          <a:chOff x="0" y="0"/>
+          <a:chExt cx="0" cy="0"/>
+        </a:xfrm>
+      </p:grpSpPr>
+      <p:sp>
+        <p:nvSpPr>
+          <p:cNvPr id="263" name="Google Shape;263;g1280786ebf6_0_0:notes"/>
+          <p:cNvSpPr/>
+          <p:nvPr>
+            <p:ph idx="2" type="sldImg"/>
+          </p:nvPr>
+        </p:nvSpPr>
+        <p:spPr>
+          <a:xfrm>
+            <a:off x="2362200" y="549275"/>
+            <a:ext cx="4876800" cy="2743200"/>
+          </a:xfrm>
+          <a:custGeom>
+            <a:rect b="b" l="l" r="r" t="t"/>
+            <a:pathLst>
+              <a:path extrusionOk="0" h="120000" w="120000">
+                <a:moveTo>
+                  <a:pt x="0" y="0"/>
+                </a:moveTo>
+                <a:lnTo>
+                  <a:pt x="120000" y="0"/>
+                </a:lnTo>
+                <a:lnTo>
+                  <a:pt x="120000" y="120000"/>
+                </a:lnTo>
+                <a:lnTo>
+                  <a:pt x="0" y="120000"/>
+                </a:lnTo>
+                <a:close/>
+              </a:path>
+            </a:pathLst>
+          </a:custGeom>
+        </p:spPr>
+      </p:sp>
+      <p:sp>
+        <p:nvSpPr>
+          <p:cNvPr id="264" name="Google Shape;264;g1280786ebf6_0_0:notes"/>
+          <p:cNvSpPr txBox="1"/>
+          <p:nvPr>
+            <p:ph idx="1" type="body"/>
+          </p:nvPr>
+        </p:nvSpPr>
+        <p:spPr>
+          <a:xfrm>
+            <a:off x="960437" y="3475037"/>
+            <a:ext cx="7680300" cy="3291000"/>
+          </a:xfrm>
+          <a:prstGeom prst="rect">
+            <a:avLst/>
+          </a:prstGeom>
+        </p:spPr>
+        <p:txBody>
+          <a:bodyPr anchorCtr="0" anchor="t" bIns="48325" lIns="96650" spcFirstLastPara="1" rIns="96650" wrap="square" tIns="48325">
+            <a:noAutofit/>
+          </a:bodyPr>
+          <a:lstStyle/>
+          <a:p>
+            <a:pPr indent="0" lvl="0" marL="0" rtl="0" algn="l">
+              <a:spcBef>
+                <a:spcPts val="0"/>
+              </a:spcBef>
+              <a:spcAft>
+                <a:spcPts val="0"/>
+              </a:spcAft>
+              <a:buNone/>
+            </a:pPr>
+            <a:r>
+              <a:t/>
+            </a:r>
+            <a:endParaRPr/>
+          </a:p>
+        </p:txBody>
+      </p:sp>
+      <p:sp>
+        <p:nvSpPr>
+          <p:cNvPr id="265" name="Google Shape;265;g1280786ebf6_0_0:notes"/>
+          <p:cNvSpPr txBox="1"/>
+          <p:nvPr>
+            <p:ph idx="12" type="sldNum"/>
+          </p:nvPr>
+        </p:nvSpPr>
+        <p:spPr>
+          <a:xfrm>
+            <a:off x="5438775" y="6948487"/>
+            <a:ext cx="4160700" cy="365100"/>
+          </a:xfrm>
+          <a:prstGeom prst="rect">
+            <a:avLst/>
+          </a:prstGeom>
+        </p:spPr>
+        <p:txBody>
+          <a:bodyPr anchorCtr="0" anchor="b" bIns="48325" lIns="96650" spcFirstLastPara="1" rIns="96650" wrap="square" tIns="48325">
+            <a:noAutofit/>
+          </a:bodyPr>
+          <a:lstStyle/>
+          <a:p>
+            <a:pPr indent="0" lvl="0" marL="0" rtl="0" algn="r">
+              <a:spcBef>
+                <a:spcPts val="0"/>
+              </a:spcBef>
+              <a:spcAft>
+                <a:spcPts val="0"/>
+              </a:spcAft>
+              <a:buClr>
+                <a:srgbClr val="000000"/>
+              </a:buClr>
+              <a:buSzPts val="1400"/>
+              <a:buFont typeface="Arial"/>
+              <a:buNone/>
+            </a:pPr>
+            <a:r>
+              <a:rPr lang="en-US"/>
+              <a:t>*</a:t>
+            </a:r>
+            <a:endParaRPr/>
+          </a:p>
+        </p:txBody>
+      </p:sp>
+    </p:spTree>
+  </p:cSld>
+  <p:clrMapOvr>
+    <a:masterClrMapping/>
+  </p:clrMapOvr>
+</p:notes>
+</file>
+
+<file path=ppt/notesSlides/notesSlide32.xml><?xml version="1.0" encoding="utf-8"?>
+<p:notes xmlns:a="http://schemas.openxmlformats.org/drawingml/2006/main" xmlns:r="http://schemas.openxmlformats.org/officeDocument/2006/relationships" xmlns:mc="http://schemas.openxmlformats.org/markup-compatibility/2006" xmlns:mv="urn:schemas-microsoft-com:mac:vml" xmlns:p="http://schemas.openxmlformats.org/presentationml/2006/main" xmlns:c="http://schemas.openxmlformats.org/drawingml/2006/chart" xmlns:dgm="http://schemas.openxmlformats.org/drawingml/2006/diagram" xmlns:o="urn:schemas-microsoft-com:office:office" xmlns:v="urn:schemas-microsoft-com:vml" xmlns:pvml="urn:schemas-microsoft-com:office:powerpoint" xmlns:com="http://schemas.openxmlformats.org/drawingml/2006/compatibility" xmlns:p14="http://schemas.microsoft.com/office/powerpoint/2010/main" xmlns:p15="http://schemas.microsoft.com/office/powerpoint/2012/main" xmlns:ahyp="http://schemas.microsoft.com/office/drawing/2018/hyperlinkcolor" showMasterPhAnim="0" showMasterSp="0">
+  <p:cSld>
+    <p:spTree>
+      <p:nvGrpSpPr>
+        <p:cNvPr id="269" name="Shape 269"/>
+        <p:cNvGrpSpPr/>
+        <p:nvPr/>
+      </p:nvGrpSpPr>
+      <p:grpSpPr>
+        <a:xfrm>
+          <a:off x="0" y="0"/>
+          <a:ext cx="0" cy="0"/>
+          <a:chOff x="0" y="0"/>
+          <a:chExt cx="0" cy="0"/>
+        </a:xfrm>
+      </p:grpSpPr>
+      <p:sp>
+        <p:nvSpPr>
+          <p:cNvPr id="270" name="Google Shape;270;g1280786ebf6_0_18:notes"/>
+          <p:cNvSpPr/>
+          <p:nvPr>
+            <p:ph idx="2" type="sldImg"/>
+          </p:nvPr>
+        </p:nvSpPr>
+        <p:spPr>
+          <a:xfrm>
+            <a:off x="2362200" y="549275"/>
+            <a:ext cx="4876800" cy="2743200"/>
+          </a:xfrm>
+          <a:custGeom>
+            <a:rect b="b" l="l" r="r" t="t"/>
+            <a:pathLst>
+              <a:path extrusionOk="0" h="120000" w="120000">
+                <a:moveTo>
+                  <a:pt x="0" y="0"/>
+                </a:moveTo>
+                <a:lnTo>
+                  <a:pt x="120000" y="0"/>
+                </a:lnTo>
+                <a:lnTo>
+                  <a:pt x="120000" y="120000"/>
+                </a:lnTo>
+                <a:lnTo>
+                  <a:pt x="0" y="120000"/>
+                </a:lnTo>
+                <a:close/>
+              </a:path>
+            </a:pathLst>
+          </a:custGeom>
+        </p:spPr>
+      </p:sp>
+      <p:sp>
+        <p:nvSpPr>
+          <p:cNvPr id="271" name="Google Shape;271;g1280786ebf6_0_18:notes"/>
+          <p:cNvSpPr txBox="1"/>
+          <p:nvPr>
+            <p:ph idx="1" type="body"/>
+          </p:nvPr>
+        </p:nvSpPr>
+        <p:spPr>
+          <a:xfrm>
+            <a:off x="960437" y="3475037"/>
+            <a:ext cx="7680300" cy="3291000"/>
+          </a:xfrm>
+          <a:prstGeom prst="rect">
+            <a:avLst/>
+          </a:prstGeom>
+        </p:spPr>
+        <p:txBody>
+          <a:bodyPr anchorCtr="0" anchor="t" bIns="48325" lIns="96650" spcFirstLastPara="1" rIns="96650" wrap="square" tIns="48325">
+            <a:noAutofit/>
+          </a:bodyPr>
+          <a:lstStyle/>
+          <a:p>
+            <a:pPr indent="0" lvl="0" marL="0" rtl="0" algn="l">
+              <a:spcBef>
+                <a:spcPts val="0"/>
+              </a:spcBef>
+              <a:spcAft>
+                <a:spcPts val="0"/>
+              </a:spcAft>
+              <a:buNone/>
+            </a:pPr>
+            <a:r>
+              <a:t/>
+            </a:r>
+            <a:endParaRPr/>
+          </a:p>
+        </p:txBody>
+      </p:sp>
+      <p:sp>
+        <p:nvSpPr>
+          <p:cNvPr id="272" name="Google Shape;272;g1280786ebf6_0_18:notes"/>
+          <p:cNvSpPr txBox="1"/>
+          <p:nvPr>
+            <p:ph idx="12" type="sldNum"/>
+          </p:nvPr>
+        </p:nvSpPr>
+        <p:spPr>
+          <a:xfrm>
+            <a:off x="5438775" y="6948487"/>
+            <a:ext cx="4160700" cy="365100"/>
+          </a:xfrm>
+          <a:prstGeom prst="rect">
+            <a:avLst/>
+          </a:prstGeom>
+        </p:spPr>
+        <p:txBody>
+          <a:bodyPr anchorCtr="0" anchor="b" bIns="48325" lIns="96650" spcFirstLastPara="1" rIns="96650" wrap="square" tIns="48325">
+            <a:noAutofit/>
+          </a:bodyPr>
+          <a:lstStyle/>
+          <a:p>
+            <a:pPr indent="0" lvl="0" marL="0" rtl="0" algn="r">
+              <a:spcBef>
+                <a:spcPts val="0"/>
+              </a:spcBef>
+              <a:spcAft>
+                <a:spcPts val="0"/>
+              </a:spcAft>
+              <a:buClr>
+                <a:srgbClr val="000000"/>
+              </a:buClr>
+              <a:buSzPts val="1400"/>
+              <a:buFont typeface="Arial"/>
+              <a:buNone/>
+            </a:pPr>
+            <a:r>
+              <a:rPr lang="en-US"/>
+              <a:t>*</a:t>
+            </a:r>
+            <a:endParaRPr/>
+          </a:p>
+        </p:txBody>
+      </p:sp>
+    </p:spTree>
+  </p:cSld>
+  <p:clrMapOvr>
+    <a:masterClrMapping/>
+  </p:clrMapOvr>
+</p:notes>
+</file>
+
+<file path=ppt/notesSlides/notesSlide33.xml><?xml version="1.0" encoding="utf-8"?>
+<p:notes xmlns:a="http://schemas.openxmlformats.org/drawingml/2006/main" xmlns:r="http://schemas.openxmlformats.org/officeDocument/2006/relationships" xmlns:mc="http://schemas.openxmlformats.org/markup-compatibility/2006" xmlns:mv="urn:schemas-microsoft-com:mac:vml" xmlns:p="http://schemas.openxmlformats.org/presentationml/2006/main" xmlns:c="http://schemas.openxmlformats.org/drawingml/2006/chart" xmlns:dgm="http://schemas.openxmlformats.org/drawingml/2006/diagram" xmlns:o="urn:schemas-microsoft-com:office:office" xmlns:v="urn:schemas-microsoft-com:vml" xmlns:pvml="urn:schemas-microsoft-com:office:powerpoint" xmlns:com="http://schemas.openxmlformats.org/drawingml/2006/compatibility" xmlns:p14="http://schemas.microsoft.com/office/powerpoint/2010/main" xmlns:p15="http://schemas.microsoft.com/office/powerpoint/2012/main" xmlns:ahyp="http://schemas.microsoft.com/office/drawing/2018/hyperlinkcolor" showMasterPhAnim="0" showMasterSp="0">
+  <p:cSld>
+    <p:spTree>
+      <p:nvGrpSpPr>
+        <p:cNvPr id="276" name="Shape 276"/>
+        <p:cNvGrpSpPr/>
+        <p:nvPr/>
+      </p:nvGrpSpPr>
+      <p:grpSpPr>
+        <a:xfrm>
+          <a:off x="0" y="0"/>
+          <a:ext cx="0" cy="0"/>
+          <a:chOff x="0" y="0"/>
+          <a:chExt cx="0" cy="0"/>
+        </a:xfrm>
+      </p:grpSpPr>
+      <p:sp>
+        <p:nvSpPr>
+          <p:cNvPr id="277" name="Google Shape;277;g1280786ebf6_0_6:notes"/>
+          <p:cNvSpPr/>
+          <p:nvPr>
+            <p:ph idx="2" type="sldImg"/>
+          </p:nvPr>
+        </p:nvSpPr>
+        <p:spPr>
+          <a:xfrm>
+            <a:off x="2362200" y="549275"/>
+            <a:ext cx="4876800" cy="2743200"/>
+          </a:xfrm>
+          <a:custGeom>
+            <a:rect b="b" l="l" r="r" t="t"/>
+            <a:pathLst>
+              <a:path extrusionOk="0" h="120000" w="120000">
+                <a:moveTo>
+                  <a:pt x="0" y="0"/>
+                </a:moveTo>
+                <a:lnTo>
+                  <a:pt x="120000" y="0"/>
+                </a:lnTo>
+                <a:lnTo>
+                  <a:pt x="120000" y="120000"/>
+                </a:lnTo>
+                <a:lnTo>
+                  <a:pt x="0" y="120000"/>
+                </a:lnTo>
+                <a:close/>
+              </a:path>
+            </a:pathLst>
+          </a:custGeom>
+        </p:spPr>
+      </p:sp>
+      <p:sp>
+        <p:nvSpPr>
+          <p:cNvPr id="278" name="Google Shape;278;g1280786ebf6_0_6:notes"/>
+          <p:cNvSpPr txBox="1"/>
+          <p:nvPr>
+            <p:ph idx="1" type="body"/>
+          </p:nvPr>
+        </p:nvSpPr>
+        <p:spPr>
+          <a:xfrm>
+            <a:off x="960437" y="3475037"/>
+            <a:ext cx="7680300" cy="3291000"/>
+          </a:xfrm>
+          <a:prstGeom prst="rect">
+            <a:avLst/>
+          </a:prstGeom>
+        </p:spPr>
+        <p:txBody>
+          <a:bodyPr anchorCtr="0" anchor="t" bIns="48325" lIns="96650" spcFirstLastPara="1" rIns="96650" wrap="square" tIns="48325">
+            <a:noAutofit/>
+          </a:bodyPr>
+          <a:lstStyle/>
+          <a:p>
+            <a:pPr indent="0" lvl="0" marL="0" rtl="0" algn="l">
+              <a:spcBef>
+                <a:spcPts val="0"/>
+              </a:spcBef>
+              <a:spcAft>
+                <a:spcPts val="0"/>
+              </a:spcAft>
+              <a:buNone/>
+            </a:pPr>
+            <a:r>
+              <a:t/>
+            </a:r>
+            <a:endParaRPr/>
+          </a:p>
+        </p:txBody>
+      </p:sp>
+      <p:sp>
+        <p:nvSpPr>
+          <p:cNvPr id="279" name="Google Shape;279;g1280786ebf6_0_6:notes"/>
+          <p:cNvSpPr txBox="1"/>
+          <p:nvPr>
+            <p:ph idx="12" type="sldNum"/>
+          </p:nvPr>
+        </p:nvSpPr>
+        <p:spPr>
+          <a:xfrm>
+            <a:off x="5438775" y="6948487"/>
+            <a:ext cx="4160700" cy="365100"/>
+          </a:xfrm>
+          <a:prstGeom prst="rect">
+            <a:avLst/>
+          </a:prstGeom>
+        </p:spPr>
+        <p:txBody>
+          <a:bodyPr anchorCtr="0" anchor="b" bIns="48325" lIns="96650" spcFirstLastPara="1" rIns="96650" wrap="square" tIns="48325">
+            <a:noAutofit/>
+          </a:bodyPr>
+          <a:lstStyle/>
+          <a:p>
+            <a:pPr indent="0" lvl="0" marL="0" rtl="0" algn="r">
+              <a:spcBef>
+                <a:spcPts val="0"/>
+              </a:spcBef>
+              <a:spcAft>
+                <a:spcPts val="0"/>
+              </a:spcAft>
+              <a:buClr>
+                <a:srgbClr val="000000"/>
+              </a:buClr>
+              <a:buSzPts val="1400"/>
+              <a:buFont typeface="Arial"/>
+              <a:buNone/>
+            </a:pPr>
+            <a:r>
+              <a:rPr lang="en-US"/>
+              <a:t>*</a:t>
+            </a:r>
+            <a:endParaRPr/>
+          </a:p>
+        </p:txBody>
+      </p:sp>
+    </p:spTree>
+  </p:cSld>
+  <p:clrMapOvr>
+    <a:masterClrMapping/>
+  </p:clrMapOvr>
+</p:notes>
+</file>
+
+<file path=ppt/notesSlides/notesSlide34.xml><?xml version="1.0" encoding="utf-8"?>
+<p:notes xmlns:a="http://schemas.openxmlformats.org/drawingml/2006/main" xmlns:r="http://schemas.openxmlformats.org/officeDocument/2006/relationships" xmlns:mc="http://schemas.openxmlformats.org/markup-compatibility/2006" xmlns:mv="urn:schemas-microsoft-com:mac:vml" xmlns:p="http://schemas.openxmlformats.org/presentationml/2006/main" xmlns:c="http://schemas.openxmlformats.org/drawingml/2006/chart" xmlns:dgm="http://schemas.openxmlformats.org/drawingml/2006/diagram" xmlns:o="urn:schemas-microsoft-com:office:office" xmlns:v="urn:schemas-microsoft-com:vml" xmlns:pvml="urn:schemas-microsoft-com:office:powerpoint" xmlns:com="http://schemas.openxmlformats.org/drawingml/2006/compatibility" xmlns:p14="http://schemas.microsoft.com/office/powerpoint/2010/main" xmlns:p15="http://schemas.microsoft.com/office/powerpoint/2012/main" xmlns:ahyp="http://schemas.microsoft.com/office/drawing/2018/hyperlinkcolor" showMasterPhAnim="0" showMasterSp="0">
+  <p:cSld>
+    <p:spTree>
+      <p:nvGrpSpPr>
+        <p:cNvPr id="283" name="Shape 283"/>
+        <p:cNvGrpSpPr/>
+        <p:nvPr/>
+      </p:nvGrpSpPr>
+      <p:grpSpPr>
+        <a:xfrm>
+          <a:off x="0" y="0"/>
+          <a:ext cx="0" cy="0"/>
+          <a:chOff x="0" y="0"/>
+          <a:chExt cx="0" cy="0"/>
+        </a:xfrm>
+      </p:grpSpPr>
+      <p:sp>
+        <p:nvSpPr>
+          <p:cNvPr id="284" name="Google Shape;284;g11b806550b1_2_71:notes"/>
+          <p:cNvSpPr/>
+          <p:nvPr>
+            <p:ph idx="2" type="sldImg"/>
+          </p:nvPr>
+        </p:nvSpPr>
+        <p:spPr>
+          <a:xfrm>
+            <a:off x="2362200" y="549275"/>
+            <a:ext cx="4876800" cy="2743200"/>
+          </a:xfrm>
+          <a:custGeom>
+            <a:rect b="b" l="l" r="r" t="t"/>
+            <a:pathLst>
+              <a:path extrusionOk="0" h="120000" w="120000">
+                <a:moveTo>
+                  <a:pt x="0" y="0"/>
+                </a:moveTo>
+                <a:lnTo>
+                  <a:pt x="120000" y="0"/>
+                </a:lnTo>
+                <a:lnTo>
+                  <a:pt x="120000" y="120000"/>
+                </a:lnTo>
+                <a:lnTo>
+                  <a:pt x="0" y="120000"/>
+                </a:lnTo>
+                <a:close/>
+              </a:path>
+            </a:pathLst>
+          </a:custGeom>
+        </p:spPr>
+      </p:sp>
+      <p:sp>
+        <p:nvSpPr>
+          <p:cNvPr id="285" name="Google Shape;285;g11b806550b1_2_71:notes"/>
+          <p:cNvSpPr txBox="1"/>
+          <p:nvPr>
+            <p:ph idx="1" type="body"/>
+          </p:nvPr>
+        </p:nvSpPr>
+        <p:spPr>
+          <a:xfrm>
+            <a:off x="960437" y="3475037"/>
+            <a:ext cx="7680300" cy="3291000"/>
+          </a:xfrm>
+          <a:prstGeom prst="rect">
+            <a:avLst/>
+          </a:prstGeom>
+        </p:spPr>
+        <p:txBody>
+          <a:bodyPr anchorCtr="0" anchor="t" bIns="48325" lIns="96650" spcFirstLastPara="1" rIns="96650" wrap="square" tIns="48325">
+            <a:noAutofit/>
+          </a:bodyPr>
+          <a:lstStyle/>
+          <a:p>
+            <a:pPr indent="0" lvl="0" marL="0" rtl="0" algn="l">
+              <a:spcBef>
+                <a:spcPts val="0"/>
+              </a:spcBef>
+              <a:spcAft>
+                <a:spcPts val="0"/>
+              </a:spcAft>
+              <a:buNone/>
+            </a:pPr>
+            <a:r>
+              <a:t/>
+            </a:r>
+            <a:endParaRPr/>
+          </a:p>
+        </p:txBody>
+      </p:sp>
+      <p:sp>
+        <p:nvSpPr>
+          <p:cNvPr id="286" name="Google Shape;286;g11b806550b1_2_71:notes"/>
           <p:cNvSpPr txBox="1"/>
           <p:nvPr>
             <p:ph idx="12" type="sldNum"/>
@@ -5627,7 +6207,7 @@
   <p:cSld>
     <p:spTree>
       <p:nvGrpSpPr>
-        <p:cNvPr id="94" name="Shape 94"/>
+        <p:cNvPr id="93" name="Shape 93"/>
         <p:cNvGrpSpPr/>
         <p:nvPr/>
       </p:nvGrpSpPr>
@@ -5641,7 +6221,7 @@
       </p:grpSpPr>
       <p:sp>
         <p:nvSpPr>
-          <p:cNvPr id="95" name="Google Shape;95;g11b806550b1_1_8:notes"/>
+          <p:cNvPr id="94" name="Google Shape;94;g11b806550b1_1_8:notes"/>
           <p:cNvSpPr/>
           <p:nvPr>
             <p:ph idx="2" type="sldImg"/>
@@ -5676,7 +6256,7 @@
       </p:sp>
       <p:sp>
         <p:nvSpPr>
-          <p:cNvPr id="96" name="Google Shape;96;g11b806550b1_1_8:notes"/>
+          <p:cNvPr id="95" name="Google Shape;95;g11b806550b1_1_8:notes"/>
           <p:cNvSpPr txBox="1"/>
           <p:nvPr>
             <p:ph idx="1" type="body"/>
@@ -5715,7 +6295,7 @@
       </p:sp>
       <p:sp>
         <p:nvSpPr>
-          <p:cNvPr id="97" name="Google Shape;97;g11b806550b1_1_8:notes"/>
+          <p:cNvPr id="96" name="Google Shape;96;g11b806550b1_1_8:notes"/>
           <p:cNvSpPr txBox="1"/>
           <p:nvPr>
             <p:ph idx="12" type="sldNum"/>
@@ -5771,7 +6351,7 @@
   <p:cSld>
     <p:spTree>
       <p:nvGrpSpPr>
-        <p:cNvPr id="102" name="Shape 102"/>
+        <p:cNvPr id="101" name="Shape 101"/>
         <p:cNvGrpSpPr/>
         <p:nvPr/>
       </p:nvGrpSpPr>
@@ -5785,7 +6365,7 @@
       </p:grpSpPr>
       <p:sp>
         <p:nvSpPr>
-          <p:cNvPr id="103" name="Google Shape;103;g11b806550b1_1_15:notes"/>
+          <p:cNvPr id="102" name="Google Shape;102;g11b806550b1_1_15:notes"/>
           <p:cNvSpPr/>
           <p:nvPr>
             <p:ph idx="2" type="sldImg"/>
@@ -5820,7 +6400,7 @@
       </p:sp>
       <p:sp>
         <p:nvSpPr>
-          <p:cNvPr id="104" name="Google Shape;104;g11b806550b1_1_15:notes"/>
+          <p:cNvPr id="103" name="Google Shape;103;g11b806550b1_1_15:notes"/>
           <p:cNvSpPr txBox="1"/>
           <p:nvPr>
             <p:ph idx="1" type="body"/>
@@ -5859,7 +6439,7 @@
       </p:sp>
       <p:sp>
         <p:nvSpPr>
-          <p:cNvPr id="105" name="Google Shape;105;g11b806550b1_1_15:notes"/>
+          <p:cNvPr id="104" name="Google Shape;104;g11b806550b1_1_15:notes"/>
           <p:cNvSpPr txBox="1"/>
           <p:nvPr>
             <p:ph idx="12" type="sldNum"/>
@@ -11699,8 +12279,8 @@
         </p:nvSpPr>
         <p:spPr>
           <a:xfrm>
-            <a:off x="3900500" y="4451750"/>
-            <a:ext cx="5129100" cy="1484400"/>
+            <a:off x="814400" y="4451750"/>
+            <a:ext cx="10971300" cy="1484400"/>
           </a:xfrm>
           <a:prstGeom prst="rect">
             <a:avLst/>
@@ -11740,7 +12320,28 @@
                 <a:cs typeface="Times"/>
                 <a:sym typeface="Times"/>
               </a:rPr>
-              <a:t>                          </a:t>
+              <a:t>                 </a:t>
+            </a:r>
+            <a:r>
+              <a:rPr b="1" lang="en-US" sz="2000">
+                <a:solidFill>
+                  <a:schemeClr val="dk1"/>
+                </a:solidFill>
+                <a:latin typeface="Times"/>
+                <a:ea typeface="Times"/>
+                <a:cs typeface="Times"/>
+                <a:sym typeface="Times"/>
+              </a:rPr>
+              <a:t>Project Supervisor :</a:t>
+            </a:r>
+            <a:r>
+              <a:rPr b="1" lang="en-US" sz="1800">
+                <a:latin typeface="Times"/>
+                <a:ea typeface="Times"/>
+                <a:cs typeface="Times"/>
+                <a:sym typeface="Times"/>
+              </a:rPr>
+              <a:t>   </a:t>
             </a:r>
             <a:r>
               <a:rPr b="1" lang="en-US" sz="2000">
@@ -11749,7 +12350,7 @@
                 <a:cs typeface="Times"/>
                 <a:sym typeface="Times"/>
               </a:rPr>
-              <a:t>  </a:t>
+              <a:t>                                                            </a:t>
             </a:r>
             <a:r>
               <a:rPr b="1" i="0" lang="en-US" sz="2000" u="none" cap="none" strike="noStrike">
@@ -11761,7 +12362,28 @@
                 <a:cs typeface="Times"/>
                 <a:sym typeface="Times"/>
               </a:rPr>
-              <a:t>Presented By : </a:t>
+              <a:t>Pr</a:t>
+            </a:r>
+            <a:r>
+              <a:rPr b="1" lang="en-US" sz="2000">
+                <a:latin typeface="Times"/>
+                <a:ea typeface="Times"/>
+                <a:cs typeface="Times"/>
+                <a:sym typeface="Times"/>
+              </a:rPr>
+              <a:t>oject</a:t>
+            </a:r>
+            <a:r>
+              <a:rPr b="1" i="0" lang="en-US" sz="2000" u="none" cap="none" strike="noStrike">
+                <a:solidFill>
+                  <a:srgbClr val="000000"/>
+                </a:solidFill>
+                <a:latin typeface="Times"/>
+                <a:ea typeface="Times"/>
+                <a:cs typeface="Times"/>
+                <a:sym typeface="Times"/>
+              </a:rPr>
+              <a:t> By : </a:t>
             </a:r>
             <a:endParaRPr sz="1600"/>
           </a:p>
@@ -11790,7 +12412,7 @@
                 <a:cs typeface="Old Standard TT"/>
                 <a:sym typeface="Old Standard TT"/>
               </a:rPr>
-              <a:t>      Jerin Joseph - 181210025</a:t>
+              <a:t>          Dr. Anurag Singh                                    Jerin Joseph - 181210025</a:t>
             </a:r>
             <a:endParaRPr sz="2400">
               <a:solidFill>
@@ -11827,7 +12449,7 @@
                 <a:cs typeface="Old Standard TT"/>
                 <a:sym typeface="Old Standard TT"/>
               </a:rPr>
-              <a:t>   Mayank Bhandari - 181210030</a:t>
+              <a:t>                                                                      Mayank Bhandari - 181210030</a:t>
             </a:r>
             <a:endParaRPr sz="1800">
               <a:solidFill>
@@ -11907,7 +12529,7 @@
   <p:cSld>
     <p:spTree>
       <p:nvGrpSpPr>
-        <p:cNvPr id="114" name="Shape 114"/>
+        <p:cNvPr id="113" name="Shape 113"/>
         <p:cNvGrpSpPr/>
         <p:nvPr/>
       </p:nvGrpSpPr>
@@ -11921,7 +12543,7 @@
       </p:grpSpPr>
       <p:sp>
         <p:nvSpPr>
-          <p:cNvPr id="115" name="Google Shape;115;g11b806550b1_1_22"/>
+          <p:cNvPr id="114" name="Google Shape;114;g11b806550b1_1_22"/>
           <p:cNvSpPr txBox="1"/>
           <p:nvPr>
             <p:ph type="title"/>
@@ -11961,7 +12583,7 @@
       </p:sp>
       <p:sp>
         <p:nvSpPr>
-          <p:cNvPr id="116" name="Google Shape;116;g11b806550b1_1_22"/>
+          <p:cNvPr id="115" name="Google Shape;115;g11b806550b1_1_22"/>
           <p:cNvSpPr txBox="1"/>
           <p:nvPr>
             <p:ph idx="1" type="body"/>
@@ -12059,7 +12681,7 @@
   <p:cSld>
     <p:spTree>
       <p:nvGrpSpPr>
-        <p:cNvPr id="121" name="Shape 121"/>
+        <p:cNvPr id="120" name="Shape 120"/>
         <p:cNvGrpSpPr/>
         <p:nvPr/>
       </p:nvGrpSpPr>
@@ -12073,7 +12695,7 @@
       </p:grpSpPr>
       <p:sp>
         <p:nvSpPr>
-          <p:cNvPr id="122" name="Google Shape;122;g11b806550b1_1_28"/>
+          <p:cNvPr id="121" name="Google Shape;121;g11b806550b1_1_28"/>
           <p:cNvSpPr txBox="1"/>
           <p:nvPr>
             <p:ph type="title"/>
@@ -12113,7 +12735,7 @@
       </p:sp>
       <p:sp>
         <p:nvSpPr>
-          <p:cNvPr id="123" name="Google Shape;123;g11b806550b1_1_28"/>
+          <p:cNvPr id="122" name="Google Shape;122;g11b806550b1_1_28"/>
           <p:cNvSpPr txBox="1"/>
           <p:nvPr>
             <p:ph idx="1" type="body"/>
@@ -12251,7 +12873,7 @@
   <p:cSld>
     <p:spTree>
       <p:nvGrpSpPr>
-        <p:cNvPr id="128" name="Shape 128"/>
+        <p:cNvPr id="127" name="Shape 127"/>
         <p:cNvGrpSpPr/>
         <p:nvPr/>
       </p:nvGrpSpPr>
@@ -12265,7 +12887,7 @@
       </p:grpSpPr>
       <p:sp>
         <p:nvSpPr>
-          <p:cNvPr id="129" name="Google Shape;129;g11b806550b1_1_40"/>
+          <p:cNvPr id="128" name="Google Shape;128;g11b806550b1_1_40"/>
           <p:cNvSpPr txBox="1"/>
           <p:nvPr>
             <p:ph type="title"/>
@@ -12305,7 +12927,7 @@
       </p:sp>
       <p:sp>
         <p:nvSpPr>
-          <p:cNvPr id="130" name="Google Shape;130;g11b806550b1_1_40"/>
+          <p:cNvPr id="129" name="Google Shape;129;g11b806550b1_1_40"/>
           <p:cNvSpPr txBox="1"/>
           <p:nvPr>
             <p:ph idx="1" type="body"/>
@@ -12475,7 +13097,7 @@
   <p:cSld>
     <p:spTree>
       <p:nvGrpSpPr>
-        <p:cNvPr id="135" name="Shape 135"/>
+        <p:cNvPr id="134" name="Shape 134"/>
         <p:cNvGrpSpPr/>
         <p:nvPr/>
       </p:nvGrpSpPr>
@@ -12489,7 +13111,7 @@
       </p:grpSpPr>
       <p:sp>
         <p:nvSpPr>
-          <p:cNvPr id="136" name="Google Shape;136;g11b806550b1_1_46"/>
+          <p:cNvPr id="135" name="Google Shape;135;g11b806550b1_1_46"/>
           <p:cNvSpPr txBox="1"/>
           <p:nvPr>
             <p:ph type="title"/>
@@ -12529,7 +13151,7 @@
       </p:sp>
       <p:pic>
         <p:nvPicPr>
-          <p:cNvPr id="137" name="Google Shape;137;g11b806550b1_1_46"/>
+          <p:cNvPr id="136" name="Google Shape;136;g11b806550b1_1_46"/>
           <p:cNvPicPr preferRelativeResize="0"/>
           <p:nvPr/>
         </p:nvPicPr>
@@ -12555,6 +13177,46 @@
           </a:ln>
         </p:spPr>
       </p:pic>
+      <p:sp>
+        <p:nvSpPr>
+          <p:cNvPr id="137" name="Google Shape;137;g11b806550b1_1_46"/>
+          <p:cNvSpPr txBox="1"/>
+          <p:nvPr>
+            <p:ph idx="1" type="body"/>
+          </p:nvPr>
+        </p:nvSpPr>
+        <p:spPr>
+          <a:xfrm>
+            <a:off x="3257550" y="5915025"/>
+            <a:ext cx="5200800" cy="457200"/>
+          </a:xfrm>
+          <a:prstGeom prst="rect">
+            <a:avLst/>
+          </a:prstGeom>
+        </p:spPr>
+        <p:txBody>
+          <a:bodyPr anchorCtr="0" anchor="t" bIns="45700" lIns="91425" spcFirstLastPara="1" rIns="91425" wrap="square" tIns="45700">
+            <a:noAutofit/>
+          </a:bodyPr>
+          <a:lstStyle/>
+          <a:p>
+            <a:pPr indent="0" lvl="0" marL="0" rtl="0" algn="l">
+              <a:spcBef>
+                <a:spcPts val="360"/>
+              </a:spcBef>
+              <a:spcAft>
+                <a:spcPts val="0"/>
+              </a:spcAft>
+              <a:buNone/>
+            </a:pPr>
+            <a:r>
+              <a:rPr lang="en-US" sz="1800"/>
+              <a:t>Fig 4:- Steps followed for training and testing phase</a:t>
+            </a:r>
+            <a:endParaRPr sz="1800"/>
+          </a:p>
+        </p:txBody>
+      </p:sp>
     </p:spTree>
   </p:cSld>
   <p:clrMapOvr>
@@ -13067,7 +13729,7 @@
         <p:spPr>
           <a:xfrm>
             <a:off x="2128850" y="1428750"/>
-            <a:ext cx="7300900" cy="5157800"/>
+            <a:ext cx="7300900" cy="4686300"/>
           </a:xfrm>
           <a:prstGeom prst="rect">
             <a:avLst/>
@@ -13078,6 +13740,46 @@
           </a:ln>
         </p:spPr>
       </p:pic>
+      <p:sp>
+        <p:nvSpPr>
+          <p:cNvPr id="159" name="Google Shape;159;g11b806550b1_1_65"/>
+          <p:cNvSpPr txBox="1"/>
+          <p:nvPr>
+            <p:ph idx="1" type="body"/>
+          </p:nvPr>
+        </p:nvSpPr>
+        <p:spPr>
+          <a:xfrm>
+            <a:off x="2371725" y="6115050"/>
+            <a:ext cx="7215000" cy="671400"/>
+          </a:xfrm>
+          <a:prstGeom prst="rect">
+            <a:avLst/>
+          </a:prstGeom>
+        </p:spPr>
+        <p:txBody>
+          <a:bodyPr anchorCtr="0" anchor="t" bIns="45700" lIns="91425" spcFirstLastPara="1" rIns="91425" wrap="square" tIns="45700">
+            <a:noAutofit/>
+          </a:bodyPr>
+          <a:lstStyle/>
+          <a:p>
+            <a:pPr indent="0" lvl="0" marL="0" rtl="0" algn="l">
+              <a:spcBef>
+                <a:spcPts val="360"/>
+              </a:spcBef>
+              <a:spcAft>
+                <a:spcPts val="0"/>
+              </a:spcAft>
+              <a:buNone/>
+            </a:pPr>
+            <a:r>
+              <a:rPr lang="en-US" sz="1800"/>
+              <a:t>Fig 5:- Encoder-Decoder structure for model training in LSTM model</a:t>
+            </a:r>
+            <a:endParaRPr sz="1800"/>
+          </a:p>
+        </p:txBody>
+      </p:sp>
     </p:spTree>
   </p:cSld>
   <p:clrMapOvr>
@@ -13091,7 +13793,7 @@
   <p:cSld>
     <p:spTree>
       <p:nvGrpSpPr>
-        <p:cNvPr id="163" name="Shape 163"/>
+        <p:cNvPr id="164" name="Shape 164"/>
         <p:cNvGrpSpPr/>
         <p:nvPr/>
       </p:nvGrpSpPr>
@@ -13105,7 +13807,7 @@
       </p:grpSpPr>
       <p:sp>
         <p:nvSpPr>
-          <p:cNvPr id="164" name="Google Shape;164;g11b806550b1_2_0"/>
+          <p:cNvPr id="165" name="Google Shape;165;g11b806550b1_2_0"/>
           <p:cNvSpPr txBox="1"/>
           <p:nvPr>
             <p:ph idx="1" type="body"/>
@@ -13223,7 +13925,7 @@
   <p:cSld>
     <p:spTree>
       <p:nvGrpSpPr>
-        <p:cNvPr id="169" name="Shape 169"/>
+        <p:cNvPr id="170" name="Shape 170"/>
         <p:cNvGrpSpPr/>
         <p:nvPr/>
       </p:nvGrpSpPr>
@@ -13237,7 +13939,7 @@
       </p:grpSpPr>
       <p:sp>
         <p:nvSpPr>
-          <p:cNvPr id="170" name="Google Shape;170;g11b806550b1_2_6"/>
+          <p:cNvPr id="171" name="Google Shape;171;g1280786ebf6_0_12"/>
           <p:cNvSpPr txBox="1"/>
           <p:nvPr>
             <p:ph type="title"/>
@@ -13269,40 +13971,161 @@
             </a:pPr>
             <a:r>
               <a:rPr lang="en-US"/>
-              <a:t>Enhanced Model using BLSTM</a:t>
+              <a:t>Problems faced</a:t>
             </a:r>
             <a:endParaRPr/>
           </a:p>
         </p:txBody>
       </p:sp>
-      <p:pic>
-        <p:nvPicPr>
-          <p:cNvPr id="171" name="Google Shape;171;g11b806550b1_2_6"/>
-          <p:cNvPicPr preferRelativeResize="0"/>
-          <p:nvPr/>
-        </p:nvPicPr>
-        <p:blipFill>
-          <a:blip r:embed="rId3">
-            <a:alphaModFix/>
-          </a:blip>
-          <a:stretch>
-            <a:fillRect/>
-          </a:stretch>
-        </p:blipFill>
-        <p:spPr>
-          <a:xfrm>
-            <a:off x="1143000" y="1643075"/>
-            <a:ext cx="9572625" cy="4786300"/>
+      <p:sp>
+        <p:nvSpPr>
+          <p:cNvPr id="172" name="Google Shape;172;g1280786ebf6_0_12"/>
+          <p:cNvSpPr txBox="1"/>
+          <p:nvPr>
+            <p:ph idx="1" type="body"/>
+          </p:nvPr>
+        </p:nvSpPr>
+        <p:spPr>
+          <a:xfrm>
+            <a:off x="914400" y="1371600"/>
+            <a:ext cx="10363200" cy="4687800"/>
           </a:xfrm>
           <a:prstGeom prst="rect">
             <a:avLst/>
           </a:prstGeom>
-          <a:noFill/>
-          <a:ln>
-            <a:noFill/>
-          </a:ln>
-        </p:spPr>
-      </p:pic>
+        </p:spPr>
+        <p:txBody>
+          <a:bodyPr anchorCtr="0" anchor="t" bIns="45700" lIns="91425" spcFirstLastPara="1" rIns="91425" wrap="square" tIns="45700">
+            <a:noAutofit/>
+          </a:bodyPr>
+          <a:lstStyle/>
+          <a:p>
+            <a:pPr indent="-355600" lvl="0" marL="457200" rtl="0" algn="l">
+              <a:spcBef>
+                <a:spcPts val="360"/>
+              </a:spcBef>
+              <a:spcAft>
+                <a:spcPts val="0"/>
+              </a:spcAft>
+              <a:buSzPts val="2000"/>
+              <a:buChar char="•"/>
+            </a:pPr>
+            <a:r>
+              <a:rPr lang="en-US" sz="3000"/>
+              <a:t>Low </a:t>
+            </a:r>
+            <a:r>
+              <a:rPr lang="en-US" sz="3000"/>
+              <a:t>decrease</a:t>
+            </a:r>
+            <a:r>
+              <a:rPr lang="en-US" sz="3000"/>
+              <a:t> in loss function</a:t>
+            </a:r>
+            <a:endParaRPr sz="3000"/>
+          </a:p>
+          <a:p>
+            <a:pPr indent="-419100" lvl="1" marL="914400" rtl="0" algn="l">
+              <a:spcBef>
+                <a:spcPts val="0"/>
+              </a:spcBef>
+              <a:spcAft>
+                <a:spcPts val="0"/>
+              </a:spcAft>
+              <a:buSzPts val="3000"/>
+              <a:buChar char="–"/>
+            </a:pPr>
+            <a:r>
+              <a:rPr lang="en-US" sz="3000"/>
+              <a:t>Reduced the data used</a:t>
+            </a:r>
+            <a:endParaRPr sz="3000"/>
+          </a:p>
+          <a:p>
+            <a:pPr indent="-419100" lvl="1" marL="914400" rtl="0" algn="l">
+              <a:spcBef>
+                <a:spcPts val="0"/>
+              </a:spcBef>
+              <a:spcAft>
+                <a:spcPts val="0"/>
+              </a:spcAft>
+              <a:buSzPts val="3000"/>
+              <a:buChar char="–"/>
+            </a:pPr>
+            <a:r>
+              <a:rPr lang="en-US" sz="3000"/>
+              <a:t>Used songs of similar tone for training</a:t>
+            </a:r>
+            <a:endParaRPr sz="3000"/>
+          </a:p>
+          <a:p>
+            <a:pPr indent="-419100" lvl="1" marL="914400" rtl="0" algn="l">
+              <a:spcBef>
+                <a:spcPts val="0"/>
+              </a:spcBef>
+              <a:spcAft>
+                <a:spcPts val="0"/>
+              </a:spcAft>
+              <a:buSzPts val="3000"/>
+              <a:buChar char="–"/>
+            </a:pPr>
+            <a:r>
+              <a:rPr lang="en-US" sz="3000"/>
+              <a:t>Used a different LSTM model</a:t>
+            </a:r>
+            <a:endParaRPr sz="3000"/>
+          </a:p>
+          <a:p>
+            <a:pPr indent="0" lvl="0" marL="914400" rtl="0" algn="l">
+              <a:spcBef>
+                <a:spcPts val="360"/>
+              </a:spcBef>
+              <a:spcAft>
+                <a:spcPts val="0"/>
+              </a:spcAft>
+              <a:buNone/>
+            </a:pPr>
+            <a:r>
+              <a:t/>
+            </a:r>
+            <a:endParaRPr sz="3000"/>
+          </a:p>
+          <a:p>
+            <a:pPr indent="-355600" lvl="0" marL="457200" rtl="0" algn="l">
+              <a:spcBef>
+                <a:spcPts val="360"/>
+              </a:spcBef>
+              <a:spcAft>
+                <a:spcPts val="0"/>
+              </a:spcAft>
+              <a:buSzPts val="2000"/>
+              <a:buChar char="•"/>
+            </a:pPr>
+            <a:r>
+              <a:rPr lang="en-US" sz="3000"/>
+              <a:t>Generated output generates piano roll where no notes are played</a:t>
+            </a:r>
+            <a:endParaRPr sz="3000"/>
+          </a:p>
+          <a:p>
+            <a:pPr indent="-419100" lvl="1" marL="914400" rtl="0" algn="l">
+              <a:spcBef>
+                <a:spcPts val="0"/>
+              </a:spcBef>
+              <a:spcAft>
+                <a:spcPts val="0"/>
+              </a:spcAft>
+              <a:buSzPts val="3000"/>
+              <a:buChar char="–"/>
+            </a:pPr>
+            <a:r>
+              <a:rPr lang="en-US" sz="3000"/>
+              <a:t>Adds the selected song’s sequence again as the input</a:t>
+            </a:r>
+            <a:endParaRPr sz="3000"/>
+          </a:p>
+        </p:txBody>
+      </p:sp>
     </p:spTree>
   </p:cSld>
   <p:clrMapOvr>
@@ -13316,7 +14139,7 @@
   <p:cSld>
     <p:spTree>
       <p:nvGrpSpPr>
-        <p:cNvPr id="176" name="Shape 176"/>
+        <p:cNvPr id="177" name="Shape 177"/>
         <p:cNvGrpSpPr/>
         <p:nvPr/>
       </p:nvGrpSpPr>
@@ -13330,7 +14153,75 @@
       </p:grpSpPr>
       <p:sp>
         <p:nvSpPr>
-          <p:cNvPr id="177" name="Google Shape;177;g11b806550b1_2_14"/>
+          <p:cNvPr id="178" name="Google Shape;178;g11b806550b1_2_6"/>
+          <p:cNvSpPr txBox="1"/>
+          <p:nvPr>
+            <p:ph type="title"/>
+          </p:nvPr>
+        </p:nvSpPr>
+        <p:spPr>
+          <a:xfrm>
+            <a:off x="914400" y="346075"/>
+            <a:ext cx="10363200" cy="873000"/>
+          </a:xfrm>
+          <a:prstGeom prst="rect">
+            <a:avLst/>
+          </a:prstGeom>
+        </p:spPr>
+        <p:txBody>
+          <a:bodyPr anchorCtr="0" anchor="ctr" bIns="45700" lIns="91425" spcFirstLastPara="1" rIns="91425" wrap="square" tIns="45700">
+            <a:noAutofit/>
+          </a:bodyPr>
+          <a:lstStyle/>
+          <a:p>
+            <a:pPr indent="0" lvl="0" marL="0" rtl="0" algn="ctr">
+              <a:spcBef>
+                <a:spcPts val="0"/>
+              </a:spcBef>
+              <a:spcAft>
+                <a:spcPts val="0"/>
+              </a:spcAft>
+              <a:buNone/>
+            </a:pPr>
+            <a:r>
+              <a:rPr lang="en-US"/>
+              <a:t>Enhanced Model using BLSTM</a:t>
+            </a:r>
+            <a:endParaRPr/>
+          </a:p>
+        </p:txBody>
+      </p:sp>
+      <p:pic>
+        <p:nvPicPr>
+          <p:cNvPr id="179" name="Google Shape;179;g11b806550b1_2_6"/>
+          <p:cNvPicPr preferRelativeResize="0"/>
+          <p:nvPr/>
+        </p:nvPicPr>
+        <p:blipFill>
+          <a:blip r:embed="rId3">
+            <a:alphaModFix/>
+          </a:blip>
+          <a:stretch>
+            <a:fillRect/>
+          </a:stretch>
+        </p:blipFill>
+        <p:spPr>
+          <a:xfrm>
+            <a:off x="1143000" y="1643075"/>
+            <a:ext cx="9572625" cy="4443400"/>
+          </a:xfrm>
+          <a:prstGeom prst="rect">
+            <a:avLst/>
+          </a:prstGeom>
+          <a:noFill/>
+          <a:ln>
+            <a:noFill/>
+          </a:ln>
+        </p:spPr>
+      </p:pic>
+      <p:sp>
+        <p:nvSpPr>
+          <p:cNvPr id="180" name="Google Shape;180;g11b806550b1_2_6"/>
           <p:cNvSpPr txBox="1"/>
           <p:nvPr>
             <p:ph idx="1" type="body"/>
@@ -13338,8 +14229,8 @@
         </p:nvSpPr>
         <p:spPr>
           <a:xfrm>
-            <a:off x="914400" y="1371600"/>
-            <a:ext cx="10363200" cy="4687800"/>
+            <a:off x="3486150" y="6229350"/>
+            <a:ext cx="6215100" cy="385800"/>
           </a:xfrm>
           <a:prstGeom prst="rect">
             <a:avLst/>
@@ -13352,32 +14243,19 @@
           <a:lstStyle/>
           <a:p>
             <a:pPr indent="0" lvl="0" marL="0" rtl="0" algn="l">
-              <a:lnSpc>
-                <a:spcPct val="115000"/>
-              </a:lnSpc>
-              <a:spcBef>
-                <a:spcPts val="0"/>
-              </a:spcBef>
-              <a:spcAft>
-                <a:spcPts val="1600"/>
-              </a:spcAft>
-              <a:buClr>
-                <a:schemeClr val="dk1"/>
-              </a:buClr>
-              <a:buSzPts val="1100"/>
-              <a:buFont typeface="Arial"/>
-              <a:buNone/>
-            </a:pPr>
-            <a:r>
-              <a:rPr lang="en-US" sz="2400">
-                <a:latin typeface="Old Standard TT"/>
-                <a:ea typeface="Old Standard TT"/>
-                <a:cs typeface="Old Standard TT"/>
-                <a:sym typeface="Old Standard TT"/>
-              </a:rPr>
-              <a:t>This is a newly generated model which uses Bidirectional LSTM as one of its layers. The model generates a better result compared to the previous model with a much lower loss. This model contains 3 phases, the first involves a normal LSTM Layer. The second phase involves a BLSTM layer and the third phase involves 2 dense layers with ‘relu’ and ‘softmax’ activation.</a:t>
-            </a:r>
-            <a:endParaRPr sz="2400"/>
+              <a:spcBef>
+                <a:spcPts val="360"/>
+              </a:spcBef>
+              <a:spcAft>
+                <a:spcPts val="0"/>
+              </a:spcAft>
+              <a:buNone/>
+            </a:pPr>
+            <a:r>
+              <a:rPr lang="en-US" sz="1800"/>
+              <a:t>Fig 6:- Our “Enhanced Model using BLSTM”</a:t>
+            </a:r>
+            <a:endParaRPr sz="1800"/>
           </a:p>
         </p:txBody>
       </p:sp>
@@ -13735,7 +14613,7 @@
   <p:cSld>
     <p:spTree>
       <p:nvGrpSpPr>
-        <p:cNvPr id="182" name="Shape 182"/>
+        <p:cNvPr id="185" name="Shape 185"/>
         <p:cNvGrpSpPr/>
         <p:nvPr/>
       </p:nvGrpSpPr>
@@ -13749,47 +14627,7 @@
       </p:grpSpPr>
       <p:sp>
         <p:nvSpPr>
-          <p:cNvPr id="183" name="Google Shape;183;g11b806550b1_2_20"/>
-          <p:cNvSpPr txBox="1"/>
-          <p:nvPr>
-            <p:ph type="title"/>
-          </p:nvPr>
-        </p:nvSpPr>
-        <p:spPr>
-          <a:xfrm>
-            <a:off x="914400" y="346075"/>
-            <a:ext cx="10363200" cy="873000"/>
-          </a:xfrm>
-          <a:prstGeom prst="rect">
-            <a:avLst/>
-          </a:prstGeom>
-        </p:spPr>
-        <p:txBody>
-          <a:bodyPr anchorCtr="0" anchor="ctr" bIns="45700" lIns="91425" spcFirstLastPara="1" rIns="91425" wrap="square" tIns="45700">
-            <a:noAutofit/>
-          </a:bodyPr>
-          <a:lstStyle/>
-          <a:p>
-            <a:pPr indent="0" lvl="0" marL="0" rtl="0" algn="ctr">
-              <a:spcBef>
-                <a:spcPts val="0"/>
-              </a:spcBef>
-              <a:spcAft>
-                <a:spcPts val="0"/>
-              </a:spcAft>
-              <a:buNone/>
-            </a:pPr>
-            <a:r>
-              <a:rPr lang="en-US"/>
-              <a:t>Details of Sequential LSTM Model</a:t>
-            </a:r>
-            <a:endParaRPr/>
-          </a:p>
-        </p:txBody>
-      </p:sp>
-      <p:sp>
-        <p:nvSpPr>
-          <p:cNvPr id="184" name="Google Shape;184;g11b806550b1_2_20"/>
+          <p:cNvPr id="186" name="Google Shape;186;g11b806550b1_2_14"/>
           <p:cNvSpPr txBox="1"/>
           <p:nvPr>
             <p:ph idx="1" type="body"/>
@@ -13818,7 +14656,7 @@
                 <a:spcPts val="0"/>
               </a:spcBef>
               <a:spcAft>
-                <a:spcPts val="0"/>
+                <a:spcPts val="1600"/>
               </a:spcAft>
               <a:buClr>
                 <a:schemeClr val="dk1"/>
@@ -13834,111 +14672,7 @@
                 <a:cs typeface="Old Standard TT"/>
                 <a:sym typeface="Old Standard TT"/>
               </a:rPr>
-              <a:t>The encoder consists of two LSTM layers with a dropout of 30 percent to prevent overfitting and batch normalization is used to make the training more effective. This data is then passed to the decoder with 2 more LSTM Layers followed with dropout and batch 21 normalization layers.</a:t>
-            </a:r>
-            <a:endParaRPr sz="2400">
-              <a:latin typeface="Old Standard TT"/>
-              <a:ea typeface="Old Standard TT"/>
-              <a:cs typeface="Old Standard TT"/>
-              <a:sym typeface="Old Standard TT"/>
-            </a:endParaRPr>
-          </a:p>
-          <a:p>
-            <a:pPr indent="0" lvl="0" marL="0" rtl="0" algn="l">
-              <a:lnSpc>
-                <a:spcPct val="115000"/>
-              </a:lnSpc>
-              <a:spcBef>
-                <a:spcPts val="1600"/>
-              </a:spcBef>
-              <a:spcAft>
-                <a:spcPts val="0"/>
-              </a:spcAft>
-              <a:buClr>
-                <a:schemeClr val="dk1"/>
-              </a:buClr>
-              <a:buSzPts val="1100"/>
-              <a:buFont typeface="Arial"/>
-              <a:buNone/>
-            </a:pPr>
-            <a:r>
-              <a:rPr lang="en-US" sz="2400">
-                <a:latin typeface="Old Standard TT"/>
-                <a:ea typeface="Old Standard TT"/>
-                <a:cs typeface="Old Standard TT"/>
-                <a:sym typeface="Old Standard TT"/>
-              </a:rPr>
-              <a:t>At the end of the decoder the data is passed through the Dense to fit the resultant data in the final output sequence dimension.</a:t>
-            </a:r>
-            <a:endParaRPr sz="2400">
-              <a:latin typeface="Old Standard TT"/>
-              <a:ea typeface="Old Standard TT"/>
-              <a:cs typeface="Old Standard TT"/>
-              <a:sym typeface="Old Standard TT"/>
-            </a:endParaRPr>
-          </a:p>
-          <a:p>
-            <a:pPr indent="0" lvl="0" marL="0" rtl="0" algn="l">
-              <a:lnSpc>
-                <a:spcPct val="115000"/>
-              </a:lnSpc>
-              <a:spcBef>
-                <a:spcPts val="1600"/>
-              </a:spcBef>
-              <a:spcAft>
-                <a:spcPts val="1600"/>
-              </a:spcAft>
-              <a:buClr>
-                <a:schemeClr val="dk1"/>
-              </a:buClr>
-              <a:buSzPts val="1100"/>
-              <a:buFont typeface="Arial"/>
-              <a:buNone/>
-            </a:pPr>
-            <a:r>
-              <a:rPr lang="en-US" sz="2400">
-                <a:latin typeface="Old Standard TT"/>
-                <a:ea typeface="Old Standard TT"/>
-                <a:cs typeface="Old Standard TT"/>
-                <a:sym typeface="Old Standard TT"/>
-              </a:rPr>
-              <a:t>The optimizer used in the model is an </a:t>
-            </a:r>
-            <a:r>
-              <a:rPr b="1" lang="en-US" sz="2400">
-                <a:latin typeface="Old Standard TT"/>
-                <a:ea typeface="Old Standard TT"/>
-                <a:cs typeface="Old Standard TT"/>
-                <a:sym typeface="Old Standard TT"/>
-              </a:rPr>
-              <a:t>Adam () optimizer</a:t>
-            </a:r>
-            <a:r>
-              <a:rPr lang="en-US" sz="2400">
-                <a:latin typeface="Old Standard TT"/>
-                <a:ea typeface="Old Standard TT"/>
-                <a:cs typeface="Old Standard TT"/>
-                <a:sym typeface="Old Standard TT"/>
-              </a:rPr>
-              <a:t> and the loss function used is </a:t>
-            </a:r>
-            <a:r>
-              <a:rPr b="1" lang="en-US" sz="2400">
-                <a:latin typeface="Old Standard TT"/>
-                <a:ea typeface="Old Standard TT"/>
-                <a:cs typeface="Old Standard TT"/>
-                <a:sym typeface="Old Standard TT"/>
-              </a:rPr>
-              <a:t>categorical cross entropy</a:t>
-            </a:r>
-            <a:r>
-              <a:rPr lang="en-US" sz="2400">
-                <a:latin typeface="Old Standard TT"/>
-                <a:ea typeface="Old Standard TT"/>
-                <a:cs typeface="Old Standard TT"/>
-                <a:sym typeface="Old Standard TT"/>
-              </a:rPr>
-              <a:t>.</a:t>
+              <a:t>This is a newly generated model which uses Bidirectional LSTM as one of its layers. The model generates a better result compared to the previous model with a much lower loss. This model contains 3 phases, the first involves a normal LSTM Layer. The second phase involves a BLSTM layer and the third phase involves 2 dense layers with ‘relu’ and ‘softmax’ activation.</a:t>
             </a:r>
             <a:endParaRPr sz="2400"/>
           </a:p>
@@ -13957,7 +14691,7 @@
   <p:cSld>
     <p:spTree>
       <p:nvGrpSpPr>
-        <p:cNvPr id="189" name="Shape 189"/>
+        <p:cNvPr id="191" name="Shape 191"/>
         <p:cNvGrpSpPr/>
         <p:nvPr/>
       </p:nvGrpSpPr>
@@ -13971,7 +14705,7 @@
       </p:grpSpPr>
       <p:sp>
         <p:nvSpPr>
-          <p:cNvPr id="190" name="Google Shape;190;g11b806550b1_2_26"/>
+          <p:cNvPr id="192" name="Google Shape;192;g11b806550b1_2_20"/>
           <p:cNvSpPr txBox="1"/>
           <p:nvPr>
             <p:ph type="title"/>
@@ -14003,40 +14737,169 @@
             </a:pPr>
             <a:r>
               <a:rPr lang="en-US"/>
-              <a:t>Results</a:t>
+              <a:t>Details of Sequential LSTM Model</a:t>
             </a:r>
             <a:endParaRPr/>
           </a:p>
         </p:txBody>
       </p:sp>
-      <p:pic>
-        <p:nvPicPr>
-          <p:cNvPr id="191" name="Google Shape;191;g11b806550b1_2_26"/>
-          <p:cNvPicPr preferRelativeResize="0"/>
-          <p:nvPr/>
-        </p:nvPicPr>
-        <p:blipFill>
-          <a:blip r:embed="rId3">
-            <a:alphaModFix/>
-          </a:blip>
-          <a:stretch>
-            <a:fillRect/>
-          </a:stretch>
-        </p:blipFill>
-        <p:spPr>
-          <a:xfrm>
-            <a:off x="1328750" y="1443050"/>
-            <a:ext cx="9544050" cy="5229225"/>
+      <p:sp>
+        <p:nvSpPr>
+          <p:cNvPr id="193" name="Google Shape;193;g11b806550b1_2_20"/>
+          <p:cNvSpPr txBox="1"/>
+          <p:nvPr>
+            <p:ph idx="1" type="body"/>
+          </p:nvPr>
+        </p:nvSpPr>
+        <p:spPr>
+          <a:xfrm>
+            <a:off x="914400" y="1371600"/>
+            <a:ext cx="10363200" cy="4687800"/>
           </a:xfrm>
           <a:prstGeom prst="rect">
             <a:avLst/>
           </a:prstGeom>
-          <a:noFill/>
-          <a:ln>
-            <a:noFill/>
-          </a:ln>
-        </p:spPr>
-      </p:pic>
+        </p:spPr>
+        <p:txBody>
+          <a:bodyPr anchorCtr="0" anchor="t" bIns="45700" lIns="91425" spcFirstLastPara="1" rIns="91425" wrap="square" tIns="45700">
+            <a:noAutofit/>
+          </a:bodyPr>
+          <a:lstStyle/>
+          <a:p>
+            <a:pPr indent="0" lvl="0" marL="0" rtl="0" algn="l">
+              <a:lnSpc>
+                <a:spcPct val="115000"/>
+              </a:lnSpc>
+              <a:spcBef>
+                <a:spcPts val="0"/>
+              </a:spcBef>
+              <a:spcAft>
+                <a:spcPts val="0"/>
+              </a:spcAft>
+              <a:buClr>
+                <a:schemeClr val="dk1"/>
+              </a:buClr>
+              <a:buSzPts val="1100"/>
+              <a:buFont typeface="Arial"/>
+              <a:buNone/>
+            </a:pPr>
+            <a:r>
+              <a:rPr lang="en-US" sz="2400">
+                <a:latin typeface="Old Standard TT"/>
+                <a:ea typeface="Old Standard TT"/>
+                <a:cs typeface="Old Standard TT"/>
+                <a:sym typeface="Old Standard TT"/>
+              </a:rPr>
+              <a:t>The encoder consists of two LSTM layers with a dropout of 30 percent to prevent overfitting and batch normalization is used to make the training more effective. This data is then passed to the decoder with 2 more LSTM Layers followed with dropout and batch 21 normalization layers.</a:t>
+            </a:r>
+            <a:endParaRPr sz="2400">
+              <a:latin typeface="Old Standard TT"/>
+              <a:ea typeface="Old Standard TT"/>
+              <a:cs typeface="Old Standard TT"/>
+              <a:sym typeface="Old Standard TT"/>
+            </a:endParaRPr>
+          </a:p>
+          <a:p>
+            <a:pPr indent="0" lvl="0" marL="0" rtl="0" algn="l">
+              <a:lnSpc>
+                <a:spcPct val="115000"/>
+              </a:lnSpc>
+              <a:spcBef>
+                <a:spcPts val="1600"/>
+              </a:spcBef>
+              <a:spcAft>
+                <a:spcPts val="0"/>
+              </a:spcAft>
+              <a:buClr>
+                <a:schemeClr val="dk1"/>
+              </a:buClr>
+              <a:buSzPts val="1100"/>
+              <a:buFont typeface="Arial"/>
+              <a:buNone/>
+            </a:pPr>
+            <a:r>
+              <a:rPr lang="en-US" sz="2400">
+                <a:latin typeface="Old Standard TT"/>
+                <a:ea typeface="Old Standard TT"/>
+                <a:cs typeface="Old Standard TT"/>
+                <a:sym typeface="Old Standard TT"/>
+              </a:rPr>
+              <a:t>At the end of the decoder the data is passed through the Dense to fit the resultant data in the final output sequence dimension.</a:t>
+            </a:r>
+            <a:endParaRPr sz="2400">
+              <a:latin typeface="Old Standard TT"/>
+              <a:ea typeface="Old Standard TT"/>
+              <a:cs typeface="Old Standard TT"/>
+              <a:sym typeface="Old Standard TT"/>
+            </a:endParaRPr>
+          </a:p>
+          <a:p>
+            <a:pPr indent="0" lvl="0" marL="0" rtl="0" algn="l">
+              <a:lnSpc>
+                <a:spcPct val="115000"/>
+              </a:lnSpc>
+              <a:spcBef>
+                <a:spcPts val="1600"/>
+              </a:spcBef>
+              <a:spcAft>
+                <a:spcPts val="1600"/>
+              </a:spcAft>
+              <a:buClr>
+                <a:schemeClr val="dk1"/>
+              </a:buClr>
+              <a:buSzPts val="1100"/>
+              <a:buFont typeface="Arial"/>
+              <a:buNone/>
+            </a:pPr>
+            <a:r>
+              <a:rPr lang="en-US" sz="2400">
+                <a:latin typeface="Old Standard TT"/>
+                <a:ea typeface="Old Standard TT"/>
+                <a:cs typeface="Old Standard TT"/>
+                <a:sym typeface="Old Standard TT"/>
+              </a:rPr>
+              <a:t>The optimizer used in the model is an </a:t>
+            </a:r>
+            <a:r>
+              <a:rPr b="1" lang="en-US" sz="2400">
+                <a:latin typeface="Old Standard TT"/>
+                <a:ea typeface="Old Standard TT"/>
+                <a:cs typeface="Old Standard TT"/>
+                <a:sym typeface="Old Standard TT"/>
+              </a:rPr>
+              <a:t>Adam () optimizer</a:t>
+            </a:r>
+            <a:r>
+              <a:rPr lang="en-US" sz="2400">
+                <a:latin typeface="Old Standard TT"/>
+                <a:ea typeface="Old Standard TT"/>
+                <a:cs typeface="Old Standard TT"/>
+                <a:sym typeface="Old Standard TT"/>
+              </a:rPr>
+              <a:t> and the loss function used is </a:t>
+            </a:r>
+            <a:r>
+              <a:rPr b="1" lang="en-US" sz="2400">
+                <a:latin typeface="Old Standard TT"/>
+                <a:ea typeface="Old Standard TT"/>
+                <a:cs typeface="Old Standard TT"/>
+                <a:sym typeface="Old Standard TT"/>
+              </a:rPr>
+              <a:t>categorical cross entropy</a:t>
+            </a:r>
+            <a:r>
+              <a:rPr lang="en-US" sz="2400">
+                <a:latin typeface="Old Standard TT"/>
+                <a:ea typeface="Old Standard TT"/>
+                <a:cs typeface="Old Standard TT"/>
+                <a:sym typeface="Old Standard TT"/>
+              </a:rPr>
+              <a:t>.</a:t>
+            </a:r>
+            <a:endParaRPr sz="2400"/>
+          </a:p>
+        </p:txBody>
+      </p:sp>
     </p:spTree>
   </p:cSld>
   <p:clrMapOvr>
@@ -14050,7 +14913,7 @@
   <p:cSld>
     <p:spTree>
       <p:nvGrpSpPr>
-        <p:cNvPr id="196" name="Shape 196"/>
+        <p:cNvPr id="198" name="Shape 198"/>
         <p:cNvGrpSpPr/>
         <p:nvPr/>
       </p:nvGrpSpPr>
@@ -14064,7 +14927,7 @@
       </p:grpSpPr>
       <p:sp>
         <p:nvSpPr>
-          <p:cNvPr id="197" name="Google Shape;197;g11b806550b1_2_33"/>
+          <p:cNvPr id="199" name="Google Shape;199;g11b806550b1_2_26"/>
           <p:cNvSpPr txBox="1"/>
           <p:nvPr>
             <p:ph type="title"/>
@@ -14096,7 +14959,7 @@
             </a:pPr>
             <a:r>
               <a:rPr lang="en-US"/>
-              <a:t>Results from Basic Model Training</a:t>
+              <a:t>Results</a:t>
             </a:r>
             <a:endParaRPr/>
           </a:p>
@@ -14104,7 +14967,7 @@
       </p:sp>
       <p:pic>
         <p:nvPicPr>
-          <p:cNvPr id="198" name="Google Shape;198;g11b806550b1_2_33"/>
+          <p:cNvPr id="200" name="Google Shape;200;g11b806550b1_2_26"/>
           <p:cNvPicPr preferRelativeResize="0"/>
           <p:nvPr/>
         </p:nvPicPr>
@@ -14118,8 +14981,8 @@
         </p:blipFill>
         <p:spPr>
           <a:xfrm>
-            <a:off x="1628775" y="1571625"/>
-            <a:ext cx="8701100" cy="4657725"/>
+            <a:off x="1681150" y="1643075"/>
+            <a:ext cx="8877325" cy="4572000"/>
           </a:xfrm>
           <a:prstGeom prst="rect">
             <a:avLst/>
@@ -14130,6 +14993,46 @@
           </a:ln>
         </p:spPr>
       </p:pic>
+      <p:sp>
+        <p:nvSpPr>
+          <p:cNvPr id="201" name="Google Shape;201;g11b806550b1_2_26"/>
+          <p:cNvSpPr txBox="1"/>
+          <p:nvPr>
+            <p:ph idx="1" type="body"/>
+          </p:nvPr>
+        </p:nvSpPr>
+        <p:spPr>
+          <a:xfrm>
+            <a:off x="3057525" y="5972175"/>
+            <a:ext cx="7343700" cy="471600"/>
+          </a:xfrm>
+          <a:prstGeom prst="rect">
+            <a:avLst/>
+          </a:prstGeom>
+        </p:spPr>
+        <p:txBody>
+          <a:bodyPr anchorCtr="0" anchor="t" bIns="45700" lIns="91425" spcFirstLastPara="1" rIns="91425" wrap="square" tIns="45700">
+            <a:noAutofit/>
+          </a:bodyPr>
+          <a:lstStyle/>
+          <a:p>
+            <a:pPr indent="0" lvl="0" marL="0" rtl="0" algn="l">
+              <a:spcBef>
+                <a:spcPts val="360"/>
+              </a:spcBef>
+              <a:spcAft>
+                <a:spcPts val="0"/>
+              </a:spcAft>
+              <a:buNone/>
+            </a:pPr>
+            <a:r>
+              <a:rPr lang="en-US" sz="1800"/>
+              <a:t>Fig 7:- Plotting “Notes” vs “Time slice” </a:t>
+            </a:r>
+            <a:endParaRPr sz="1800"/>
+          </a:p>
+        </p:txBody>
+      </p:sp>
     </p:spTree>
   </p:cSld>
   <p:clrMapOvr>
@@ -14143,7 +15046,7 @@
   <p:cSld>
     <p:spTree>
       <p:nvGrpSpPr>
-        <p:cNvPr id="203" name="Shape 203"/>
+        <p:cNvPr id="206" name="Shape 206"/>
         <p:cNvGrpSpPr/>
         <p:nvPr/>
       </p:nvGrpSpPr>
@@ -14157,7 +15060,75 @@
       </p:grpSpPr>
       <p:sp>
         <p:nvSpPr>
-          <p:cNvPr id="204" name="Google Shape;204;g11b806550b1_2_40"/>
+          <p:cNvPr id="207" name="Google Shape;207;g11b806550b1_2_33"/>
+          <p:cNvSpPr txBox="1"/>
+          <p:nvPr>
+            <p:ph type="title"/>
+          </p:nvPr>
+        </p:nvSpPr>
+        <p:spPr>
+          <a:xfrm>
+            <a:off x="914400" y="346075"/>
+            <a:ext cx="10363200" cy="873000"/>
+          </a:xfrm>
+          <a:prstGeom prst="rect">
+            <a:avLst/>
+          </a:prstGeom>
+        </p:spPr>
+        <p:txBody>
+          <a:bodyPr anchorCtr="0" anchor="ctr" bIns="45700" lIns="91425" spcFirstLastPara="1" rIns="91425" wrap="square" tIns="45700">
+            <a:noAutofit/>
+          </a:bodyPr>
+          <a:lstStyle/>
+          <a:p>
+            <a:pPr indent="0" lvl="0" marL="0" rtl="0" algn="ctr">
+              <a:spcBef>
+                <a:spcPts val="0"/>
+              </a:spcBef>
+              <a:spcAft>
+                <a:spcPts val="0"/>
+              </a:spcAft>
+              <a:buNone/>
+            </a:pPr>
+            <a:r>
+              <a:rPr lang="en-US"/>
+              <a:t>Results from Basic Model Training</a:t>
+            </a:r>
+            <a:endParaRPr/>
+          </a:p>
+        </p:txBody>
+      </p:sp>
+      <p:pic>
+        <p:nvPicPr>
+          <p:cNvPr id="208" name="Google Shape;208;g11b806550b1_2_33"/>
+          <p:cNvPicPr preferRelativeResize="0"/>
+          <p:nvPr/>
+        </p:nvPicPr>
+        <p:blipFill>
+          <a:blip r:embed="rId3">
+            <a:alphaModFix/>
+          </a:blip>
+          <a:stretch>
+            <a:fillRect/>
+          </a:stretch>
+        </p:blipFill>
+        <p:spPr>
+          <a:xfrm>
+            <a:off x="1628775" y="1571625"/>
+            <a:ext cx="8701100" cy="4657725"/>
+          </a:xfrm>
+          <a:prstGeom prst="rect">
+            <a:avLst/>
+          </a:prstGeom>
+          <a:noFill/>
+          <a:ln>
+            <a:noFill/>
+          </a:ln>
+        </p:spPr>
+      </p:pic>
+      <p:sp>
+        <p:nvSpPr>
+          <p:cNvPr id="209" name="Google Shape;209;g11b806550b1_2_33"/>
           <p:cNvSpPr txBox="1"/>
           <p:nvPr>
             <p:ph idx="1" type="body"/>
@@ -14165,8 +15136,8 @@
         </p:nvSpPr>
         <p:spPr>
           <a:xfrm>
-            <a:off x="914400" y="1371600"/>
-            <a:ext cx="10363200" cy="4687800"/>
+            <a:off x="3200400" y="6229350"/>
+            <a:ext cx="6372300" cy="442800"/>
           </a:xfrm>
           <a:prstGeom prst="rect">
             <a:avLst/>
@@ -14179,100 +15150,19 @@
           <a:lstStyle/>
           <a:p>
             <a:pPr indent="0" lvl="0" marL="0" rtl="0" algn="l">
-              <a:lnSpc>
-                <a:spcPct val="115000"/>
-              </a:lnSpc>
-              <a:spcBef>
-                <a:spcPts val="0"/>
-              </a:spcBef>
-              <a:spcAft>
-                <a:spcPts val="0"/>
-              </a:spcAft>
-              <a:buClr>
-                <a:schemeClr val="dk1"/>
-              </a:buClr>
-              <a:buSzPts val="1100"/>
-              <a:buFont typeface="Arial"/>
-              <a:buNone/>
-            </a:pPr>
-            <a:r>
-              <a:rPr b="1" lang="en-US" sz="2400">
-                <a:latin typeface="Old Standard TT"/>
-                <a:ea typeface="Old Standard TT"/>
-                <a:cs typeface="Old Standard TT"/>
-                <a:sym typeface="Old Standard TT"/>
-              </a:rPr>
-              <a:t>Y-axis : Loss value</a:t>
-            </a:r>
-            <a:endParaRPr b="1" sz="2400">
-              <a:latin typeface="Old Standard TT"/>
-              <a:ea typeface="Old Standard TT"/>
-              <a:cs typeface="Old Standard TT"/>
-              <a:sym typeface="Old Standard TT"/>
-            </a:endParaRPr>
-          </a:p>
-          <a:p>
-            <a:pPr indent="0" lvl="0" marL="0" rtl="0" algn="l">
-              <a:lnSpc>
-                <a:spcPct val="115000"/>
-              </a:lnSpc>
-              <a:spcBef>
-                <a:spcPts val="1600"/>
-              </a:spcBef>
-              <a:spcAft>
-                <a:spcPts val="0"/>
-              </a:spcAft>
-              <a:buClr>
-                <a:schemeClr val="dk1"/>
-              </a:buClr>
-              <a:buSzPts val="1100"/>
-              <a:buFont typeface="Arial"/>
-              <a:buNone/>
-            </a:pPr>
-            <a:r>
-              <a:rPr b="1" lang="en-US" sz="2400">
-                <a:latin typeface="Old Standard TT"/>
-                <a:ea typeface="Old Standard TT"/>
-                <a:cs typeface="Old Standard TT"/>
-                <a:sym typeface="Old Standard TT"/>
-              </a:rPr>
-              <a:t>X-axis : Number of epochs</a:t>
-            </a:r>
-            <a:endParaRPr b="1" sz="2400">
-              <a:latin typeface="Old Standard TT"/>
-              <a:ea typeface="Old Standard TT"/>
-              <a:cs typeface="Old Standard TT"/>
-              <a:sym typeface="Old Standard TT"/>
-            </a:endParaRPr>
-          </a:p>
-          <a:p>
-            <a:pPr indent="0" lvl="0" marL="0" rtl="0" algn="l">
-              <a:lnSpc>
-                <a:spcPct val="115000"/>
-              </a:lnSpc>
-              <a:spcBef>
-                <a:spcPts val="1600"/>
-              </a:spcBef>
-              <a:spcAft>
-                <a:spcPts val="1600"/>
-              </a:spcAft>
-              <a:buClr>
-                <a:schemeClr val="dk1"/>
-              </a:buClr>
-              <a:buSzPts val="1100"/>
-              <a:buFont typeface="Arial"/>
-              <a:buNone/>
-            </a:pPr>
-            <a:r>
-              <a:rPr lang="en-US" sz="2400">
-                <a:latin typeface="Old Standard TT"/>
-                <a:ea typeface="Old Standard TT"/>
-                <a:cs typeface="Old Standard TT"/>
-                <a:sym typeface="Old Standard TT"/>
-              </a:rPr>
-              <a:t>The graph shows minor decrease in loss values for the basic model from 9.8 to 8.6</a:t>
-            </a:r>
-            <a:endParaRPr sz="2400"/>
+              <a:spcBef>
+                <a:spcPts val="360"/>
+              </a:spcBef>
+              <a:spcAft>
+                <a:spcPts val="0"/>
+              </a:spcAft>
+              <a:buNone/>
+            </a:pPr>
+            <a:r>
+              <a:rPr lang="en-US" sz="1800"/>
+              <a:t>Fig 8:- Plotting “loss curve” vs “epochs” for LSTM model</a:t>
+            </a:r>
+            <a:endParaRPr sz="1800"/>
           </a:p>
         </p:txBody>
       </p:sp>
@@ -14289,7 +15179,7 @@
   <p:cSld>
     <p:spTree>
       <p:nvGrpSpPr>
-        <p:cNvPr id="209" name="Shape 209"/>
+        <p:cNvPr id="214" name="Shape 214"/>
         <p:cNvGrpSpPr/>
         <p:nvPr/>
       </p:nvGrpSpPr>
@@ -14303,72 +15193,125 @@
       </p:grpSpPr>
       <p:sp>
         <p:nvSpPr>
-          <p:cNvPr id="210" name="Google Shape;210;g11b806550b1_2_46"/>
+          <p:cNvPr id="215" name="Google Shape;215;g11b806550b1_2_40"/>
           <p:cNvSpPr txBox="1"/>
           <p:nvPr>
-            <p:ph type="title"/>
+            <p:ph idx="1" type="body"/>
           </p:nvPr>
         </p:nvSpPr>
         <p:spPr>
           <a:xfrm>
-            <a:off x="914400" y="346075"/>
-            <a:ext cx="10363200" cy="873000"/>
+            <a:off x="914400" y="1371600"/>
+            <a:ext cx="10363200" cy="4687800"/>
           </a:xfrm>
           <a:prstGeom prst="rect">
             <a:avLst/>
           </a:prstGeom>
         </p:spPr>
         <p:txBody>
-          <a:bodyPr anchorCtr="0" anchor="ctr" bIns="45700" lIns="91425" spcFirstLastPara="1" rIns="91425" wrap="square" tIns="45700">
+          <a:bodyPr anchorCtr="0" anchor="t" bIns="45700" lIns="91425" spcFirstLastPara="1" rIns="91425" wrap="square" tIns="45700">
             <a:noAutofit/>
           </a:bodyPr>
           <a:lstStyle/>
           <a:p>
-            <a:pPr indent="0" lvl="0" marL="0" rtl="0" algn="ctr">
-              <a:spcBef>
-                <a:spcPts val="0"/>
-              </a:spcBef>
-              <a:spcAft>
-                <a:spcPts val="0"/>
-              </a:spcAft>
-              <a:buNone/>
-            </a:pPr>
-            <a:r>
-              <a:rPr lang="en-US"/>
-              <a:t>Results from Enhanced Model Training</a:t>
-            </a:r>
-            <a:endParaRPr/>
+            <a:pPr indent="0" lvl="0" marL="0" rtl="0" algn="l">
+              <a:lnSpc>
+                <a:spcPct val="115000"/>
+              </a:lnSpc>
+              <a:spcBef>
+                <a:spcPts val="0"/>
+              </a:spcBef>
+              <a:spcAft>
+                <a:spcPts val="0"/>
+              </a:spcAft>
+              <a:buClr>
+                <a:schemeClr val="dk1"/>
+              </a:buClr>
+              <a:buSzPts val="1100"/>
+              <a:buFont typeface="Arial"/>
+              <a:buNone/>
+            </a:pPr>
+            <a:r>
+              <a:rPr b="1" lang="en-US" sz="2400">
+                <a:latin typeface="Old Standard TT"/>
+                <a:ea typeface="Old Standard TT"/>
+                <a:cs typeface="Old Standard TT"/>
+                <a:sym typeface="Old Standard TT"/>
+              </a:rPr>
+              <a:t>Y-axis : Loss value</a:t>
+            </a:r>
+            <a:endParaRPr b="1" sz="2400">
+              <a:latin typeface="Old Standard TT"/>
+              <a:ea typeface="Old Standard TT"/>
+              <a:cs typeface="Old Standard TT"/>
+              <a:sym typeface="Old Standard TT"/>
+            </a:endParaRPr>
+          </a:p>
+          <a:p>
+            <a:pPr indent="0" lvl="0" marL="0" rtl="0" algn="l">
+              <a:lnSpc>
+                <a:spcPct val="115000"/>
+              </a:lnSpc>
+              <a:spcBef>
+                <a:spcPts val="1600"/>
+              </a:spcBef>
+              <a:spcAft>
+                <a:spcPts val="0"/>
+              </a:spcAft>
+              <a:buClr>
+                <a:schemeClr val="dk1"/>
+              </a:buClr>
+              <a:buSzPts val="1100"/>
+              <a:buFont typeface="Arial"/>
+              <a:buNone/>
+            </a:pPr>
+            <a:r>
+              <a:rPr b="1" lang="en-US" sz="2400">
+                <a:latin typeface="Old Standard TT"/>
+                <a:ea typeface="Old Standard TT"/>
+                <a:cs typeface="Old Standard TT"/>
+                <a:sym typeface="Old Standard TT"/>
+              </a:rPr>
+              <a:t>X-axis : Number of epochs</a:t>
+            </a:r>
+            <a:endParaRPr b="1" sz="2400">
+              <a:latin typeface="Old Standard TT"/>
+              <a:ea typeface="Old Standard TT"/>
+              <a:cs typeface="Old Standard TT"/>
+              <a:sym typeface="Old Standard TT"/>
+            </a:endParaRPr>
+          </a:p>
+          <a:p>
+            <a:pPr indent="0" lvl="0" marL="0" rtl="0" algn="l">
+              <a:lnSpc>
+                <a:spcPct val="115000"/>
+              </a:lnSpc>
+              <a:spcBef>
+                <a:spcPts val="1600"/>
+              </a:spcBef>
+              <a:spcAft>
+                <a:spcPts val="1600"/>
+              </a:spcAft>
+              <a:buClr>
+                <a:schemeClr val="dk1"/>
+              </a:buClr>
+              <a:buSzPts val="1100"/>
+              <a:buFont typeface="Arial"/>
+              <a:buNone/>
+            </a:pPr>
+            <a:r>
+              <a:rPr lang="en-US" sz="2400">
+                <a:latin typeface="Old Standard TT"/>
+                <a:ea typeface="Old Standard TT"/>
+                <a:cs typeface="Old Standard TT"/>
+                <a:sym typeface="Old Standard TT"/>
+              </a:rPr>
+              <a:t>The graph shows minor decrease in loss values for the basic model from 9.8 to 8.6</a:t>
+            </a:r>
+            <a:endParaRPr sz="2400"/>
           </a:p>
         </p:txBody>
       </p:sp>
-      <p:pic>
-        <p:nvPicPr>
-          <p:cNvPr id="211" name="Google Shape;211;g11b806550b1_2_46"/>
-          <p:cNvPicPr preferRelativeResize="0"/>
-          <p:nvPr/>
-        </p:nvPicPr>
-        <p:blipFill>
-          <a:blip r:embed="rId3">
-            <a:alphaModFix/>
-          </a:blip>
-          <a:stretch>
-            <a:fillRect/>
-          </a:stretch>
-        </p:blipFill>
-        <p:spPr>
-          <a:xfrm>
-            <a:off x="2000250" y="1600200"/>
-            <a:ext cx="7858125" cy="4829176"/>
-          </a:xfrm>
-          <a:prstGeom prst="rect">
-            <a:avLst/>
-          </a:prstGeom>
-          <a:noFill/>
-          <a:ln>
-            <a:noFill/>
-          </a:ln>
-        </p:spPr>
-      </p:pic>
     </p:spTree>
   </p:cSld>
   <p:clrMapOvr>
@@ -14382,7 +15325,7 @@
   <p:cSld>
     <p:spTree>
       <p:nvGrpSpPr>
-        <p:cNvPr id="216" name="Shape 216"/>
+        <p:cNvPr id="220" name="Shape 220"/>
         <p:cNvGrpSpPr/>
         <p:nvPr/>
       </p:nvGrpSpPr>
@@ -14396,7 +15339,75 @@
       </p:grpSpPr>
       <p:sp>
         <p:nvSpPr>
-          <p:cNvPr id="217" name="Google Shape;217;g11b806550b1_2_53"/>
+          <p:cNvPr id="221" name="Google Shape;221;g11b806550b1_2_46"/>
+          <p:cNvSpPr txBox="1"/>
+          <p:nvPr>
+            <p:ph type="title"/>
+          </p:nvPr>
+        </p:nvSpPr>
+        <p:spPr>
+          <a:xfrm>
+            <a:off x="914400" y="346075"/>
+            <a:ext cx="10363200" cy="873000"/>
+          </a:xfrm>
+          <a:prstGeom prst="rect">
+            <a:avLst/>
+          </a:prstGeom>
+        </p:spPr>
+        <p:txBody>
+          <a:bodyPr anchorCtr="0" anchor="ctr" bIns="45700" lIns="91425" spcFirstLastPara="1" rIns="91425" wrap="square" tIns="45700">
+            <a:noAutofit/>
+          </a:bodyPr>
+          <a:lstStyle/>
+          <a:p>
+            <a:pPr indent="0" lvl="0" marL="0" rtl="0" algn="ctr">
+              <a:spcBef>
+                <a:spcPts val="0"/>
+              </a:spcBef>
+              <a:spcAft>
+                <a:spcPts val="0"/>
+              </a:spcAft>
+              <a:buNone/>
+            </a:pPr>
+            <a:r>
+              <a:rPr lang="en-US"/>
+              <a:t>Results from Enhanced Model Training</a:t>
+            </a:r>
+            <a:endParaRPr/>
+          </a:p>
+        </p:txBody>
+      </p:sp>
+      <p:pic>
+        <p:nvPicPr>
+          <p:cNvPr id="222" name="Google Shape;222;g11b806550b1_2_46"/>
+          <p:cNvPicPr preferRelativeResize="0"/>
+          <p:nvPr/>
+        </p:nvPicPr>
+        <p:blipFill>
+          <a:blip r:embed="rId3">
+            <a:alphaModFix/>
+          </a:blip>
+          <a:stretch>
+            <a:fillRect/>
+          </a:stretch>
+        </p:blipFill>
+        <p:spPr>
+          <a:xfrm>
+            <a:off x="2000250" y="1600200"/>
+            <a:ext cx="7858125" cy="4829176"/>
+          </a:xfrm>
+          <a:prstGeom prst="rect">
+            <a:avLst/>
+          </a:prstGeom>
+          <a:noFill/>
+          <a:ln>
+            <a:noFill/>
+          </a:ln>
+        </p:spPr>
+      </p:pic>
+      <p:sp>
+        <p:nvSpPr>
+          <p:cNvPr id="223" name="Google Shape;223;g11b806550b1_2_46"/>
           <p:cNvSpPr txBox="1"/>
           <p:nvPr>
             <p:ph idx="1" type="body"/>
@@ -14404,8 +15415,8 @@
         </p:nvSpPr>
         <p:spPr>
           <a:xfrm>
-            <a:off x="914400" y="1371600"/>
-            <a:ext cx="10363200" cy="4687800"/>
+            <a:off x="3200425" y="6343575"/>
+            <a:ext cx="6372300" cy="414300"/>
           </a:xfrm>
           <a:prstGeom prst="rect">
             <a:avLst/>
@@ -14418,100 +15429,19 @@
           <a:lstStyle/>
           <a:p>
             <a:pPr indent="0" lvl="0" marL="0" rtl="0" algn="l">
-              <a:lnSpc>
-                <a:spcPct val="115000"/>
-              </a:lnSpc>
-              <a:spcBef>
-                <a:spcPts val="0"/>
-              </a:spcBef>
-              <a:spcAft>
-                <a:spcPts val="0"/>
-              </a:spcAft>
-              <a:buClr>
-                <a:schemeClr val="dk1"/>
-              </a:buClr>
-              <a:buSzPts val="1100"/>
-              <a:buFont typeface="Arial"/>
-              <a:buNone/>
-            </a:pPr>
-            <a:r>
-              <a:rPr b="1" lang="en-US" sz="2400">
-                <a:latin typeface="Old Standard TT"/>
-                <a:ea typeface="Old Standard TT"/>
-                <a:cs typeface="Old Standard TT"/>
-                <a:sym typeface="Old Standard TT"/>
-              </a:rPr>
-              <a:t>Y-axis : Loss value</a:t>
-            </a:r>
-            <a:endParaRPr b="1" sz="2400">
-              <a:latin typeface="Old Standard TT"/>
-              <a:ea typeface="Old Standard TT"/>
-              <a:cs typeface="Old Standard TT"/>
-              <a:sym typeface="Old Standard TT"/>
-            </a:endParaRPr>
-          </a:p>
-          <a:p>
-            <a:pPr indent="0" lvl="0" marL="0" rtl="0" algn="l">
-              <a:lnSpc>
-                <a:spcPct val="115000"/>
-              </a:lnSpc>
-              <a:spcBef>
-                <a:spcPts val="1600"/>
-              </a:spcBef>
-              <a:spcAft>
-                <a:spcPts val="0"/>
-              </a:spcAft>
-              <a:buClr>
-                <a:schemeClr val="dk1"/>
-              </a:buClr>
-              <a:buSzPts val="1100"/>
-              <a:buFont typeface="Arial"/>
-              <a:buNone/>
-            </a:pPr>
-            <a:r>
-              <a:rPr b="1" lang="en-US" sz="2400">
-                <a:latin typeface="Old Standard TT"/>
-                <a:ea typeface="Old Standard TT"/>
-                <a:cs typeface="Old Standard TT"/>
-                <a:sym typeface="Old Standard TT"/>
-              </a:rPr>
-              <a:t>X-axis : Number of epochs</a:t>
-            </a:r>
-            <a:endParaRPr b="1" sz="2400">
-              <a:latin typeface="Old Standard TT"/>
-              <a:ea typeface="Old Standard TT"/>
-              <a:cs typeface="Old Standard TT"/>
-              <a:sym typeface="Old Standard TT"/>
-            </a:endParaRPr>
-          </a:p>
-          <a:p>
-            <a:pPr indent="0" lvl="0" marL="0" rtl="0" algn="l">
-              <a:lnSpc>
-                <a:spcPct val="115000"/>
-              </a:lnSpc>
-              <a:spcBef>
-                <a:spcPts val="1600"/>
-              </a:spcBef>
-              <a:spcAft>
-                <a:spcPts val="1600"/>
-              </a:spcAft>
-              <a:buClr>
-                <a:schemeClr val="dk1"/>
-              </a:buClr>
-              <a:buSzPts val="1100"/>
-              <a:buFont typeface="Arial"/>
-              <a:buNone/>
-            </a:pPr>
-            <a:r>
-              <a:rPr lang="en-US" sz="2400">
-                <a:latin typeface="Old Standard TT"/>
-                <a:ea typeface="Old Standard TT"/>
-                <a:cs typeface="Old Standard TT"/>
-                <a:sym typeface="Old Standard TT"/>
-              </a:rPr>
-              <a:t>The decrease in loss in the second graph is much significant compared to the previous one. Here the loss is reduced to approx 3.5 after a little more than 100 epochs which ended due to the early stopping mechanism due to lack of change in the loss value. </a:t>
-            </a:r>
-            <a:endParaRPr sz="2400"/>
+              <a:spcBef>
+                <a:spcPts val="360"/>
+              </a:spcBef>
+              <a:spcAft>
+                <a:spcPts val="0"/>
+              </a:spcAft>
+              <a:buNone/>
+            </a:pPr>
+            <a:r>
+              <a:rPr lang="en-US" sz="1800"/>
+              <a:t>Fig 9:- Plotting “loss curve” vs “epochs” for BLSTM model</a:t>
+            </a:r>
+            <a:endParaRPr sz="1800"/>
           </a:p>
         </p:txBody>
       </p:sp>
@@ -14528,7 +15458,7 @@
   <p:cSld>
     <p:spTree>
       <p:nvGrpSpPr>
-        <p:cNvPr id="222" name="Shape 222"/>
+        <p:cNvPr id="228" name="Shape 228"/>
         <p:cNvGrpSpPr/>
         <p:nvPr/>
       </p:nvGrpSpPr>
@@ -14542,7 +15472,153 @@
       </p:grpSpPr>
       <p:sp>
         <p:nvSpPr>
-          <p:cNvPr id="223" name="Google Shape;223;g127e5307d53_0_0"/>
+          <p:cNvPr id="229" name="Google Shape;229;g11b806550b1_2_53"/>
+          <p:cNvSpPr txBox="1"/>
+          <p:nvPr>
+            <p:ph idx="1" type="body"/>
+          </p:nvPr>
+        </p:nvSpPr>
+        <p:spPr>
+          <a:xfrm>
+            <a:off x="914400" y="1371600"/>
+            <a:ext cx="10363200" cy="4687800"/>
+          </a:xfrm>
+          <a:prstGeom prst="rect">
+            <a:avLst/>
+          </a:prstGeom>
+        </p:spPr>
+        <p:txBody>
+          <a:bodyPr anchorCtr="0" anchor="t" bIns="45700" lIns="91425" spcFirstLastPara="1" rIns="91425" wrap="square" tIns="45700">
+            <a:noAutofit/>
+          </a:bodyPr>
+          <a:lstStyle/>
+          <a:p>
+            <a:pPr indent="0" lvl="0" marL="0" rtl="0" algn="l">
+              <a:lnSpc>
+                <a:spcPct val="115000"/>
+              </a:lnSpc>
+              <a:spcBef>
+                <a:spcPts val="0"/>
+              </a:spcBef>
+              <a:spcAft>
+                <a:spcPts val="0"/>
+              </a:spcAft>
+              <a:buClr>
+                <a:schemeClr val="dk1"/>
+              </a:buClr>
+              <a:buSzPts val="1100"/>
+              <a:buFont typeface="Arial"/>
+              <a:buNone/>
+            </a:pPr>
+            <a:r>
+              <a:rPr b="1" lang="en-US" sz="2400">
+                <a:latin typeface="Old Standard TT"/>
+                <a:ea typeface="Old Standard TT"/>
+                <a:cs typeface="Old Standard TT"/>
+                <a:sym typeface="Old Standard TT"/>
+              </a:rPr>
+              <a:t>Y-axis : Loss value</a:t>
+            </a:r>
+            <a:endParaRPr b="1" sz="2400">
+              <a:latin typeface="Old Standard TT"/>
+              <a:ea typeface="Old Standard TT"/>
+              <a:cs typeface="Old Standard TT"/>
+              <a:sym typeface="Old Standard TT"/>
+            </a:endParaRPr>
+          </a:p>
+          <a:p>
+            <a:pPr indent="0" lvl="0" marL="0" rtl="0" algn="l">
+              <a:lnSpc>
+                <a:spcPct val="115000"/>
+              </a:lnSpc>
+              <a:spcBef>
+                <a:spcPts val="1600"/>
+              </a:spcBef>
+              <a:spcAft>
+                <a:spcPts val="0"/>
+              </a:spcAft>
+              <a:buClr>
+                <a:schemeClr val="dk1"/>
+              </a:buClr>
+              <a:buSzPts val="1100"/>
+              <a:buFont typeface="Arial"/>
+              <a:buNone/>
+            </a:pPr>
+            <a:r>
+              <a:rPr b="1" lang="en-US" sz="2400">
+                <a:latin typeface="Old Standard TT"/>
+                <a:ea typeface="Old Standard TT"/>
+                <a:cs typeface="Old Standard TT"/>
+                <a:sym typeface="Old Standard TT"/>
+              </a:rPr>
+              <a:t>X-axis : Number of epochs</a:t>
+            </a:r>
+            <a:endParaRPr b="1" sz="2400">
+              <a:latin typeface="Old Standard TT"/>
+              <a:ea typeface="Old Standard TT"/>
+              <a:cs typeface="Old Standard TT"/>
+              <a:sym typeface="Old Standard TT"/>
+            </a:endParaRPr>
+          </a:p>
+          <a:p>
+            <a:pPr indent="0" lvl="0" marL="0" rtl="0" algn="l">
+              <a:lnSpc>
+                <a:spcPct val="115000"/>
+              </a:lnSpc>
+              <a:spcBef>
+                <a:spcPts val="1600"/>
+              </a:spcBef>
+              <a:spcAft>
+                <a:spcPts val="1600"/>
+              </a:spcAft>
+              <a:buClr>
+                <a:schemeClr val="dk1"/>
+              </a:buClr>
+              <a:buSzPts val="1100"/>
+              <a:buFont typeface="Arial"/>
+              <a:buNone/>
+            </a:pPr>
+            <a:r>
+              <a:rPr lang="en-US" sz="2400">
+                <a:latin typeface="Old Standard TT"/>
+                <a:ea typeface="Old Standard TT"/>
+                <a:cs typeface="Old Standard TT"/>
+                <a:sym typeface="Old Standard TT"/>
+              </a:rPr>
+              <a:t>The decrease in loss in the second graph is much significant compared to the previous one. Here the loss is reduced to approx 3.5 after a little more than 100 epochs which ended due to the early stopping mechanism due to lack of change in the loss value. </a:t>
+            </a:r>
+            <a:endParaRPr sz="2400"/>
+          </a:p>
+        </p:txBody>
+      </p:sp>
+    </p:spTree>
+  </p:cSld>
+  <p:clrMapOvr>
+    <a:masterClrMapping/>
+  </p:clrMapOvr>
+</p:sld>
+</file>
+
+<file path=ppt/slides/slide27.xml><?xml version="1.0" encoding="utf-8"?>
+<p:sld xmlns:a="http://schemas.openxmlformats.org/drawingml/2006/main" xmlns:r="http://schemas.openxmlformats.org/officeDocument/2006/relationships" xmlns:mc="http://schemas.openxmlformats.org/markup-compatibility/2006" xmlns:mv="urn:schemas-microsoft-com:mac:vml" xmlns:p="http://schemas.openxmlformats.org/presentationml/2006/main" xmlns:c="http://schemas.openxmlformats.org/drawingml/2006/chart" xmlns:dgm="http://schemas.openxmlformats.org/drawingml/2006/diagram" xmlns:o="urn:schemas-microsoft-com:office:office" xmlns:v="urn:schemas-microsoft-com:vml" xmlns:pvml="urn:schemas-microsoft-com:office:powerpoint" xmlns:com="http://schemas.openxmlformats.org/drawingml/2006/compatibility" xmlns:p14="http://schemas.microsoft.com/office/powerpoint/2010/main" xmlns:p15="http://schemas.microsoft.com/office/powerpoint/2012/main" xmlns:ahyp="http://schemas.microsoft.com/office/drawing/2018/hyperlinkcolor">
+  <p:cSld>
+    <p:spTree>
+      <p:nvGrpSpPr>
+        <p:cNvPr id="234" name="Shape 234"/>
+        <p:cNvGrpSpPr/>
+        <p:nvPr/>
+      </p:nvGrpSpPr>
+      <p:grpSpPr>
+        <a:xfrm>
+          <a:off x="0" y="0"/>
+          <a:ext cx="0" cy="0"/>
+          <a:chOff x="0" y="0"/>
+          <a:chExt cx="0" cy="0"/>
+        </a:xfrm>
+      </p:grpSpPr>
+      <p:sp>
+        <p:nvSpPr>
+          <p:cNvPr id="235" name="Google Shape;235;g127e5307d53_0_0"/>
           <p:cNvSpPr txBox="1"/>
           <p:nvPr>
             <p:ph type="title"/>
@@ -14582,7 +15658,7 @@
       </p:sp>
       <p:pic>
         <p:nvPicPr>
-          <p:cNvPr id="224" name="Google Shape;224;g127e5307d53_0_0" title="Music_Gen_Output.mkv">
+          <p:cNvPr id="236" name="Google Shape;236;g127e5307d53_0_0" title="Music_Gen_Output.mkv">
             <a:hlinkClick r:id="rId3"/>
           </p:cNvPr>
           <p:cNvPicPr preferRelativeResize="0"/>
@@ -14649,7 +15725,7 @@
                                           </p:stCondLst>
                                         </p:cTn>
                                         <p:tgtEl>
-                                          <p:spTgt spid="224"/>
+                                          <p:spTgt spid="236"/>
                                         </p:tgtEl>
                                         <p:attrNameLst>
                                           <p:attrName>style.visibility</p:attrName>
@@ -14663,7 +15739,7 @@
                                       <p:cBhvr>
                                         <p:cTn dur="1000"/>
                                         <p:tgtEl>
-                                          <p:spTgt spid="224"/>
+                                          <p:spTgt spid="236"/>
                                         </p:tgtEl>
                                       </p:cBhvr>
                                     </p:animEffect>
@@ -14701,317 +15777,6 @@
 </p:sld>
 </file>
 
-<file path=ppt/slides/slide27.xml><?xml version="1.0" encoding="utf-8"?>
-<p:sld xmlns:a="http://schemas.openxmlformats.org/drawingml/2006/main" xmlns:r="http://schemas.openxmlformats.org/officeDocument/2006/relationships" xmlns:mc="http://schemas.openxmlformats.org/markup-compatibility/2006" xmlns:mv="urn:schemas-microsoft-com:mac:vml" xmlns:p="http://schemas.openxmlformats.org/presentationml/2006/main" xmlns:c="http://schemas.openxmlformats.org/drawingml/2006/chart" xmlns:dgm="http://schemas.openxmlformats.org/drawingml/2006/diagram" xmlns:o="urn:schemas-microsoft-com:office:office" xmlns:v="urn:schemas-microsoft-com:vml" xmlns:pvml="urn:schemas-microsoft-com:office:powerpoint" xmlns:com="http://schemas.openxmlformats.org/drawingml/2006/compatibility" xmlns:p14="http://schemas.microsoft.com/office/powerpoint/2010/main" xmlns:p15="http://schemas.microsoft.com/office/powerpoint/2012/main" xmlns:ahyp="http://schemas.microsoft.com/office/drawing/2018/hyperlinkcolor">
-  <p:cSld>
-    <p:spTree>
-      <p:nvGrpSpPr>
-        <p:cNvPr id="229" name="Shape 229"/>
-        <p:cNvGrpSpPr/>
-        <p:nvPr/>
-      </p:nvGrpSpPr>
-      <p:grpSpPr>
-        <a:xfrm>
-          <a:off x="0" y="0"/>
-          <a:ext cx="0" cy="0"/>
-          <a:chOff x="0" y="0"/>
-          <a:chExt cx="0" cy="0"/>
-        </a:xfrm>
-      </p:grpSpPr>
-      <p:sp>
-        <p:nvSpPr>
-          <p:cNvPr id="230" name="Google Shape;230;g127f4ac9148_1_0"/>
-          <p:cNvSpPr txBox="1"/>
-          <p:nvPr>
-            <p:ph type="title"/>
-          </p:nvPr>
-        </p:nvSpPr>
-        <p:spPr>
-          <a:xfrm>
-            <a:off x="914400" y="346075"/>
-            <a:ext cx="10363200" cy="873000"/>
-          </a:xfrm>
-          <a:prstGeom prst="rect">
-            <a:avLst/>
-          </a:prstGeom>
-        </p:spPr>
-        <p:txBody>
-          <a:bodyPr anchorCtr="0" anchor="ctr" bIns="45700" lIns="91425" spcFirstLastPara="1" rIns="91425" wrap="square" tIns="45700">
-            <a:noAutofit/>
-          </a:bodyPr>
-          <a:lstStyle/>
-          <a:p>
-            <a:pPr indent="0" lvl="0" marL="0" rtl="0" algn="ctr">
-              <a:spcBef>
-                <a:spcPts val="0"/>
-              </a:spcBef>
-              <a:spcAft>
-                <a:spcPts val="0"/>
-              </a:spcAft>
-              <a:buNone/>
-            </a:pPr>
-            <a:r>
-              <a:rPr lang="en-US"/>
-              <a:t>Other Generated Songs</a:t>
-            </a:r>
-            <a:endParaRPr/>
-          </a:p>
-        </p:txBody>
-      </p:sp>
-      <p:pic>
-        <p:nvPicPr>
-          <p:cNvPr id="231" name="Google Shape;231;g127f4ac9148_1_0" title="LSTM-gen-music-2022-05-05-17-11.mp3">
-            <a:hlinkClick r:id="rId3"/>
-          </p:cNvPr>
-          <p:cNvPicPr preferRelativeResize="0"/>
-          <p:nvPr/>
-        </p:nvPicPr>
-        <p:blipFill>
-          <a:blip r:embed="rId4">
-            <a:alphaModFix/>
-          </a:blip>
-          <a:stretch>
-            <a:fillRect/>
-          </a:stretch>
-        </p:blipFill>
-        <p:spPr>
-          <a:xfrm>
-            <a:off x="3167650" y="5431125"/>
-            <a:ext cx="457200" cy="457200"/>
-          </a:xfrm>
-          <a:prstGeom prst="rect">
-            <a:avLst/>
-          </a:prstGeom>
-          <a:noFill/>
-          <a:ln>
-            <a:noFill/>
-          </a:ln>
-        </p:spPr>
-      </p:pic>
-      <p:pic>
-        <p:nvPicPr>
-          <p:cNvPr id="232" name="Google Shape;232;g127f4ac9148_1_0" title="LSTM_gen_music-2022_05_05_17_00.mp3">
-            <a:hlinkClick r:id="rId5"/>
-          </p:cNvPr>
-          <p:cNvPicPr preferRelativeResize="0"/>
-          <p:nvPr/>
-        </p:nvPicPr>
-        <p:blipFill>
-          <a:blip r:embed="rId4">
-            <a:alphaModFix/>
-          </a:blip>
-          <a:stretch>
-            <a:fillRect/>
-          </a:stretch>
-        </p:blipFill>
-        <p:spPr>
-          <a:xfrm>
-            <a:off x="3167650" y="3582863"/>
-            <a:ext cx="457200" cy="457200"/>
-          </a:xfrm>
-          <a:prstGeom prst="rect">
-            <a:avLst/>
-          </a:prstGeom>
-          <a:noFill/>
-          <a:ln>
-            <a:noFill/>
-          </a:ln>
-        </p:spPr>
-      </p:pic>
-      <p:pic>
-        <p:nvPicPr>
-          <p:cNvPr id="233" name="Google Shape;233;g127f4ac9148_1_0" title="LSTM_gen_music-2022_05_05_16_58.mp3">
-            <a:hlinkClick r:id="rId6"/>
-          </p:cNvPr>
-          <p:cNvPicPr preferRelativeResize="0"/>
-          <p:nvPr/>
-        </p:nvPicPr>
-        <p:blipFill>
-          <a:blip r:embed="rId4">
-            <a:alphaModFix/>
-          </a:blip>
-          <a:stretch>
-            <a:fillRect/>
-          </a:stretch>
-        </p:blipFill>
-        <p:spPr>
-          <a:xfrm>
-            <a:off x="3167650" y="1734600"/>
-            <a:ext cx="457200" cy="457200"/>
-          </a:xfrm>
-          <a:prstGeom prst="rect">
-            <a:avLst/>
-          </a:prstGeom>
-          <a:noFill/>
-          <a:ln>
-            <a:noFill/>
-          </a:ln>
-        </p:spPr>
-      </p:pic>
-      <p:sp>
-        <p:nvSpPr>
-          <p:cNvPr id="234" name="Google Shape;234;g127f4ac9148_1_0"/>
-          <p:cNvSpPr txBox="1"/>
-          <p:nvPr/>
-        </p:nvSpPr>
-        <p:spPr>
-          <a:xfrm>
-            <a:off x="4020300" y="1686150"/>
-            <a:ext cx="4151400" cy="554100"/>
-          </a:xfrm>
-          <a:prstGeom prst="rect">
-            <a:avLst/>
-          </a:prstGeom>
-          <a:noFill/>
-          <a:ln>
-            <a:noFill/>
-          </a:ln>
-        </p:spPr>
-        <p:txBody>
-          <a:bodyPr anchorCtr="0" anchor="t" bIns="91425" lIns="91425" spcFirstLastPara="1" rIns="91425" wrap="square" tIns="91425">
-            <a:spAutoFit/>
-          </a:bodyPr>
-          <a:lstStyle/>
-          <a:p>
-            <a:pPr indent="0" lvl="0" marL="0" rtl="0" algn="l">
-              <a:spcBef>
-                <a:spcPts val="0"/>
-              </a:spcBef>
-              <a:spcAft>
-                <a:spcPts val="0"/>
-              </a:spcAft>
-              <a:buNone/>
-            </a:pPr>
-            <a:r>
-              <a:rPr lang="en-US" sz="2400">
-                <a:latin typeface="Old Standard TT"/>
-                <a:ea typeface="Old Standard TT"/>
-                <a:cs typeface="Old Standard TT"/>
-                <a:sym typeface="Old Standard TT"/>
-              </a:rPr>
-              <a:t>Sample 1</a:t>
-            </a:r>
-            <a:endParaRPr sz="2400">
-              <a:latin typeface="Old Standard TT"/>
-              <a:ea typeface="Old Standard TT"/>
-              <a:cs typeface="Old Standard TT"/>
-              <a:sym typeface="Old Standard TT"/>
-            </a:endParaRPr>
-          </a:p>
-        </p:txBody>
-      </p:sp>
-      <p:sp>
-        <p:nvSpPr>
-          <p:cNvPr id="235" name="Google Shape;235;g127f4ac9148_1_0"/>
-          <p:cNvSpPr txBox="1"/>
-          <p:nvPr/>
-        </p:nvSpPr>
-        <p:spPr>
-          <a:xfrm>
-            <a:off x="4020300" y="3534413"/>
-            <a:ext cx="4151400" cy="554100"/>
-          </a:xfrm>
-          <a:prstGeom prst="rect">
-            <a:avLst/>
-          </a:prstGeom>
-          <a:noFill/>
-          <a:ln>
-            <a:noFill/>
-          </a:ln>
-        </p:spPr>
-        <p:txBody>
-          <a:bodyPr anchorCtr="0" anchor="t" bIns="91425" lIns="91425" spcFirstLastPara="1" rIns="91425" wrap="square" tIns="91425">
-            <a:spAutoFit/>
-          </a:bodyPr>
-          <a:lstStyle/>
-          <a:p>
-            <a:pPr indent="0" lvl="0" marL="0" rtl="0" algn="l">
-              <a:spcBef>
-                <a:spcPts val="0"/>
-              </a:spcBef>
-              <a:spcAft>
-                <a:spcPts val="0"/>
-              </a:spcAft>
-              <a:buNone/>
-            </a:pPr>
-            <a:r>
-              <a:rPr lang="en-US" sz="2400">
-                <a:latin typeface="Old Standard TT"/>
-                <a:ea typeface="Old Standard TT"/>
-                <a:cs typeface="Old Standard TT"/>
-                <a:sym typeface="Old Standard TT"/>
-              </a:rPr>
-              <a:t>Sample 2</a:t>
-            </a:r>
-            <a:endParaRPr sz="2400">
-              <a:latin typeface="Old Standard TT"/>
-              <a:ea typeface="Old Standard TT"/>
-              <a:cs typeface="Old Standard TT"/>
-              <a:sym typeface="Old Standard TT"/>
-            </a:endParaRPr>
-          </a:p>
-        </p:txBody>
-      </p:sp>
-      <p:sp>
-        <p:nvSpPr>
-          <p:cNvPr id="236" name="Google Shape;236;g127f4ac9148_1_0"/>
-          <p:cNvSpPr txBox="1"/>
-          <p:nvPr/>
-        </p:nvSpPr>
-        <p:spPr>
-          <a:xfrm>
-            <a:off x="4020300" y="5382700"/>
-            <a:ext cx="4151400" cy="554100"/>
-          </a:xfrm>
-          <a:prstGeom prst="rect">
-            <a:avLst/>
-          </a:prstGeom>
-          <a:noFill/>
-          <a:ln>
-            <a:noFill/>
-          </a:ln>
-        </p:spPr>
-        <p:txBody>
-          <a:bodyPr anchorCtr="0" anchor="t" bIns="91425" lIns="91425" spcFirstLastPara="1" rIns="91425" wrap="square" tIns="91425">
-            <a:spAutoFit/>
-          </a:bodyPr>
-          <a:lstStyle/>
-          <a:p>
-            <a:pPr indent="0" lvl="0" marL="0" rtl="0" algn="l">
-              <a:spcBef>
-                <a:spcPts val="0"/>
-              </a:spcBef>
-              <a:spcAft>
-                <a:spcPts val="0"/>
-              </a:spcAft>
-              <a:buNone/>
-            </a:pPr>
-            <a:r>
-              <a:rPr lang="en-US" sz="2400">
-                <a:latin typeface="Old Standard TT"/>
-                <a:ea typeface="Old Standard TT"/>
-                <a:cs typeface="Old Standard TT"/>
-                <a:sym typeface="Old Standard TT"/>
-              </a:rPr>
-              <a:t>Sample 3</a:t>
-            </a:r>
-            <a:endParaRPr sz="2400">
-              <a:latin typeface="Old Standard TT"/>
-              <a:ea typeface="Old Standard TT"/>
-              <a:cs typeface="Old Standard TT"/>
-              <a:sym typeface="Old Standard TT"/>
-            </a:endParaRPr>
-          </a:p>
-        </p:txBody>
-      </p:sp>
-    </p:spTree>
-  </p:cSld>
-  <p:clrMapOvr>
-    <a:masterClrMapping/>
-  </p:clrMapOvr>
-</p:sld>
-</file>
-
 <file path=ppt/slides/slide28.xml><?xml version="1.0" encoding="utf-8"?>
 <p:sld xmlns:a="http://schemas.openxmlformats.org/drawingml/2006/main" xmlns:r="http://schemas.openxmlformats.org/officeDocument/2006/relationships" xmlns:mc="http://schemas.openxmlformats.org/markup-compatibility/2006" xmlns:mv="urn:schemas-microsoft-com:mac:vml" xmlns:p="http://schemas.openxmlformats.org/presentationml/2006/main" xmlns:c="http://schemas.openxmlformats.org/drawingml/2006/chart" xmlns:dgm="http://schemas.openxmlformats.org/drawingml/2006/diagram" xmlns:o="urn:schemas-microsoft-com:office:office" xmlns:v="urn:schemas-microsoft-com:vml" xmlns:pvml="urn:schemas-microsoft-com:office:powerpoint" xmlns:com="http://schemas.openxmlformats.org/drawingml/2006/compatibility" xmlns:p14="http://schemas.microsoft.com/office/powerpoint/2010/main" xmlns:p15="http://schemas.microsoft.com/office/powerpoint/2012/main" xmlns:ahyp="http://schemas.microsoft.com/office/drawing/2018/hyperlinkcolor">
   <p:cSld>
@@ -15031,7 +15796,7 @@
       </p:grpSpPr>
       <p:sp>
         <p:nvSpPr>
-          <p:cNvPr id="242" name="Google Shape;242;g11b806550b1_2_59"/>
+          <p:cNvPr id="242" name="Google Shape;242;g127f4ac9148_1_0"/>
           <p:cNvSpPr txBox="1"/>
           <p:nvPr>
             <p:ph type="title"/>
@@ -15063,219 +15828,254 @@
             </a:pPr>
             <a:r>
               <a:rPr lang="en-US"/>
-              <a:t>Conclusion</a:t>
+              <a:t>Other Generated Songs</a:t>
             </a:r>
             <a:endParaRPr/>
           </a:p>
         </p:txBody>
       </p:sp>
-      <p:sp>
-        <p:nvSpPr>
-          <p:cNvPr id="243" name="Google Shape;243;g11b806550b1_2_59"/>
-          <p:cNvSpPr txBox="1"/>
-          <p:nvPr>
-            <p:ph idx="1" type="body"/>
-          </p:nvPr>
-        </p:nvSpPr>
-        <p:spPr>
-          <a:xfrm>
-            <a:off x="914400" y="1371600"/>
-            <a:ext cx="10363200" cy="4687800"/>
+      <p:pic>
+        <p:nvPicPr>
+          <p:cNvPr id="243" name="Google Shape;243;g127f4ac9148_1_0" title="LSTM-gen-music-2022-05-05-17-11.mp3">
+            <a:hlinkClick r:id="rId3"/>
+          </p:cNvPr>
+          <p:cNvPicPr preferRelativeResize="0"/>
+          <p:nvPr/>
+        </p:nvPicPr>
+        <p:blipFill>
+          <a:blip r:embed="rId4">
+            <a:alphaModFix/>
+          </a:blip>
+          <a:stretch>
+            <a:fillRect/>
+          </a:stretch>
+        </p:blipFill>
+        <p:spPr>
+          <a:xfrm>
+            <a:off x="3167650" y="5431125"/>
+            <a:ext cx="457200" cy="457200"/>
           </a:xfrm>
           <a:prstGeom prst="rect">
             <a:avLst/>
           </a:prstGeom>
+          <a:noFill/>
+          <a:ln>
+            <a:noFill/>
+          </a:ln>
+        </p:spPr>
+      </p:pic>
+      <p:pic>
+        <p:nvPicPr>
+          <p:cNvPr id="244" name="Google Shape;244;g127f4ac9148_1_0" title="LSTM_gen_music-2022_05_05_17_00.mp3">
+            <a:hlinkClick r:id="rId5"/>
+          </p:cNvPr>
+          <p:cNvPicPr preferRelativeResize="0"/>
+          <p:nvPr/>
+        </p:nvPicPr>
+        <p:blipFill>
+          <a:blip r:embed="rId4">
+            <a:alphaModFix/>
+          </a:blip>
+          <a:stretch>
+            <a:fillRect/>
+          </a:stretch>
+        </p:blipFill>
+        <p:spPr>
+          <a:xfrm>
+            <a:off x="3167650" y="3582863"/>
+            <a:ext cx="457200" cy="457200"/>
+          </a:xfrm>
+          <a:prstGeom prst="rect">
+            <a:avLst/>
+          </a:prstGeom>
+          <a:noFill/>
+          <a:ln>
+            <a:noFill/>
+          </a:ln>
+        </p:spPr>
+      </p:pic>
+      <p:pic>
+        <p:nvPicPr>
+          <p:cNvPr id="245" name="Google Shape;245;g127f4ac9148_1_0" title="LSTM_gen_music-2022_05_05_16_58.mp3">
+            <a:hlinkClick r:id="rId6"/>
+          </p:cNvPr>
+          <p:cNvPicPr preferRelativeResize="0"/>
+          <p:nvPr/>
+        </p:nvPicPr>
+        <p:blipFill>
+          <a:blip r:embed="rId4">
+            <a:alphaModFix/>
+          </a:blip>
+          <a:stretch>
+            <a:fillRect/>
+          </a:stretch>
+        </p:blipFill>
+        <p:spPr>
+          <a:xfrm>
+            <a:off x="3167650" y="1734600"/>
+            <a:ext cx="457200" cy="457200"/>
+          </a:xfrm>
+          <a:prstGeom prst="rect">
+            <a:avLst/>
+          </a:prstGeom>
+          <a:noFill/>
+          <a:ln>
+            <a:noFill/>
+          </a:ln>
+        </p:spPr>
+      </p:pic>
+      <p:sp>
+        <p:nvSpPr>
+          <p:cNvPr id="246" name="Google Shape;246;g127f4ac9148_1_0"/>
+          <p:cNvSpPr txBox="1"/>
+          <p:nvPr/>
+        </p:nvSpPr>
+        <p:spPr>
+          <a:xfrm>
+            <a:off x="4020300" y="1686150"/>
+            <a:ext cx="4151400" cy="554100"/>
+          </a:xfrm>
+          <a:prstGeom prst="rect">
+            <a:avLst/>
+          </a:prstGeom>
+          <a:noFill/>
+          <a:ln>
+            <a:noFill/>
+          </a:ln>
         </p:spPr>
         <p:txBody>
-          <a:bodyPr anchorCtr="0" anchor="t" bIns="45700" lIns="91425" spcFirstLastPara="1" rIns="91425" wrap="square" tIns="45700">
-            <a:noAutofit/>
+          <a:bodyPr anchorCtr="0" anchor="t" bIns="91425" lIns="91425" spcFirstLastPara="1" rIns="91425" wrap="square" tIns="91425">
+            <a:spAutoFit/>
           </a:bodyPr>
           <a:lstStyle/>
           <a:p>
             <a:pPr indent="0" lvl="0" marL="0" rtl="0" algn="l">
-              <a:lnSpc>
-                <a:spcPct val="115000"/>
-              </a:lnSpc>
-              <a:spcBef>
-                <a:spcPts val="0"/>
-              </a:spcBef>
-              <a:spcAft>
-                <a:spcPts val="0"/>
-              </a:spcAft>
-              <a:buClr>
-                <a:schemeClr val="dk1"/>
-              </a:buClr>
-              <a:buSzPts val="1100"/>
-              <a:buFont typeface="Arial"/>
+              <a:spcBef>
+                <a:spcPts val="0"/>
+              </a:spcBef>
+              <a:spcAft>
+                <a:spcPts val="0"/>
+              </a:spcAft>
               <a:buNone/>
             </a:pPr>
             <a:r>
               <a:rPr lang="en-US" sz="2400">
-                <a:highlight>
-                  <a:schemeClr val="lt1"/>
-                </a:highlight>
                 <a:latin typeface="Old Standard TT"/>
                 <a:ea typeface="Old Standard TT"/>
                 <a:cs typeface="Old Standard TT"/>
                 <a:sym typeface="Old Standard TT"/>
               </a:rPr>
-              <a:t>The model generation and training phases are completed. The below things can be addressed in the future regarding the project</a:t>
+              <a:t>Sample 1</a:t>
             </a:r>
             <a:endParaRPr sz="2400">
-              <a:highlight>
-                <a:schemeClr val="lt1"/>
-              </a:highlight>
               <a:latin typeface="Old Standard TT"/>
               <a:ea typeface="Old Standard TT"/>
               <a:cs typeface="Old Standard TT"/>
               <a:sym typeface="Old Standard TT"/>
             </a:endParaRPr>
           </a:p>
+        </p:txBody>
+      </p:sp>
+      <p:sp>
+        <p:nvSpPr>
+          <p:cNvPr id="247" name="Google Shape;247;g127f4ac9148_1_0"/>
+          <p:cNvSpPr txBox="1"/>
+          <p:nvPr/>
+        </p:nvSpPr>
+        <p:spPr>
+          <a:xfrm>
+            <a:off x="4020300" y="3534413"/>
+            <a:ext cx="4151400" cy="554100"/>
+          </a:xfrm>
+          <a:prstGeom prst="rect">
+            <a:avLst/>
+          </a:prstGeom>
+          <a:noFill/>
+          <a:ln>
+            <a:noFill/>
+          </a:ln>
+        </p:spPr>
+        <p:txBody>
+          <a:bodyPr anchorCtr="0" anchor="t" bIns="91425" lIns="91425" spcFirstLastPara="1" rIns="91425" wrap="square" tIns="91425">
+            <a:spAutoFit/>
+          </a:bodyPr>
+          <a:lstStyle/>
           <a:p>
             <a:pPr indent="0" lvl="0" marL="0" rtl="0" algn="l">
-              <a:lnSpc>
-                <a:spcPct val="115000"/>
-              </a:lnSpc>
-              <a:spcBef>
-                <a:spcPts val="0"/>
-              </a:spcBef>
-              <a:spcAft>
-                <a:spcPts val="0"/>
-              </a:spcAft>
-              <a:buClr>
-                <a:schemeClr val="dk1"/>
-              </a:buClr>
-              <a:buSzPts val="1100"/>
-              <a:buFont typeface="Arial"/>
-              <a:buNone/>
-            </a:pPr>
-            <a:r>
-              <a:t/>
+              <a:spcBef>
+                <a:spcPts val="0"/>
+              </a:spcBef>
+              <a:spcAft>
+                <a:spcPts val="0"/>
+              </a:spcAft>
+              <a:buNone/>
+            </a:pPr>
+            <a:r>
+              <a:rPr lang="en-US" sz="2400">
+                <a:latin typeface="Old Standard TT"/>
+                <a:ea typeface="Old Standard TT"/>
+                <a:cs typeface="Old Standard TT"/>
+                <a:sym typeface="Old Standard TT"/>
+              </a:rPr>
+              <a:t>Sample 2</a:t>
             </a:r>
             <a:endParaRPr sz="2400">
-              <a:highlight>
-                <a:schemeClr val="lt1"/>
-              </a:highlight>
               <a:latin typeface="Old Standard TT"/>
               <a:ea typeface="Old Standard TT"/>
               <a:cs typeface="Old Standard TT"/>
               <a:sym typeface="Old Standard TT"/>
             </a:endParaRPr>
           </a:p>
-          <a:p>
-            <a:pPr indent="-381000" lvl="0" marL="457200" rtl="0" algn="l">
-              <a:lnSpc>
-                <a:spcPct val="115000"/>
-              </a:lnSpc>
-              <a:spcBef>
-                <a:spcPts val="1200"/>
-              </a:spcBef>
-              <a:spcAft>
-                <a:spcPts val="0"/>
-              </a:spcAft>
-              <a:buClr>
-                <a:schemeClr val="dk1"/>
-              </a:buClr>
-              <a:buSzPts val="2400"/>
-              <a:buFont typeface="Old Standard TT"/>
-              <a:buChar char="●"/>
+        </p:txBody>
+      </p:sp>
+      <p:sp>
+        <p:nvSpPr>
+          <p:cNvPr id="248" name="Google Shape;248;g127f4ac9148_1_0"/>
+          <p:cNvSpPr txBox="1"/>
+          <p:nvPr/>
+        </p:nvSpPr>
+        <p:spPr>
+          <a:xfrm>
+            <a:off x="4020300" y="5382700"/>
+            <a:ext cx="4151400" cy="554100"/>
+          </a:xfrm>
+          <a:prstGeom prst="rect">
+            <a:avLst/>
+          </a:prstGeom>
+          <a:noFill/>
+          <a:ln>
+            <a:noFill/>
+          </a:ln>
+        </p:spPr>
+        <p:txBody>
+          <a:bodyPr anchorCtr="0" anchor="t" bIns="91425" lIns="91425" spcFirstLastPara="1" rIns="91425" wrap="square" tIns="91425">
+            <a:spAutoFit/>
+          </a:bodyPr>
+          <a:lstStyle/>
+          <a:p>
+            <a:pPr indent="0" lvl="0" marL="0" rtl="0" algn="l">
+              <a:spcBef>
+                <a:spcPts val="0"/>
+              </a:spcBef>
+              <a:spcAft>
+                <a:spcPts val="0"/>
+              </a:spcAft>
+              <a:buNone/>
             </a:pPr>
             <a:r>
               <a:rPr lang="en-US" sz="2400">
-                <a:highlight>
-                  <a:schemeClr val="lt1"/>
-                </a:highlight>
                 <a:latin typeface="Old Standard TT"/>
                 <a:ea typeface="Old Standard TT"/>
                 <a:cs typeface="Old Standard TT"/>
                 <a:sym typeface="Old Standard TT"/>
               </a:rPr>
-              <a:t>Making a better model with higher accuracy and lower loss</a:t>
+              <a:t>Sample 3</a:t>
             </a:r>
             <a:endParaRPr sz="2400">
-              <a:highlight>
-                <a:schemeClr val="lt1"/>
-              </a:highlight>
               <a:latin typeface="Old Standard TT"/>
               <a:ea typeface="Old Standard TT"/>
               <a:cs typeface="Old Standard TT"/>
               <a:sym typeface="Old Standard TT"/>
-            </a:endParaRPr>
-          </a:p>
-          <a:p>
-            <a:pPr indent="-381000" lvl="0" marL="457200" rtl="0" algn="l">
-              <a:lnSpc>
-                <a:spcPct val="115000"/>
-              </a:lnSpc>
-              <a:spcBef>
-                <a:spcPts val="1200"/>
-              </a:spcBef>
-              <a:spcAft>
-                <a:spcPts val="0"/>
-              </a:spcAft>
-              <a:buClr>
-                <a:schemeClr val="dk1"/>
-              </a:buClr>
-              <a:buSzPts val="2400"/>
-              <a:buFont typeface="Old Standard TT"/>
-              <a:buChar char="●"/>
-            </a:pPr>
-            <a:r>
-              <a:rPr lang="en-US" sz="2400">
-                <a:highlight>
-                  <a:schemeClr val="lt1"/>
-                </a:highlight>
-                <a:latin typeface="Old Standard TT"/>
-                <a:ea typeface="Old Standard TT"/>
-                <a:cs typeface="Old Standard TT"/>
-                <a:sym typeface="Old Standard TT"/>
-              </a:rPr>
-              <a:t>Creation of multiple models and comparing the results of each of the models created</a:t>
-            </a:r>
-            <a:endParaRPr sz="2400">
-              <a:highlight>
-                <a:schemeClr val="lt1"/>
-              </a:highlight>
-              <a:latin typeface="Old Standard TT"/>
-              <a:ea typeface="Old Standard TT"/>
-              <a:cs typeface="Old Standard TT"/>
-              <a:sym typeface="Old Standard TT"/>
-            </a:endParaRPr>
-          </a:p>
-          <a:p>
-            <a:pPr indent="-381000" lvl="0" marL="457200" rtl="0" algn="l">
-              <a:lnSpc>
-                <a:spcPct val="115000"/>
-              </a:lnSpc>
-              <a:spcBef>
-                <a:spcPts val="1200"/>
-              </a:spcBef>
-              <a:spcAft>
-                <a:spcPts val="1200"/>
-              </a:spcAft>
-              <a:buClr>
-                <a:schemeClr val="dk1"/>
-              </a:buClr>
-              <a:buSzPts val="2400"/>
-              <a:buFont typeface="Old Standard TT"/>
-              <a:buChar char="●"/>
-            </a:pPr>
-            <a:r>
-              <a:rPr lang="en-US" sz="2400">
-                <a:highlight>
-                  <a:schemeClr val="lt1"/>
-                </a:highlight>
-                <a:latin typeface="Old Standard TT"/>
-                <a:ea typeface="Old Standard TT"/>
-                <a:cs typeface="Old Standard TT"/>
-                <a:sym typeface="Old Standard TT"/>
-              </a:rPr>
-              <a:t>The model can be used to generate songs of other instruments and not just restrict with the piano instrument. Multiple instruments can be used at the same time and combined to create a better sounding tune.</a:t>
-            </a:r>
-            <a:endParaRPr sz="2400">
-              <a:highlight>
-                <a:schemeClr val="lt1"/>
-              </a:highlight>
             </a:endParaRPr>
           </a:p>
         </p:txBody>
@@ -15293,7 +16093,7 @@
   <p:cSld>
     <p:spTree>
       <p:nvGrpSpPr>
-        <p:cNvPr id="248" name="Shape 248"/>
+        <p:cNvPr id="253" name="Shape 253"/>
         <p:cNvGrpSpPr/>
         <p:nvPr/>
       </p:nvGrpSpPr>
@@ -15307,7 +16107,47 @@
       </p:grpSpPr>
       <p:sp>
         <p:nvSpPr>
-          <p:cNvPr id="249" name="Google Shape;249;g11b806550b1_2_65"/>
+          <p:cNvPr id="254" name="Google Shape;254;g11b806550b1_2_59"/>
+          <p:cNvSpPr txBox="1"/>
+          <p:nvPr>
+            <p:ph type="title"/>
+          </p:nvPr>
+        </p:nvSpPr>
+        <p:spPr>
+          <a:xfrm>
+            <a:off x="914400" y="346075"/>
+            <a:ext cx="10363200" cy="873000"/>
+          </a:xfrm>
+          <a:prstGeom prst="rect">
+            <a:avLst/>
+          </a:prstGeom>
+        </p:spPr>
+        <p:txBody>
+          <a:bodyPr anchorCtr="0" anchor="ctr" bIns="45700" lIns="91425" spcFirstLastPara="1" rIns="91425" wrap="square" tIns="45700">
+            <a:noAutofit/>
+          </a:bodyPr>
+          <a:lstStyle/>
+          <a:p>
+            <a:pPr indent="0" lvl="0" marL="0" rtl="0" algn="ctr">
+              <a:spcBef>
+                <a:spcPts val="0"/>
+              </a:spcBef>
+              <a:spcAft>
+                <a:spcPts val="0"/>
+              </a:spcAft>
+              <a:buNone/>
+            </a:pPr>
+            <a:r>
+              <a:rPr lang="en-US"/>
+              <a:t>Conclusion</a:t>
+            </a:r>
+            <a:endParaRPr/>
+          </a:p>
+        </p:txBody>
+      </p:sp>
+      <p:sp>
+        <p:nvSpPr>
+          <p:cNvPr id="255" name="Google Shape;255;g11b806550b1_2_59"/>
           <p:cNvSpPr txBox="1"/>
           <p:nvPr>
             <p:ph idx="1" type="body"/>
@@ -15338,6 +16178,11 @@
               <a:spcAft>
                 <a:spcPts val="0"/>
               </a:spcAft>
+              <a:buClr>
+                <a:schemeClr val="dk1"/>
+              </a:buClr>
+              <a:buSzPts val="1100"/>
+              <a:buFont typeface="Arial"/>
               <a:buNone/>
             </a:pPr>
             <a:r>
@@ -15350,7 +16195,158 @@
                 <a:cs typeface="Old Standard TT"/>
                 <a:sym typeface="Old Standard TT"/>
               </a:rPr>
-              <a:t>Although the model will be able to generate music, it may not sound as good compared to other man-made songs. However, it is still a step forward in reaching the goal where an AI can make music which sounds better than most of the existing songs. It may not be possible to make rhythms sounding better than most of the masterpiece, but in the distant future, music generation AI will definitely create soundtracks which sounds different and would inspire many other creators to go towards a different direction in composing music. It would give ideas and show the potential of music and how it can be different even after a long period of time. The applications which contain music generation AI will help ordinary people to create music, solely based on their creative thinking without the constraints of learning a new instrument.</a:t>
+              <a:t>The model generation and training phases are completed. The below things can be addressed in the future regarding the project</a:t>
+            </a:r>
+            <a:endParaRPr sz="2400">
+              <a:highlight>
+                <a:schemeClr val="lt1"/>
+              </a:highlight>
+              <a:latin typeface="Old Standard TT"/>
+              <a:ea typeface="Old Standard TT"/>
+              <a:cs typeface="Old Standard TT"/>
+              <a:sym typeface="Old Standard TT"/>
+            </a:endParaRPr>
+          </a:p>
+          <a:p>
+            <a:pPr indent="0" lvl="0" marL="0" rtl="0" algn="l">
+              <a:lnSpc>
+                <a:spcPct val="115000"/>
+              </a:lnSpc>
+              <a:spcBef>
+                <a:spcPts val="0"/>
+              </a:spcBef>
+              <a:spcAft>
+                <a:spcPts val="0"/>
+              </a:spcAft>
+              <a:buClr>
+                <a:schemeClr val="dk1"/>
+              </a:buClr>
+              <a:buSzPts val="1100"/>
+              <a:buFont typeface="Arial"/>
+              <a:buNone/>
+            </a:pPr>
+            <a:r>
+              <a:t/>
+            </a:r>
+            <a:endParaRPr sz="2400">
+              <a:highlight>
+                <a:schemeClr val="lt1"/>
+              </a:highlight>
+              <a:latin typeface="Old Standard TT"/>
+              <a:ea typeface="Old Standard TT"/>
+              <a:cs typeface="Old Standard TT"/>
+              <a:sym typeface="Old Standard TT"/>
+            </a:endParaRPr>
+          </a:p>
+          <a:p>
+            <a:pPr indent="-381000" lvl="0" marL="457200" rtl="0" algn="l">
+              <a:lnSpc>
+                <a:spcPct val="115000"/>
+              </a:lnSpc>
+              <a:spcBef>
+                <a:spcPts val="1200"/>
+              </a:spcBef>
+              <a:spcAft>
+                <a:spcPts val="0"/>
+              </a:spcAft>
+              <a:buClr>
+                <a:schemeClr val="dk1"/>
+              </a:buClr>
+              <a:buSzPts val="2400"/>
+              <a:buFont typeface="Old Standard TT"/>
+              <a:buChar char="●"/>
+            </a:pPr>
+            <a:r>
+              <a:rPr lang="en-US" sz="2400">
+                <a:highlight>
+                  <a:schemeClr val="lt1"/>
+                </a:highlight>
+                <a:latin typeface="Old Standard TT"/>
+                <a:ea typeface="Old Standard TT"/>
+                <a:cs typeface="Old Standard TT"/>
+                <a:sym typeface="Old Standard TT"/>
+              </a:rPr>
+              <a:t>Making a better model with higher accuracy and lower loss</a:t>
+            </a:r>
+            <a:endParaRPr sz="2400">
+              <a:highlight>
+                <a:schemeClr val="lt1"/>
+              </a:highlight>
+              <a:latin typeface="Old Standard TT"/>
+              <a:ea typeface="Old Standard TT"/>
+              <a:cs typeface="Old Standard TT"/>
+              <a:sym typeface="Old Standard TT"/>
+            </a:endParaRPr>
+          </a:p>
+          <a:p>
+            <a:pPr indent="-381000" lvl="0" marL="457200" rtl="0" algn="l">
+              <a:lnSpc>
+                <a:spcPct val="115000"/>
+              </a:lnSpc>
+              <a:spcBef>
+                <a:spcPts val="1200"/>
+              </a:spcBef>
+              <a:spcAft>
+                <a:spcPts val="0"/>
+              </a:spcAft>
+              <a:buClr>
+                <a:schemeClr val="dk1"/>
+              </a:buClr>
+              <a:buSzPts val="2400"/>
+              <a:buFont typeface="Old Standard TT"/>
+              <a:buChar char="●"/>
+            </a:pPr>
+            <a:r>
+              <a:rPr lang="en-US" sz="2400">
+                <a:highlight>
+                  <a:schemeClr val="lt1"/>
+                </a:highlight>
+                <a:latin typeface="Old Standard TT"/>
+                <a:ea typeface="Old Standard TT"/>
+                <a:cs typeface="Old Standard TT"/>
+                <a:sym typeface="Old Standard TT"/>
+              </a:rPr>
+              <a:t>Creation of multiple models and comparing the results of each of the models created</a:t>
+            </a:r>
+            <a:endParaRPr sz="2400">
+              <a:highlight>
+                <a:schemeClr val="lt1"/>
+              </a:highlight>
+              <a:latin typeface="Old Standard TT"/>
+              <a:ea typeface="Old Standard TT"/>
+              <a:cs typeface="Old Standard TT"/>
+              <a:sym typeface="Old Standard TT"/>
+            </a:endParaRPr>
+          </a:p>
+          <a:p>
+            <a:pPr indent="-381000" lvl="0" marL="457200" rtl="0" algn="l">
+              <a:lnSpc>
+                <a:spcPct val="115000"/>
+              </a:lnSpc>
+              <a:spcBef>
+                <a:spcPts val="1200"/>
+              </a:spcBef>
+              <a:spcAft>
+                <a:spcPts val="1200"/>
+              </a:spcAft>
+              <a:buClr>
+                <a:schemeClr val="dk1"/>
+              </a:buClr>
+              <a:buSzPts val="2400"/>
+              <a:buFont typeface="Old Standard TT"/>
+              <a:buChar char="●"/>
+            </a:pPr>
+            <a:r>
+              <a:rPr lang="en-US" sz="2400">
+                <a:highlight>
+                  <a:schemeClr val="lt1"/>
+                </a:highlight>
+                <a:latin typeface="Old Standard TT"/>
+                <a:ea typeface="Old Standard TT"/>
+                <a:cs typeface="Old Standard TT"/>
+                <a:sym typeface="Old Standard TT"/>
+              </a:rPr>
+              <a:t>The model can be used to generate songs of other instruments and not just restrict with the piano instrument. Multiple instruments can be used at the same time and combined to create a better sounding tune.</a:t>
             </a:r>
             <a:endParaRPr sz="2400">
               <a:highlight>
@@ -15711,7 +16707,7 @@
   <p:cSld>
     <p:spTree>
       <p:nvGrpSpPr>
-        <p:cNvPr id="254" name="Shape 254"/>
+        <p:cNvPr id="260" name="Shape 260"/>
         <p:cNvGrpSpPr/>
         <p:nvPr/>
       </p:nvGrpSpPr>
@@ -15725,7 +16721,1348 @@
       </p:grpSpPr>
       <p:sp>
         <p:nvSpPr>
-          <p:cNvPr id="255" name="Google Shape;255;g11b806550b1_2_71"/>
+          <p:cNvPr id="261" name="Google Shape;261;g11b806550b1_2_65"/>
+          <p:cNvSpPr txBox="1"/>
+          <p:nvPr>
+            <p:ph idx="1" type="body"/>
+          </p:nvPr>
+        </p:nvSpPr>
+        <p:spPr>
+          <a:xfrm>
+            <a:off x="914400" y="1371600"/>
+            <a:ext cx="10363200" cy="4687800"/>
+          </a:xfrm>
+          <a:prstGeom prst="rect">
+            <a:avLst/>
+          </a:prstGeom>
+        </p:spPr>
+        <p:txBody>
+          <a:bodyPr anchorCtr="0" anchor="t" bIns="45700" lIns="91425" spcFirstLastPara="1" rIns="91425" wrap="square" tIns="45700">
+            <a:noAutofit/>
+          </a:bodyPr>
+          <a:lstStyle/>
+          <a:p>
+            <a:pPr indent="0" lvl="0" marL="0" rtl="0" algn="l">
+              <a:lnSpc>
+                <a:spcPct val="115000"/>
+              </a:lnSpc>
+              <a:spcBef>
+                <a:spcPts val="0"/>
+              </a:spcBef>
+              <a:spcAft>
+                <a:spcPts val="0"/>
+              </a:spcAft>
+              <a:buNone/>
+            </a:pPr>
+            <a:r>
+              <a:rPr lang="en-US" sz="2400">
+                <a:highlight>
+                  <a:schemeClr val="lt1"/>
+                </a:highlight>
+                <a:latin typeface="Old Standard TT"/>
+                <a:ea typeface="Old Standard TT"/>
+                <a:cs typeface="Old Standard TT"/>
+                <a:sym typeface="Old Standard TT"/>
+              </a:rPr>
+              <a:t>Although the model will be able to generate music, it may not sound as good compared to other man-made songs. However, it is still a step forward in reaching the goal where an AI can make music which sounds better than most of the existing songs. It may not be possible to make rhythms sounding better than most of the masterpiece, but in the distant future, music generation AI will definitely create soundtracks which sounds different and would inspire many other creators to go towards a different direction in composing music. It would give ideas and show the potential of music and how it can be different even after a long period of time. The applications which contain music generation AI will help ordinary people to create music, solely based on their creative thinking without the constraints of learning a new instrument.</a:t>
+            </a:r>
+            <a:endParaRPr sz="2400">
+              <a:highlight>
+                <a:schemeClr val="lt1"/>
+              </a:highlight>
+            </a:endParaRPr>
+          </a:p>
+        </p:txBody>
+      </p:sp>
+    </p:spTree>
+  </p:cSld>
+  <p:clrMapOvr>
+    <a:masterClrMapping/>
+  </p:clrMapOvr>
+</p:sld>
+</file>
+
+<file path=ppt/slides/slide31.xml><?xml version="1.0" encoding="utf-8"?>
+<p:sld xmlns:a="http://schemas.openxmlformats.org/drawingml/2006/main" xmlns:r="http://schemas.openxmlformats.org/officeDocument/2006/relationships" xmlns:mc="http://schemas.openxmlformats.org/markup-compatibility/2006" xmlns:mv="urn:schemas-microsoft-com:mac:vml" xmlns:p="http://schemas.openxmlformats.org/presentationml/2006/main" xmlns:c="http://schemas.openxmlformats.org/drawingml/2006/chart" xmlns:dgm="http://schemas.openxmlformats.org/drawingml/2006/diagram" xmlns:o="urn:schemas-microsoft-com:office:office" xmlns:v="urn:schemas-microsoft-com:vml" xmlns:pvml="urn:schemas-microsoft-com:office:powerpoint" xmlns:com="http://schemas.openxmlformats.org/drawingml/2006/compatibility" xmlns:p14="http://schemas.microsoft.com/office/powerpoint/2010/main" xmlns:p15="http://schemas.microsoft.com/office/powerpoint/2012/main" xmlns:ahyp="http://schemas.microsoft.com/office/drawing/2018/hyperlinkcolor">
+  <p:cSld>
+    <p:spTree>
+      <p:nvGrpSpPr>
+        <p:cNvPr id="266" name="Shape 266"/>
+        <p:cNvGrpSpPr/>
+        <p:nvPr/>
+      </p:nvGrpSpPr>
+      <p:grpSpPr>
+        <a:xfrm>
+          <a:off x="0" y="0"/>
+          <a:ext cx="0" cy="0"/>
+          <a:chOff x="0" y="0"/>
+          <a:chExt cx="0" cy="0"/>
+        </a:xfrm>
+      </p:grpSpPr>
+      <p:sp>
+        <p:nvSpPr>
+          <p:cNvPr id="267" name="Google Shape;267;g1280786ebf6_0_0"/>
+          <p:cNvSpPr txBox="1"/>
+          <p:nvPr>
+            <p:ph type="title"/>
+          </p:nvPr>
+        </p:nvSpPr>
+        <p:spPr>
+          <a:xfrm>
+            <a:off x="914400" y="346075"/>
+            <a:ext cx="10363200" cy="873000"/>
+          </a:xfrm>
+          <a:prstGeom prst="rect">
+            <a:avLst/>
+          </a:prstGeom>
+        </p:spPr>
+        <p:txBody>
+          <a:bodyPr anchorCtr="0" anchor="ctr" bIns="45700" lIns="91425" spcFirstLastPara="1" rIns="91425" wrap="square" tIns="45700">
+            <a:noAutofit/>
+          </a:bodyPr>
+          <a:lstStyle/>
+          <a:p>
+            <a:pPr indent="0" lvl="0" marL="0" rtl="0" algn="ctr">
+              <a:spcBef>
+                <a:spcPts val="0"/>
+              </a:spcBef>
+              <a:spcAft>
+                <a:spcPts val="0"/>
+              </a:spcAft>
+              <a:buNone/>
+            </a:pPr>
+            <a:r>
+              <a:rPr lang="en-US"/>
+              <a:t>References</a:t>
+            </a:r>
+            <a:endParaRPr/>
+          </a:p>
+        </p:txBody>
+      </p:sp>
+      <p:sp>
+        <p:nvSpPr>
+          <p:cNvPr id="268" name="Google Shape;268;g1280786ebf6_0_0"/>
+          <p:cNvSpPr txBox="1"/>
+          <p:nvPr>
+            <p:ph idx="1" type="body"/>
+          </p:nvPr>
+        </p:nvSpPr>
+        <p:spPr>
+          <a:xfrm>
+            <a:off x="914400" y="1371600"/>
+            <a:ext cx="10363200" cy="4687800"/>
+          </a:xfrm>
+          <a:prstGeom prst="rect">
+            <a:avLst/>
+          </a:prstGeom>
+        </p:spPr>
+        <p:txBody>
+          <a:bodyPr anchorCtr="0" anchor="t" bIns="45700" lIns="91425" spcFirstLastPara="1" rIns="91425" wrap="square" tIns="45700">
+            <a:noAutofit/>
+          </a:bodyPr>
+          <a:lstStyle/>
+          <a:p>
+            <a:pPr indent="0" lvl="0" marL="0" rtl="0" algn="l">
+              <a:lnSpc>
+                <a:spcPct val="107916"/>
+              </a:lnSpc>
+              <a:spcBef>
+                <a:spcPts val="0"/>
+              </a:spcBef>
+              <a:spcAft>
+                <a:spcPts val="0"/>
+              </a:spcAft>
+              <a:buClr>
+                <a:schemeClr val="dk1"/>
+              </a:buClr>
+              <a:buSzPts val="1100"/>
+              <a:buFont typeface="Arial"/>
+              <a:buNone/>
+            </a:pPr>
+            <a:r>
+              <a:rPr b="1" lang="en-US" sz="2400">
+                <a:latin typeface="Old Standard TT"/>
+                <a:ea typeface="Old Standard TT"/>
+                <a:cs typeface="Old Standard TT"/>
+                <a:sym typeface="Old Standard TT"/>
+              </a:rPr>
+              <a:t>Research Papers</a:t>
+            </a:r>
+            <a:endParaRPr b="1" sz="2500">
+              <a:latin typeface="Old Standard TT"/>
+              <a:ea typeface="Old Standard TT"/>
+              <a:cs typeface="Old Standard TT"/>
+              <a:sym typeface="Old Standard TT"/>
+            </a:endParaRPr>
+          </a:p>
+          <a:p>
+            <a:pPr indent="-330200" lvl="0" marL="457200" rtl="0" algn="l">
+              <a:lnSpc>
+                <a:spcPct val="107916"/>
+              </a:lnSpc>
+              <a:spcBef>
+                <a:spcPts val="800"/>
+              </a:spcBef>
+              <a:spcAft>
+                <a:spcPts val="0"/>
+              </a:spcAft>
+              <a:buClr>
+                <a:schemeClr val="dk1"/>
+              </a:buClr>
+              <a:buSzPts val="1600"/>
+              <a:buFont typeface="Old Standard TT"/>
+              <a:buAutoNum type="arabicPeriod"/>
+            </a:pPr>
+            <a:r>
+              <a:rPr lang="en-US" sz="1600">
+                <a:latin typeface="Old Standard TT"/>
+                <a:ea typeface="Old Standard TT"/>
+                <a:cs typeface="Old Standard TT"/>
+                <a:sym typeface="Old Standard TT"/>
+              </a:rPr>
+              <a:t>Nayebi, A., &amp; Vitelli, M. (2015). Gruv: Algorithmic music generation using recurrent neural networks. Course CS224D: Deep Learning for Natural Language Processing (Stanford).</a:t>
+            </a:r>
+            <a:endParaRPr sz="1600">
+              <a:latin typeface="Old Standard TT"/>
+              <a:ea typeface="Old Standard TT"/>
+              <a:cs typeface="Old Standard TT"/>
+              <a:sym typeface="Old Standard TT"/>
+            </a:endParaRPr>
+          </a:p>
+          <a:p>
+            <a:pPr indent="0" lvl="0" marL="457200" rtl="0" algn="l">
+              <a:lnSpc>
+                <a:spcPct val="107916"/>
+              </a:lnSpc>
+              <a:spcBef>
+                <a:spcPts val="0"/>
+              </a:spcBef>
+              <a:spcAft>
+                <a:spcPts val="0"/>
+              </a:spcAft>
+              <a:buNone/>
+            </a:pPr>
+            <a:r>
+              <a:t/>
+            </a:r>
+            <a:endParaRPr sz="1600">
+              <a:latin typeface="Old Standard TT"/>
+              <a:ea typeface="Old Standard TT"/>
+              <a:cs typeface="Old Standard TT"/>
+              <a:sym typeface="Old Standard TT"/>
+            </a:endParaRPr>
+          </a:p>
+          <a:p>
+            <a:pPr indent="-330200" lvl="0" marL="457200" rtl="0" algn="l">
+              <a:lnSpc>
+                <a:spcPct val="107916"/>
+              </a:lnSpc>
+              <a:spcBef>
+                <a:spcPts val="0"/>
+              </a:spcBef>
+              <a:spcAft>
+                <a:spcPts val="0"/>
+              </a:spcAft>
+              <a:buClr>
+                <a:schemeClr val="dk1"/>
+              </a:buClr>
+              <a:buSzPts val="1600"/>
+              <a:buFont typeface="Old Standard TT"/>
+              <a:buAutoNum type="arabicPeriod"/>
+            </a:pPr>
+            <a:r>
+              <a:rPr lang="en-US" sz="1600">
+                <a:latin typeface="Old Standard TT"/>
+                <a:ea typeface="Old Standard TT"/>
+                <a:cs typeface="Old Standard TT"/>
+                <a:sym typeface="Old Standard TT"/>
+              </a:rPr>
+              <a:t>Huang, Y., Huang, X., &amp; Cai, Q. (2018). Music Generation Based on Convolution-LSTM. Comput. Inf. Sci., 11(3), 50-56.</a:t>
+            </a:r>
+            <a:endParaRPr sz="1600">
+              <a:latin typeface="Old Standard TT"/>
+              <a:ea typeface="Old Standard TT"/>
+              <a:cs typeface="Old Standard TT"/>
+              <a:sym typeface="Old Standard TT"/>
+            </a:endParaRPr>
+          </a:p>
+          <a:p>
+            <a:pPr indent="0" lvl="0" marL="457200" rtl="0" algn="l">
+              <a:lnSpc>
+                <a:spcPct val="107916"/>
+              </a:lnSpc>
+              <a:spcBef>
+                <a:spcPts val="0"/>
+              </a:spcBef>
+              <a:spcAft>
+                <a:spcPts val="0"/>
+              </a:spcAft>
+              <a:buNone/>
+            </a:pPr>
+            <a:r>
+              <a:t/>
+            </a:r>
+            <a:endParaRPr sz="1600">
+              <a:latin typeface="Old Standard TT"/>
+              <a:ea typeface="Old Standard TT"/>
+              <a:cs typeface="Old Standard TT"/>
+              <a:sym typeface="Old Standard TT"/>
+            </a:endParaRPr>
+          </a:p>
+          <a:p>
+            <a:pPr indent="-330200" lvl="0" marL="457200" rtl="0" algn="l">
+              <a:lnSpc>
+                <a:spcPct val="107916"/>
+              </a:lnSpc>
+              <a:spcBef>
+                <a:spcPts val="0"/>
+              </a:spcBef>
+              <a:spcAft>
+                <a:spcPts val="0"/>
+              </a:spcAft>
+              <a:buClr>
+                <a:schemeClr val="dk1"/>
+              </a:buClr>
+              <a:buSzPts val="1600"/>
+              <a:buFont typeface="Old Standard TT"/>
+              <a:buAutoNum type="arabicPeriod"/>
+            </a:pPr>
+            <a:r>
+              <a:rPr lang="en-US" sz="1600">
+                <a:latin typeface="Old Standard TT"/>
+                <a:ea typeface="Old Standard TT"/>
+                <a:cs typeface="Old Standard TT"/>
+                <a:sym typeface="Old Standard TT"/>
+              </a:rPr>
+              <a:t>Mangal, S., Modak, R., &amp; Joshi, P. (2019). Lstm-based music generation system. arXiv preprint arXiv:1908.01080.</a:t>
+            </a:r>
+            <a:endParaRPr sz="1600">
+              <a:latin typeface="Old Standard TT"/>
+              <a:ea typeface="Old Standard TT"/>
+              <a:cs typeface="Old Standard TT"/>
+              <a:sym typeface="Old Standard TT"/>
+            </a:endParaRPr>
+          </a:p>
+          <a:p>
+            <a:pPr indent="0" lvl="0" marL="457200" rtl="0" algn="l">
+              <a:lnSpc>
+                <a:spcPct val="107916"/>
+              </a:lnSpc>
+              <a:spcBef>
+                <a:spcPts val="0"/>
+              </a:spcBef>
+              <a:spcAft>
+                <a:spcPts val="0"/>
+              </a:spcAft>
+              <a:buNone/>
+            </a:pPr>
+            <a:r>
+              <a:t/>
+            </a:r>
+            <a:endParaRPr sz="1600">
+              <a:latin typeface="Old Standard TT"/>
+              <a:ea typeface="Old Standard TT"/>
+              <a:cs typeface="Old Standard TT"/>
+              <a:sym typeface="Old Standard TT"/>
+            </a:endParaRPr>
+          </a:p>
+          <a:p>
+            <a:pPr indent="-330200" lvl="0" marL="457200" rtl="0" algn="l">
+              <a:lnSpc>
+                <a:spcPct val="107916"/>
+              </a:lnSpc>
+              <a:spcBef>
+                <a:spcPts val="0"/>
+              </a:spcBef>
+              <a:spcAft>
+                <a:spcPts val="0"/>
+              </a:spcAft>
+              <a:buClr>
+                <a:schemeClr val="dk1"/>
+              </a:buClr>
+              <a:buSzPts val="1600"/>
+              <a:buFont typeface="Old Standard TT"/>
+              <a:buAutoNum type="arabicPeriod"/>
+            </a:pPr>
+            <a:r>
+              <a:rPr lang="en-US" sz="1600">
+                <a:latin typeface="Old Standard TT"/>
+                <a:ea typeface="Old Standard TT"/>
+                <a:cs typeface="Old Standard TT"/>
+                <a:sym typeface="Old Standard TT"/>
+              </a:rPr>
+              <a:t>Shi, Z., Arul, K., &amp; Smith III, J. O. (2017). Modeling and Digitizing Reproducing Piano Rolls. In ISMIR (pp. 197-203).</a:t>
+            </a:r>
+            <a:endParaRPr sz="1600">
+              <a:latin typeface="Old Standard TT"/>
+              <a:ea typeface="Old Standard TT"/>
+              <a:cs typeface="Old Standard TT"/>
+              <a:sym typeface="Old Standard TT"/>
+            </a:endParaRPr>
+          </a:p>
+          <a:p>
+            <a:pPr indent="0" lvl="0" marL="457200" rtl="0" algn="l">
+              <a:lnSpc>
+                <a:spcPct val="107916"/>
+              </a:lnSpc>
+              <a:spcBef>
+                <a:spcPts val="0"/>
+              </a:spcBef>
+              <a:spcAft>
+                <a:spcPts val="0"/>
+              </a:spcAft>
+              <a:buNone/>
+            </a:pPr>
+            <a:r>
+              <a:t/>
+            </a:r>
+            <a:endParaRPr sz="1600">
+              <a:latin typeface="Old Standard TT"/>
+              <a:ea typeface="Old Standard TT"/>
+              <a:cs typeface="Old Standard TT"/>
+              <a:sym typeface="Old Standard TT"/>
+            </a:endParaRPr>
+          </a:p>
+          <a:p>
+            <a:pPr indent="-330200" lvl="0" marL="457200" rtl="0" algn="l">
+              <a:lnSpc>
+                <a:spcPct val="107916"/>
+              </a:lnSpc>
+              <a:spcBef>
+                <a:spcPts val="0"/>
+              </a:spcBef>
+              <a:spcAft>
+                <a:spcPts val="0"/>
+              </a:spcAft>
+              <a:buClr>
+                <a:schemeClr val="dk1"/>
+              </a:buClr>
+              <a:buSzPts val="1600"/>
+              <a:buFont typeface="Old Standard TT"/>
+              <a:buAutoNum type="arabicPeriod"/>
+            </a:pPr>
+            <a:r>
+              <a:rPr lang="en-US" sz="1600">
+                <a:latin typeface="Old Standard TT"/>
+                <a:ea typeface="Old Standard TT"/>
+                <a:cs typeface="Old Standard TT"/>
+                <a:sym typeface="Old Standard TT"/>
+              </a:rPr>
+              <a:t>Raffel, C., &amp; Ellis, D. P. (2016, August). Extracting Ground-Truth Information from MIDI Files: A MIDIfesto. In ISMIR (pp. 796-802).</a:t>
+            </a:r>
+            <a:endParaRPr sz="1600">
+              <a:latin typeface="Old Standard TT"/>
+              <a:ea typeface="Old Standard TT"/>
+              <a:cs typeface="Old Standard TT"/>
+              <a:sym typeface="Old Standard TT"/>
+            </a:endParaRPr>
+          </a:p>
+          <a:p>
+            <a:pPr indent="0" lvl="0" marL="457200" rtl="0" algn="l">
+              <a:lnSpc>
+                <a:spcPct val="107916"/>
+              </a:lnSpc>
+              <a:spcBef>
+                <a:spcPts val="800"/>
+              </a:spcBef>
+              <a:spcAft>
+                <a:spcPts val="0"/>
+              </a:spcAft>
+              <a:buNone/>
+            </a:pPr>
+            <a:r>
+              <a:t/>
+            </a:r>
+            <a:endParaRPr sz="1600">
+              <a:latin typeface="Old Standard TT"/>
+              <a:ea typeface="Old Standard TT"/>
+              <a:cs typeface="Old Standard TT"/>
+              <a:sym typeface="Old Standard TT"/>
+            </a:endParaRPr>
+          </a:p>
+          <a:p>
+            <a:pPr indent="0" lvl="0" marL="0" rtl="0" algn="l">
+              <a:lnSpc>
+                <a:spcPct val="107916"/>
+              </a:lnSpc>
+              <a:spcBef>
+                <a:spcPts val="800"/>
+              </a:spcBef>
+              <a:spcAft>
+                <a:spcPts val="800"/>
+              </a:spcAft>
+              <a:buNone/>
+            </a:pPr>
+            <a:r>
+              <a:t/>
+            </a:r>
+            <a:endParaRPr sz="1600">
+              <a:latin typeface="Old Standard TT"/>
+              <a:ea typeface="Old Standard TT"/>
+              <a:cs typeface="Old Standard TT"/>
+              <a:sym typeface="Old Standard TT"/>
+            </a:endParaRPr>
+          </a:p>
+        </p:txBody>
+      </p:sp>
+    </p:spTree>
+  </p:cSld>
+  <p:clrMapOvr>
+    <a:masterClrMapping/>
+  </p:clrMapOvr>
+</p:sld>
+</file>
+
+<file path=ppt/slides/slide32.xml><?xml version="1.0" encoding="utf-8"?>
+<p:sld xmlns:a="http://schemas.openxmlformats.org/drawingml/2006/main" xmlns:r="http://schemas.openxmlformats.org/officeDocument/2006/relationships" xmlns:mc="http://schemas.openxmlformats.org/markup-compatibility/2006" xmlns:mv="urn:schemas-microsoft-com:mac:vml" xmlns:p="http://schemas.openxmlformats.org/presentationml/2006/main" xmlns:c="http://schemas.openxmlformats.org/drawingml/2006/chart" xmlns:dgm="http://schemas.openxmlformats.org/drawingml/2006/diagram" xmlns:o="urn:schemas-microsoft-com:office:office" xmlns:v="urn:schemas-microsoft-com:vml" xmlns:pvml="urn:schemas-microsoft-com:office:powerpoint" xmlns:com="http://schemas.openxmlformats.org/drawingml/2006/compatibility" xmlns:p14="http://schemas.microsoft.com/office/powerpoint/2010/main" xmlns:p15="http://schemas.microsoft.com/office/powerpoint/2012/main" xmlns:ahyp="http://schemas.microsoft.com/office/drawing/2018/hyperlinkcolor">
+  <p:cSld>
+    <p:spTree>
+      <p:nvGrpSpPr>
+        <p:cNvPr id="273" name="Shape 273"/>
+        <p:cNvGrpSpPr/>
+        <p:nvPr/>
+      </p:nvGrpSpPr>
+      <p:grpSpPr>
+        <a:xfrm>
+          <a:off x="0" y="0"/>
+          <a:ext cx="0" cy="0"/>
+          <a:chOff x="0" y="0"/>
+          <a:chExt cx="0" cy="0"/>
+        </a:xfrm>
+      </p:grpSpPr>
+      <p:sp>
+        <p:nvSpPr>
+          <p:cNvPr id="274" name="Google Shape;274;g1280786ebf6_0_18"/>
+          <p:cNvSpPr txBox="1"/>
+          <p:nvPr>
+            <p:ph type="title"/>
+          </p:nvPr>
+        </p:nvSpPr>
+        <p:spPr>
+          <a:xfrm>
+            <a:off x="914400" y="346075"/>
+            <a:ext cx="10363200" cy="873000"/>
+          </a:xfrm>
+          <a:prstGeom prst="rect">
+            <a:avLst/>
+          </a:prstGeom>
+        </p:spPr>
+        <p:txBody>
+          <a:bodyPr anchorCtr="0" anchor="ctr" bIns="45700" lIns="91425" spcFirstLastPara="1" rIns="91425" wrap="square" tIns="45700">
+            <a:noAutofit/>
+          </a:bodyPr>
+          <a:lstStyle/>
+          <a:p>
+            <a:pPr indent="0" lvl="0" marL="0" rtl="0" algn="ctr">
+              <a:spcBef>
+                <a:spcPts val="0"/>
+              </a:spcBef>
+              <a:spcAft>
+                <a:spcPts val="0"/>
+              </a:spcAft>
+              <a:buNone/>
+            </a:pPr>
+            <a:r>
+              <a:rPr lang="en-US"/>
+              <a:t>References</a:t>
+            </a:r>
+            <a:endParaRPr/>
+          </a:p>
+        </p:txBody>
+      </p:sp>
+      <p:sp>
+        <p:nvSpPr>
+          <p:cNvPr id="275" name="Google Shape;275;g1280786ebf6_0_18"/>
+          <p:cNvSpPr txBox="1"/>
+          <p:nvPr>
+            <p:ph idx="1" type="body"/>
+          </p:nvPr>
+        </p:nvSpPr>
+        <p:spPr>
+          <a:xfrm>
+            <a:off x="914400" y="1371600"/>
+            <a:ext cx="10363200" cy="4687800"/>
+          </a:xfrm>
+          <a:prstGeom prst="rect">
+            <a:avLst/>
+          </a:prstGeom>
+        </p:spPr>
+        <p:txBody>
+          <a:bodyPr anchorCtr="0" anchor="t" bIns="45700" lIns="91425" spcFirstLastPara="1" rIns="91425" wrap="square" tIns="45700">
+            <a:noAutofit/>
+          </a:bodyPr>
+          <a:lstStyle/>
+          <a:p>
+            <a:pPr indent="0" lvl="0" marL="0" rtl="0" algn="l">
+              <a:lnSpc>
+                <a:spcPct val="107916"/>
+              </a:lnSpc>
+              <a:spcBef>
+                <a:spcPts val="0"/>
+              </a:spcBef>
+              <a:spcAft>
+                <a:spcPts val="0"/>
+              </a:spcAft>
+              <a:buNone/>
+            </a:pPr>
+            <a:r>
+              <a:rPr b="1" lang="en-US" sz="2300">
+                <a:latin typeface="Old Standard TT"/>
+                <a:ea typeface="Old Standard TT"/>
+                <a:cs typeface="Old Standard TT"/>
+                <a:sym typeface="Old Standard TT"/>
+              </a:rPr>
+              <a:t>Dataset</a:t>
+            </a:r>
+            <a:endParaRPr b="1" sz="2300">
+              <a:latin typeface="Old Standard TT"/>
+              <a:ea typeface="Old Standard TT"/>
+              <a:cs typeface="Old Standard TT"/>
+              <a:sym typeface="Old Standard TT"/>
+            </a:endParaRPr>
+          </a:p>
+          <a:p>
+            <a:pPr indent="-374650" lvl="0" marL="457200" rtl="0" algn="l">
+              <a:lnSpc>
+                <a:spcPct val="107916"/>
+              </a:lnSpc>
+              <a:spcBef>
+                <a:spcPts val="200"/>
+              </a:spcBef>
+              <a:spcAft>
+                <a:spcPts val="0"/>
+              </a:spcAft>
+              <a:buClr>
+                <a:schemeClr val="dk1"/>
+              </a:buClr>
+              <a:buSzPts val="2300"/>
+              <a:buFont typeface="Old Standard TT"/>
+              <a:buChar char="●"/>
+            </a:pPr>
+            <a:r>
+              <a:rPr lang="en-US" sz="2300">
+                <a:latin typeface="Old Standard TT"/>
+                <a:ea typeface="Old Standard TT"/>
+                <a:cs typeface="Old Standard TT"/>
+                <a:sym typeface="Old Standard TT"/>
+              </a:rPr>
+              <a:t>Soumik Rakshit (2019). Classical Music MIDI. Kaggle</a:t>
+            </a:r>
+            <a:endParaRPr b="1" sz="2300">
+              <a:latin typeface="Old Standard TT"/>
+              <a:ea typeface="Old Standard TT"/>
+              <a:cs typeface="Old Standard TT"/>
+              <a:sym typeface="Old Standard TT"/>
+            </a:endParaRPr>
+          </a:p>
+          <a:p>
+            <a:pPr indent="0" lvl="0" marL="457200" rtl="0" algn="l">
+              <a:lnSpc>
+                <a:spcPct val="107916"/>
+              </a:lnSpc>
+              <a:spcBef>
+                <a:spcPts val="200"/>
+              </a:spcBef>
+              <a:spcAft>
+                <a:spcPts val="0"/>
+              </a:spcAft>
+              <a:buNone/>
+            </a:pPr>
+            <a:r>
+              <a:rPr lang="en-US" sz="2300">
+                <a:latin typeface="Old Standard TT"/>
+                <a:ea typeface="Old Standard TT"/>
+                <a:cs typeface="Old Standard TT"/>
+                <a:sym typeface="Old Standard TT"/>
+              </a:rPr>
+              <a:t>Retrieved from </a:t>
+            </a:r>
+            <a:r>
+              <a:rPr lang="en-US" sz="2300" u="sng">
+                <a:solidFill>
+                  <a:srgbClr val="0563C1"/>
+                </a:solidFill>
+                <a:latin typeface="Old Standard TT"/>
+                <a:ea typeface="Old Standard TT"/>
+                <a:cs typeface="Old Standard TT"/>
+                <a:sym typeface="Old Standard TT"/>
+                <a:hlinkClick r:id="rId3">
+                  <a:extLst>
+                    <a:ext uri="{A12FA001-AC4F-418D-AE19-62706E023703}">
+                      <ahyp:hlinkClr val="tx"/>
+                    </a:ext>
+                  </a:extLst>
+                </a:hlinkClick>
+              </a:rPr>
+              <a:t>kaggle.com/soumikrakshit/classical-music-midi</a:t>
+            </a:r>
+            <a:endParaRPr sz="2300">
+              <a:latin typeface="Old Standard TT"/>
+              <a:ea typeface="Old Standard TT"/>
+              <a:cs typeface="Old Standard TT"/>
+              <a:sym typeface="Old Standard TT"/>
+            </a:endParaRPr>
+          </a:p>
+          <a:p>
+            <a:pPr indent="0" lvl="0" marL="457200" rtl="0" algn="l">
+              <a:lnSpc>
+                <a:spcPct val="107916"/>
+              </a:lnSpc>
+              <a:spcBef>
+                <a:spcPts val="800"/>
+              </a:spcBef>
+              <a:spcAft>
+                <a:spcPts val="0"/>
+              </a:spcAft>
+              <a:buClr>
+                <a:schemeClr val="dk1"/>
+              </a:buClr>
+              <a:buSzPts val="1100"/>
+              <a:buFont typeface="Arial"/>
+              <a:buNone/>
+            </a:pPr>
+            <a:r>
+              <a:t/>
+            </a:r>
+            <a:endParaRPr sz="2300">
+              <a:latin typeface="Old Standard TT"/>
+              <a:ea typeface="Old Standard TT"/>
+              <a:cs typeface="Old Standard TT"/>
+              <a:sym typeface="Old Standard TT"/>
+            </a:endParaRPr>
+          </a:p>
+          <a:p>
+            <a:pPr indent="-374650" lvl="0" marL="457200" rtl="0" algn="l">
+              <a:lnSpc>
+                <a:spcPct val="107916"/>
+              </a:lnSpc>
+              <a:spcBef>
+                <a:spcPts val="800"/>
+              </a:spcBef>
+              <a:spcAft>
+                <a:spcPts val="0"/>
+              </a:spcAft>
+              <a:buClr>
+                <a:schemeClr val="dk1"/>
+              </a:buClr>
+              <a:buSzPts val="2300"/>
+              <a:buFont typeface="Old Standard TT"/>
+              <a:buChar char="●"/>
+            </a:pPr>
+            <a:r>
+              <a:rPr lang="en-US" sz="2300">
+                <a:latin typeface="Old Standard TT"/>
+                <a:ea typeface="Old Standard TT"/>
+                <a:cs typeface="Old Standard TT"/>
+                <a:sym typeface="Old Standard TT"/>
+              </a:rPr>
+              <a:t>Webpage. Free Scale Chords Pack. FeelyourSoul</a:t>
+            </a:r>
+            <a:endParaRPr sz="2300">
+              <a:latin typeface="Old Standard TT"/>
+              <a:ea typeface="Old Standard TT"/>
+              <a:cs typeface="Old Standard TT"/>
+              <a:sym typeface="Old Standard TT"/>
+            </a:endParaRPr>
+          </a:p>
+          <a:p>
+            <a:pPr indent="0" lvl="0" marL="457200" rtl="0" algn="l">
+              <a:lnSpc>
+                <a:spcPct val="107916"/>
+              </a:lnSpc>
+              <a:spcBef>
+                <a:spcPts val="200"/>
+              </a:spcBef>
+              <a:spcAft>
+                <a:spcPts val="0"/>
+              </a:spcAft>
+              <a:buNone/>
+            </a:pPr>
+            <a:r>
+              <a:rPr lang="en-US" sz="2300">
+                <a:latin typeface="Old Standard TT"/>
+                <a:ea typeface="Old Standard TT"/>
+                <a:cs typeface="Old Standard TT"/>
+                <a:sym typeface="Old Standard TT"/>
+              </a:rPr>
+              <a:t>Retrieved from </a:t>
+            </a:r>
+            <a:r>
+              <a:rPr lang="en-US" sz="2300" u="sng">
+                <a:solidFill>
+                  <a:srgbClr val="0563C1"/>
+                </a:solidFill>
+                <a:latin typeface="Old Standard TT"/>
+                <a:ea typeface="Old Standard TT"/>
+                <a:cs typeface="Old Standard TT"/>
+                <a:sym typeface="Old Standard TT"/>
+                <a:hlinkClick r:id="rId4">
+                  <a:extLst>
+                    <a:ext uri="{A12FA001-AC4F-418D-AE19-62706E023703}">
+                      <ahyp:hlinkClr val="tx"/>
+                    </a:ext>
+                  </a:extLst>
+                </a:hlinkClick>
+              </a:rPr>
+              <a:t>feelyoursound.com/scale-chords</a:t>
+            </a:r>
+            <a:endParaRPr sz="2300">
+              <a:latin typeface="Old Standard TT"/>
+              <a:ea typeface="Old Standard TT"/>
+              <a:cs typeface="Old Standard TT"/>
+              <a:sym typeface="Old Standard TT"/>
+            </a:endParaRPr>
+          </a:p>
+          <a:p>
+            <a:pPr indent="0" lvl="0" marL="457200" rtl="0" algn="l">
+              <a:lnSpc>
+                <a:spcPct val="107916"/>
+              </a:lnSpc>
+              <a:spcBef>
+                <a:spcPts val="800"/>
+              </a:spcBef>
+              <a:spcAft>
+                <a:spcPts val="0"/>
+              </a:spcAft>
+              <a:buClr>
+                <a:schemeClr val="dk1"/>
+              </a:buClr>
+              <a:buSzPts val="1100"/>
+              <a:buFont typeface="Arial"/>
+              <a:buNone/>
+            </a:pPr>
+            <a:r>
+              <a:t/>
+            </a:r>
+            <a:endParaRPr sz="2300">
+              <a:latin typeface="Old Standard TT"/>
+              <a:ea typeface="Old Standard TT"/>
+              <a:cs typeface="Old Standard TT"/>
+              <a:sym typeface="Old Standard TT"/>
+            </a:endParaRPr>
+          </a:p>
+          <a:p>
+            <a:pPr indent="-374650" lvl="0" marL="457200" rtl="0" algn="l">
+              <a:lnSpc>
+                <a:spcPct val="107916"/>
+              </a:lnSpc>
+              <a:spcBef>
+                <a:spcPts val="800"/>
+              </a:spcBef>
+              <a:spcAft>
+                <a:spcPts val="0"/>
+              </a:spcAft>
+              <a:buClr>
+                <a:schemeClr val="dk1"/>
+              </a:buClr>
+              <a:buSzPts val="2300"/>
+              <a:buFont typeface="Old Standard TT"/>
+              <a:buChar char="●"/>
+            </a:pPr>
+            <a:r>
+              <a:rPr lang="en-US" sz="2300">
+                <a:latin typeface="Old Standard TT"/>
+                <a:ea typeface="Old Standard TT"/>
+                <a:cs typeface="Old Standard TT"/>
+                <a:sym typeface="Old Standard TT"/>
+              </a:rPr>
+              <a:t>Giant Midi Piano Dataset</a:t>
+            </a:r>
+            <a:endParaRPr sz="2300">
+              <a:latin typeface="Old Standard TT"/>
+              <a:ea typeface="Old Standard TT"/>
+              <a:cs typeface="Old Standard TT"/>
+              <a:sym typeface="Old Standard TT"/>
+            </a:endParaRPr>
+          </a:p>
+          <a:p>
+            <a:pPr indent="457200" lvl="0" marL="0" rtl="0" algn="l">
+              <a:lnSpc>
+                <a:spcPct val="107916"/>
+              </a:lnSpc>
+              <a:spcBef>
+                <a:spcPts val="200"/>
+              </a:spcBef>
+              <a:spcAft>
+                <a:spcPts val="800"/>
+              </a:spcAft>
+              <a:buClr>
+                <a:schemeClr val="dk1"/>
+              </a:buClr>
+              <a:buSzPts val="1100"/>
+              <a:buFont typeface="Arial"/>
+              <a:buNone/>
+            </a:pPr>
+            <a:r>
+              <a:rPr lang="en-US" sz="2300">
+                <a:latin typeface="Old Standard TT"/>
+                <a:ea typeface="Old Standard TT"/>
+                <a:cs typeface="Old Standard TT"/>
+                <a:sym typeface="Old Standard TT"/>
+              </a:rPr>
+              <a:t>Retrieved from </a:t>
+            </a:r>
+            <a:r>
+              <a:rPr lang="en-US" sz="2300" u="sng">
+                <a:solidFill>
+                  <a:srgbClr val="0563C1"/>
+                </a:solidFill>
+                <a:latin typeface="Old Standard TT"/>
+                <a:ea typeface="Old Standard TT"/>
+                <a:cs typeface="Old Standard TT"/>
+                <a:sym typeface="Old Standard TT"/>
+                <a:hlinkClick r:id="rId5">
+                  <a:extLst>
+                    <a:ext uri="{A12FA001-AC4F-418D-AE19-62706E023703}">
+                      <ahyp:hlinkClr val="tx"/>
+                    </a:ext>
+                  </a:extLst>
+                </a:hlinkClick>
+              </a:rPr>
+              <a:t>github.com/bytedance/GiantMIDI-Piano</a:t>
+            </a:r>
+            <a:endParaRPr sz="3900">
+              <a:latin typeface="Old Standard TT"/>
+              <a:ea typeface="Old Standard TT"/>
+              <a:cs typeface="Old Standard TT"/>
+              <a:sym typeface="Old Standard TT"/>
+            </a:endParaRPr>
+          </a:p>
+        </p:txBody>
+      </p:sp>
+    </p:spTree>
+  </p:cSld>
+  <p:clrMapOvr>
+    <a:masterClrMapping/>
+  </p:clrMapOvr>
+</p:sld>
+</file>
+
+<file path=ppt/slides/slide33.xml><?xml version="1.0" encoding="utf-8"?>
+<p:sld xmlns:a="http://schemas.openxmlformats.org/drawingml/2006/main" xmlns:r="http://schemas.openxmlformats.org/officeDocument/2006/relationships" xmlns:mc="http://schemas.openxmlformats.org/markup-compatibility/2006" xmlns:mv="urn:schemas-microsoft-com:mac:vml" xmlns:p="http://schemas.openxmlformats.org/presentationml/2006/main" xmlns:c="http://schemas.openxmlformats.org/drawingml/2006/chart" xmlns:dgm="http://schemas.openxmlformats.org/drawingml/2006/diagram" xmlns:o="urn:schemas-microsoft-com:office:office" xmlns:v="urn:schemas-microsoft-com:vml" xmlns:pvml="urn:schemas-microsoft-com:office:powerpoint" xmlns:com="http://schemas.openxmlformats.org/drawingml/2006/compatibility" xmlns:p14="http://schemas.microsoft.com/office/powerpoint/2010/main" xmlns:p15="http://schemas.microsoft.com/office/powerpoint/2012/main" xmlns:ahyp="http://schemas.microsoft.com/office/drawing/2018/hyperlinkcolor">
+  <p:cSld>
+    <p:spTree>
+      <p:nvGrpSpPr>
+        <p:cNvPr id="280" name="Shape 280"/>
+        <p:cNvGrpSpPr/>
+        <p:nvPr/>
+      </p:nvGrpSpPr>
+      <p:grpSpPr>
+        <a:xfrm>
+          <a:off x="0" y="0"/>
+          <a:ext cx="0" cy="0"/>
+          <a:chOff x="0" y="0"/>
+          <a:chExt cx="0" cy="0"/>
+        </a:xfrm>
+      </p:grpSpPr>
+      <p:sp>
+        <p:nvSpPr>
+          <p:cNvPr id="281" name="Google Shape;281;g1280786ebf6_0_6"/>
+          <p:cNvSpPr txBox="1"/>
+          <p:nvPr>
+            <p:ph type="title"/>
+          </p:nvPr>
+        </p:nvSpPr>
+        <p:spPr>
+          <a:xfrm>
+            <a:off x="914400" y="346075"/>
+            <a:ext cx="10363200" cy="873000"/>
+          </a:xfrm>
+          <a:prstGeom prst="rect">
+            <a:avLst/>
+          </a:prstGeom>
+        </p:spPr>
+        <p:txBody>
+          <a:bodyPr anchorCtr="0" anchor="ctr" bIns="45700" lIns="91425" spcFirstLastPara="1" rIns="91425" wrap="square" tIns="45700">
+            <a:noAutofit/>
+          </a:bodyPr>
+          <a:lstStyle/>
+          <a:p>
+            <a:pPr indent="0" lvl="0" marL="0" rtl="0" algn="ctr">
+              <a:spcBef>
+                <a:spcPts val="0"/>
+              </a:spcBef>
+              <a:spcAft>
+                <a:spcPts val="0"/>
+              </a:spcAft>
+              <a:buNone/>
+            </a:pPr>
+            <a:r>
+              <a:rPr lang="en-US"/>
+              <a:t>References</a:t>
+            </a:r>
+            <a:endParaRPr/>
+          </a:p>
+        </p:txBody>
+      </p:sp>
+      <p:sp>
+        <p:nvSpPr>
+          <p:cNvPr id="282" name="Google Shape;282;g1280786ebf6_0_6"/>
+          <p:cNvSpPr txBox="1"/>
+          <p:nvPr>
+            <p:ph idx="1" type="body"/>
+          </p:nvPr>
+        </p:nvSpPr>
+        <p:spPr>
+          <a:xfrm>
+            <a:off x="914400" y="1371600"/>
+            <a:ext cx="10363200" cy="4687800"/>
+          </a:xfrm>
+          <a:prstGeom prst="rect">
+            <a:avLst/>
+          </a:prstGeom>
+        </p:spPr>
+        <p:txBody>
+          <a:bodyPr anchorCtr="0" anchor="t" bIns="45700" lIns="91425" spcFirstLastPara="1" rIns="91425" wrap="square" tIns="45700">
+            <a:noAutofit/>
+          </a:bodyPr>
+          <a:lstStyle/>
+          <a:p>
+            <a:pPr indent="0" lvl="0" marL="0" rtl="0" algn="l">
+              <a:lnSpc>
+                <a:spcPct val="107916"/>
+              </a:lnSpc>
+              <a:spcBef>
+                <a:spcPts val="0"/>
+              </a:spcBef>
+              <a:spcAft>
+                <a:spcPts val="0"/>
+              </a:spcAft>
+              <a:buNone/>
+            </a:pPr>
+            <a:r>
+              <a:rPr b="1" lang="en-US" sz="2400">
+                <a:latin typeface="Old Standard TT"/>
+                <a:ea typeface="Old Standard TT"/>
+                <a:cs typeface="Old Standard TT"/>
+                <a:sym typeface="Old Standard TT"/>
+              </a:rPr>
+              <a:t>Figures</a:t>
+            </a:r>
+            <a:endParaRPr b="1" sz="2400">
+              <a:latin typeface="Old Standard TT"/>
+              <a:ea typeface="Old Standard TT"/>
+              <a:cs typeface="Old Standard TT"/>
+              <a:sym typeface="Old Standard TT"/>
+            </a:endParaRPr>
+          </a:p>
+          <a:p>
+            <a:pPr indent="-342900" lvl="0" marL="457200" rtl="0" algn="l">
+              <a:lnSpc>
+                <a:spcPct val="107916"/>
+              </a:lnSpc>
+              <a:spcBef>
+                <a:spcPts val="800"/>
+              </a:spcBef>
+              <a:spcAft>
+                <a:spcPts val="0"/>
+              </a:spcAft>
+              <a:buClr>
+                <a:schemeClr val="dk1"/>
+              </a:buClr>
+              <a:buSzPts val="1800"/>
+              <a:buFont typeface="Old Standard TT"/>
+              <a:buChar char="●"/>
+            </a:pPr>
+            <a:r>
+              <a:rPr lang="en-US" sz="1800">
+                <a:latin typeface="Old Standard TT"/>
+                <a:ea typeface="Old Standard TT"/>
+                <a:cs typeface="Old Standard TT"/>
+                <a:sym typeface="Old Standard TT"/>
+              </a:rPr>
+              <a:t>Fig 1: Image of dataset files</a:t>
+            </a:r>
+            <a:endParaRPr sz="1800">
+              <a:latin typeface="Old Standard TT"/>
+              <a:ea typeface="Old Standard TT"/>
+              <a:cs typeface="Old Standard TT"/>
+              <a:sym typeface="Old Standard TT"/>
+            </a:endParaRPr>
+          </a:p>
+          <a:p>
+            <a:pPr indent="0" lvl="0" marL="457200" rtl="0" algn="l">
+              <a:lnSpc>
+                <a:spcPct val="107916"/>
+              </a:lnSpc>
+              <a:spcBef>
+                <a:spcPts val="800"/>
+              </a:spcBef>
+              <a:spcAft>
+                <a:spcPts val="0"/>
+              </a:spcAft>
+              <a:buNone/>
+            </a:pPr>
+            <a:r>
+              <a:rPr lang="en-US" sz="1800">
+                <a:latin typeface="Old Standard TT"/>
+                <a:ea typeface="Old Standard TT"/>
+                <a:cs typeface="Old Standard TT"/>
+                <a:sym typeface="Old Standard TT"/>
+              </a:rPr>
+              <a:t>Retrieved from </a:t>
+            </a:r>
+            <a:r>
+              <a:rPr lang="en-US" sz="1800" u="sng">
+                <a:solidFill>
+                  <a:srgbClr val="0033CC"/>
+                </a:solidFill>
+                <a:latin typeface="Old Standard TT"/>
+                <a:ea typeface="Old Standard TT"/>
+                <a:cs typeface="Old Standard TT"/>
+                <a:sym typeface="Old Standard TT"/>
+                <a:hlinkClick r:id="rId3">
+                  <a:extLst>
+                    <a:ext uri="{A12FA001-AC4F-418D-AE19-62706E023703}">
+                      <ahyp:hlinkClr val="tx"/>
+                    </a:ext>
+                  </a:extLst>
+                </a:hlinkClick>
+              </a:rPr>
+              <a:t>https://www.kaggle.com/soumikrakshit/classical-music-midi</a:t>
+            </a:r>
+            <a:endParaRPr sz="1800">
+              <a:solidFill>
+                <a:srgbClr val="0033CC"/>
+              </a:solidFill>
+              <a:latin typeface="Old Standard TT"/>
+              <a:ea typeface="Old Standard TT"/>
+              <a:cs typeface="Old Standard TT"/>
+              <a:sym typeface="Old Standard TT"/>
+            </a:endParaRPr>
+          </a:p>
+          <a:p>
+            <a:pPr indent="-342900" lvl="0" marL="457200" rtl="0" algn="l">
+              <a:lnSpc>
+                <a:spcPct val="107916"/>
+              </a:lnSpc>
+              <a:spcBef>
+                <a:spcPts val="800"/>
+              </a:spcBef>
+              <a:spcAft>
+                <a:spcPts val="0"/>
+              </a:spcAft>
+              <a:buClr>
+                <a:schemeClr val="dk1"/>
+              </a:buClr>
+              <a:buSzPts val="1800"/>
+              <a:buFont typeface="Old Standard TT"/>
+              <a:buChar char="●"/>
+            </a:pPr>
+            <a:r>
+              <a:rPr lang="en-US" sz="1800">
+                <a:latin typeface="Old Standard TT"/>
+                <a:ea typeface="Old Standard TT"/>
+                <a:cs typeface="Old Standard TT"/>
+                <a:sym typeface="Old Standard TT"/>
+              </a:rPr>
+              <a:t>Fig 2: Example of a Piano Roll</a:t>
+            </a:r>
+            <a:endParaRPr sz="1800">
+              <a:latin typeface="Old Standard TT"/>
+              <a:ea typeface="Old Standard TT"/>
+              <a:cs typeface="Old Standard TT"/>
+              <a:sym typeface="Old Standard TT"/>
+            </a:endParaRPr>
+          </a:p>
+          <a:p>
+            <a:pPr indent="0" lvl="0" marL="457200" rtl="0" algn="l">
+              <a:lnSpc>
+                <a:spcPct val="107916"/>
+              </a:lnSpc>
+              <a:spcBef>
+                <a:spcPts val="800"/>
+              </a:spcBef>
+              <a:spcAft>
+                <a:spcPts val="0"/>
+              </a:spcAft>
+              <a:buClr>
+                <a:schemeClr val="dk1"/>
+              </a:buClr>
+              <a:buSzPts val="1100"/>
+              <a:buFont typeface="Arial"/>
+              <a:buNone/>
+            </a:pPr>
+            <a:r>
+              <a:rPr lang="en-US" sz="1800">
+                <a:latin typeface="Old Standard TT"/>
+                <a:ea typeface="Old Standard TT"/>
+                <a:cs typeface="Old Standard TT"/>
+                <a:sym typeface="Old Standard TT"/>
+              </a:rPr>
+              <a:t>Retrieved from </a:t>
+            </a:r>
+            <a:r>
+              <a:rPr lang="en-US" sz="1800" u="sng">
+                <a:solidFill>
+                  <a:srgbClr val="1155CC"/>
+                </a:solidFill>
+                <a:latin typeface="Old Standard TT"/>
+                <a:ea typeface="Old Standard TT"/>
+                <a:cs typeface="Old Standard TT"/>
+                <a:sym typeface="Old Standard TT"/>
+                <a:hlinkClick r:id="rId4">
+                  <a:extLst>
+                    <a:ext uri="{A12FA001-AC4F-418D-AE19-62706E023703}">
+                      <ahyp:hlinkClr val="tx"/>
+                    </a:ext>
+                  </a:extLst>
+                </a:hlinkClick>
+              </a:rPr>
+              <a:t>researchgate.net/figure/Example-of-symbolic-piano-roll</a:t>
+            </a:r>
+            <a:endParaRPr sz="1800">
+              <a:latin typeface="Old Standard TT"/>
+              <a:ea typeface="Old Standard TT"/>
+              <a:cs typeface="Old Standard TT"/>
+              <a:sym typeface="Old Standard TT"/>
+            </a:endParaRPr>
+          </a:p>
+          <a:p>
+            <a:pPr indent="-342900" lvl="0" marL="457200" rtl="0" algn="l">
+              <a:lnSpc>
+                <a:spcPct val="107916"/>
+              </a:lnSpc>
+              <a:spcBef>
+                <a:spcPts val="800"/>
+              </a:spcBef>
+              <a:spcAft>
+                <a:spcPts val="0"/>
+              </a:spcAft>
+              <a:buClr>
+                <a:schemeClr val="dk1"/>
+              </a:buClr>
+              <a:buSzPts val="1800"/>
+              <a:buFont typeface="Old Standard TT"/>
+              <a:buChar char="●"/>
+            </a:pPr>
+            <a:r>
+              <a:rPr lang="en-US" sz="1800">
+                <a:latin typeface="Old Standard TT"/>
+                <a:ea typeface="Old Standard TT"/>
+                <a:cs typeface="Old Standard TT"/>
+                <a:sym typeface="Old Standard TT"/>
+              </a:rPr>
+              <a:t>Fig 3: Basic architecture of the LSTM Model</a:t>
+            </a:r>
+            <a:endParaRPr sz="1800">
+              <a:latin typeface="Old Standard TT"/>
+              <a:ea typeface="Old Standard TT"/>
+              <a:cs typeface="Old Standard TT"/>
+              <a:sym typeface="Old Standard TT"/>
+            </a:endParaRPr>
+          </a:p>
+          <a:p>
+            <a:pPr indent="0" lvl="0" marL="457200" rtl="0" algn="l">
+              <a:lnSpc>
+                <a:spcPct val="107916"/>
+              </a:lnSpc>
+              <a:spcBef>
+                <a:spcPts val="800"/>
+              </a:spcBef>
+              <a:spcAft>
+                <a:spcPts val="0"/>
+              </a:spcAft>
+              <a:buClr>
+                <a:schemeClr val="dk1"/>
+              </a:buClr>
+              <a:buSzPts val="1100"/>
+              <a:buFont typeface="Arial"/>
+              <a:buNone/>
+            </a:pPr>
+            <a:r>
+              <a:rPr lang="en-US" sz="1800">
+                <a:latin typeface="Old Standard TT"/>
+                <a:ea typeface="Old Standard TT"/>
+                <a:cs typeface="Old Standard TT"/>
+                <a:sym typeface="Old Standard TT"/>
+              </a:rPr>
+              <a:t>Retrieved from </a:t>
+            </a:r>
+            <a:r>
+              <a:rPr lang="en-US" sz="1800" u="sng">
+                <a:solidFill>
+                  <a:srgbClr val="1155CC"/>
+                </a:solidFill>
+                <a:latin typeface="Old Standard TT"/>
+                <a:ea typeface="Old Standard TT"/>
+                <a:cs typeface="Old Standard TT"/>
+                <a:sym typeface="Old Standard TT"/>
+                <a:hlinkClick r:id="rId5">
+                  <a:extLst>
+                    <a:ext uri="{A12FA001-AC4F-418D-AE19-62706E023703}">
+                      <ahyp:hlinkClr val="tx"/>
+                    </a:ext>
+                  </a:extLst>
+                </a:hlinkClick>
+              </a:rPr>
+              <a:t>hindawi.com/journals/complexity/2021/9903518/</a:t>
+            </a:r>
+            <a:endParaRPr sz="1800">
+              <a:latin typeface="Old Standard TT"/>
+              <a:ea typeface="Old Standard TT"/>
+              <a:cs typeface="Old Standard TT"/>
+              <a:sym typeface="Old Standard TT"/>
+            </a:endParaRPr>
+          </a:p>
+          <a:p>
+            <a:pPr indent="0" lvl="0" marL="457200" rtl="0" algn="l">
+              <a:lnSpc>
+                <a:spcPct val="107916"/>
+              </a:lnSpc>
+              <a:spcBef>
+                <a:spcPts val="800"/>
+              </a:spcBef>
+              <a:spcAft>
+                <a:spcPts val="800"/>
+              </a:spcAft>
+              <a:buClr>
+                <a:schemeClr val="dk1"/>
+              </a:buClr>
+              <a:buSzPts val="1100"/>
+              <a:buFont typeface="Arial"/>
+              <a:buNone/>
+            </a:pPr>
+            <a:r>
+              <a:t/>
+            </a:r>
+            <a:endParaRPr sz="1800">
+              <a:latin typeface="Old Standard TT"/>
+              <a:ea typeface="Old Standard TT"/>
+              <a:cs typeface="Old Standard TT"/>
+              <a:sym typeface="Old Standard TT"/>
+            </a:endParaRPr>
+          </a:p>
+        </p:txBody>
+      </p:sp>
+    </p:spTree>
+  </p:cSld>
+  <p:clrMapOvr>
+    <a:masterClrMapping/>
+  </p:clrMapOvr>
+</p:sld>
+</file>
+
+<file path=ppt/slides/slide34.xml><?xml version="1.0" encoding="utf-8"?>
+<p:sld xmlns:a="http://schemas.openxmlformats.org/drawingml/2006/main" xmlns:r="http://schemas.openxmlformats.org/officeDocument/2006/relationships" xmlns:mc="http://schemas.openxmlformats.org/markup-compatibility/2006" xmlns:mv="urn:schemas-microsoft-com:mac:vml" xmlns:p="http://schemas.openxmlformats.org/presentationml/2006/main" xmlns:c="http://schemas.openxmlformats.org/drawingml/2006/chart" xmlns:dgm="http://schemas.openxmlformats.org/drawingml/2006/diagram" xmlns:o="urn:schemas-microsoft-com:office:office" xmlns:v="urn:schemas-microsoft-com:vml" xmlns:pvml="urn:schemas-microsoft-com:office:powerpoint" xmlns:com="http://schemas.openxmlformats.org/drawingml/2006/compatibility" xmlns:p14="http://schemas.microsoft.com/office/powerpoint/2010/main" xmlns:p15="http://schemas.microsoft.com/office/powerpoint/2012/main" xmlns:ahyp="http://schemas.microsoft.com/office/drawing/2018/hyperlinkcolor">
+  <p:cSld>
+    <p:spTree>
+      <p:nvGrpSpPr>
+        <p:cNvPr id="287" name="Shape 287"/>
+        <p:cNvGrpSpPr/>
+        <p:nvPr/>
+      </p:nvGrpSpPr>
+      <p:grpSpPr>
+        <a:xfrm>
+          <a:off x="0" y="0"/>
+          <a:ext cx="0" cy="0"/>
+          <a:chOff x="0" y="0"/>
+          <a:chExt cx="0" cy="0"/>
+        </a:xfrm>
+      </p:grpSpPr>
+      <p:sp>
+        <p:nvSpPr>
+          <p:cNvPr id="288" name="Google Shape;288;g11b806550b1_2_71"/>
           <p:cNvSpPr txBox="1"/>
           <p:nvPr>
             <p:ph idx="1" type="body"/>
@@ -16566,7 +18903,7 @@
         <p:spPr>
           <a:xfrm>
             <a:off x="914400" y="1371600"/>
-            <a:ext cx="10363200" cy="4687800"/>
+            <a:ext cx="11130000" cy="5357700"/>
           </a:xfrm>
           <a:prstGeom prst="rect">
             <a:avLst/>
@@ -16780,7 +19117,7 @@
                 <a:spcPts val="1600"/>
               </a:spcBef>
               <a:spcAft>
-                <a:spcPts val="1600"/>
+                <a:spcPts val="0"/>
               </a:spcAft>
               <a:buNone/>
             </a:pPr>
@@ -16793,7 +19130,88 @@
               </a:rPr>
               <a:t>instrument and of MIDI format.</a:t>
             </a:r>
-            <a:endParaRPr sz="2400"/>
+            <a:endParaRPr sz="2400">
+              <a:latin typeface="Old Standard TT"/>
+              <a:ea typeface="Old Standard TT"/>
+              <a:cs typeface="Old Standard TT"/>
+              <a:sym typeface="Old Standard TT"/>
+            </a:endParaRPr>
+          </a:p>
+          <a:p>
+            <a:pPr indent="0" lvl="0" marL="457200" rtl="0" algn="l">
+              <a:lnSpc>
+                <a:spcPct val="115000"/>
+              </a:lnSpc>
+              <a:spcBef>
+                <a:spcPts val="1600"/>
+              </a:spcBef>
+              <a:spcAft>
+                <a:spcPts val="0"/>
+              </a:spcAft>
+              <a:buNone/>
+            </a:pPr>
+            <a:r>
+              <a:rPr lang="en-US" sz="2400">
+                <a:latin typeface="Old Standard TT"/>
+                <a:ea typeface="Old Standard TT"/>
+                <a:cs typeface="Old Standard TT"/>
+                <a:sym typeface="Old Standard TT"/>
+              </a:rPr>
+              <a:t>      </a:t>
+            </a:r>
+            <a:endParaRPr sz="2400">
+              <a:latin typeface="Old Standard TT"/>
+              <a:ea typeface="Old Standard TT"/>
+              <a:cs typeface="Old Standard TT"/>
+              <a:sym typeface="Old Standard TT"/>
+            </a:endParaRPr>
+          </a:p>
+          <a:p>
+            <a:pPr indent="0" lvl="0" marL="457200" rtl="0" algn="l">
+              <a:lnSpc>
+                <a:spcPct val="115000"/>
+              </a:lnSpc>
+              <a:spcBef>
+                <a:spcPts val="1600"/>
+              </a:spcBef>
+              <a:spcAft>
+                <a:spcPts val="1600"/>
+              </a:spcAft>
+              <a:buNone/>
+            </a:pPr>
+            <a:r>
+              <a:rPr lang="en-US" sz="2400">
+                <a:latin typeface="Old Standard TT"/>
+                <a:ea typeface="Old Standard TT"/>
+                <a:cs typeface="Old Standard TT"/>
+                <a:sym typeface="Old Standard TT"/>
+              </a:rPr>
+              <a:t>                                                                           </a:t>
+            </a:r>
+            <a:r>
+              <a:rPr lang="en-US" sz="1900">
+                <a:latin typeface="Old Standard TT"/>
+                <a:ea typeface="Old Standard TT"/>
+                <a:cs typeface="Old Standard TT"/>
+                <a:sym typeface="Old Standard TT"/>
+              </a:rPr>
+              <a:t>Fig 1:- midi files from kaggle dataset</a:t>
+            </a:r>
+            <a:r>
+              <a:rPr lang="en-US" sz="2400">
+                <a:latin typeface="Old Standard TT"/>
+                <a:ea typeface="Old Standard TT"/>
+                <a:cs typeface="Old Standard TT"/>
+                <a:sym typeface="Old Standard TT"/>
+              </a:rPr>
+              <a:t>                                                                     </a:t>
+            </a:r>
+            <a:endParaRPr sz="2400">
+              <a:latin typeface="Old Standard TT"/>
+              <a:ea typeface="Old Standard TT"/>
+              <a:cs typeface="Old Standard TT"/>
+              <a:sym typeface="Old Standard TT"/>
+            </a:endParaRPr>
           </a:p>
         </p:txBody>
       </p:sp>
@@ -17005,36 +19423,7 @@
                 <a:cs typeface="Old Standard TT"/>
                 <a:sym typeface="Old Standard TT"/>
               </a:rPr>
-              <a:t>Each track consist of events which</a:t>
-            </a:r>
-            <a:endParaRPr sz="2400">
-              <a:latin typeface="Old Standard TT"/>
-              <a:ea typeface="Old Standard TT"/>
-              <a:cs typeface="Old Standard TT"/>
-              <a:sym typeface="Old Standard TT"/>
-            </a:endParaRPr>
-          </a:p>
-          <a:p>
-            <a:pPr indent="0" lvl="0" marL="0" rtl="0" algn="l">
-              <a:lnSpc>
-                <a:spcPct val="115000"/>
-              </a:lnSpc>
-              <a:spcBef>
-                <a:spcPts val="1600"/>
-              </a:spcBef>
-              <a:spcAft>
-                <a:spcPts val="0"/>
-              </a:spcAft>
-              <a:buNone/>
-            </a:pPr>
-            <a:r>
-              <a:rPr lang="en-US" sz="2400">
-                <a:latin typeface="Old Standard TT"/>
-                <a:ea typeface="Old Standard TT"/>
-                <a:cs typeface="Old Standard TT"/>
-                <a:sym typeface="Old Standard TT"/>
-              </a:rPr>
-              <a:t>     tell the note, velocity and the time</a:t>
+              <a:t>Each track consist of events which tell the note, velocity and the time</a:t>
             </a:r>
             <a:endParaRPr sz="2400">
               <a:latin typeface="Old Standard TT"/>
@@ -17103,34 +19492,6 @@
           </a:p>
         </p:txBody>
       </p:sp>
-      <p:pic>
-        <p:nvPicPr>
-          <p:cNvPr id="93" name="Google Shape;93;g11b806550b1_1_1"/>
-          <p:cNvPicPr preferRelativeResize="0"/>
-          <p:nvPr/>
-        </p:nvPicPr>
-        <p:blipFill>
-          <a:blip r:embed="rId3">
-            <a:alphaModFix/>
-          </a:blip>
-          <a:stretch>
-            <a:fillRect/>
-          </a:stretch>
-        </p:blipFill>
-        <p:spPr>
-          <a:xfrm>
-            <a:off x="6224600" y="2432775"/>
-            <a:ext cx="5967400" cy="2896475"/>
-          </a:xfrm>
-          <a:prstGeom prst="rect">
-            <a:avLst/>
-          </a:prstGeom>
-          <a:noFill/>
-          <a:ln>
-            <a:noFill/>
-          </a:ln>
-        </p:spPr>
-      </p:pic>
     </p:spTree>
   </p:cSld>
   <p:clrMapOvr>
@@ -17144,7 +19505,7 @@
   <p:cSld>
     <p:spTree>
       <p:nvGrpSpPr>
-        <p:cNvPr id="98" name="Shape 98"/>
+        <p:cNvPr id="97" name="Shape 97"/>
         <p:cNvGrpSpPr/>
         <p:nvPr/>
       </p:nvGrpSpPr>
@@ -17158,7 +19519,7 @@
       </p:grpSpPr>
       <p:sp>
         <p:nvSpPr>
-          <p:cNvPr id="99" name="Google Shape;99;g11b806550b1_1_8"/>
+          <p:cNvPr id="98" name="Google Shape;98;g11b806550b1_1_8"/>
           <p:cNvSpPr txBox="1"/>
           <p:nvPr>
             <p:ph type="title"/>
@@ -17198,7 +19559,7 @@
       </p:sp>
       <p:sp>
         <p:nvSpPr>
-          <p:cNvPr id="100" name="Google Shape;100;g11b806550b1_1_8"/>
+          <p:cNvPr id="99" name="Google Shape;99;g11b806550b1_1_8"/>
           <p:cNvSpPr txBox="1"/>
           <p:nvPr>
             <p:ph idx="1" type="body"/>
@@ -17456,9 +19817,18 @@
                 <a:cs typeface="Old Standard TT"/>
                 <a:sym typeface="Old Standard TT"/>
               </a:rPr>
-              <a:t>     particular interval of time</a:t>
-            </a:r>
-            <a:endParaRPr sz="2400">
+              <a:t>     particular interval of time                          </a:t>
+            </a:r>
+            <a:r>
+              <a:rPr lang="en-US" sz="1900">
+                <a:latin typeface="Old Standard TT"/>
+                <a:ea typeface="Old Standard TT"/>
+                <a:cs typeface="Old Standard TT"/>
+                <a:sym typeface="Old Standard TT"/>
+              </a:rPr>
+              <a:t>          Fig 2:-  Piano roll representation</a:t>
+            </a:r>
+            <a:endParaRPr sz="1900">
               <a:latin typeface="Old Standard TT"/>
               <a:ea typeface="Old Standard TT"/>
               <a:cs typeface="Old Standard TT"/>
@@ -17498,7 +19868,7 @@
       </p:sp>
       <p:pic>
         <p:nvPicPr>
-          <p:cNvPr id="101" name="Google Shape;101;g11b806550b1_1_8"/>
+          <p:cNvPr id="100" name="Google Shape;100;g11b806550b1_1_8"/>
           <p:cNvPicPr preferRelativeResize="0"/>
           <p:nvPr/>
         </p:nvPicPr>
@@ -17537,7 +19907,7 @@
   <p:cSld>
     <p:spTree>
       <p:nvGrpSpPr>
-        <p:cNvPr id="106" name="Shape 106"/>
+        <p:cNvPr id="105" name="Shape 105"/>
         <p:cNvGrpSpPr/>
         <p:nvPr/>
       </p:nvGrpSpPr>
@@ -17551,7 +19921,7 @@
       </p:grpSpPr>
       <p:sp>
         <p:nvSpPr>
-          <p:cNvPr id="107" name="Google Shape;107;g11b806550b1_1_15"/>
+          <p:cNvPr id="106" name="Google Shape;106;g11b806550b1_1_15"/>
           <p:cNvSpPr txBox="1"/>
           <p:nvPr>
             <p:ph type="title"/>
@@ -17591,7 +19961,7 @@
       </p:sp>
       <p:sp>
         <p:nvSpPr>
-          <p:cNvPr id="108" name="Google Shape;108;g11b806550b1_1_15"/>
+          <p:cNvPr id="107" name="Google Shape;107;g11b806550b1_1_15"/>
           <p:cNvSpPr txBox="1"/>
           <p:nvPr>
             <p:ph idx="1" type="body"/>
@@ -17751,7 +20121,7 @@
                 <a:spcPts val="1600"/>
               </a:spcBef>
               <a:spcAft>
-                <a:spcPts val="1600"/>
+                <a:spcPts val="0"/>
               </a:spcAft>
               <a:buClr>
                 <a:schemeClr val="dk1"/>
@@ -17769,13 +20139,129 @@
               </a:rPr>
               <a:t>LSTM</a:t>
             </a:r>
-            <a:endParaRPr sz="2400"/>
+            <a:endParaRPr sz="2400">
+              <a:latin typeface="Old Standard TT"/>
+              <a:ea typeface="Old Standard TT"/>
+              <a:cs typeface="Old Standard TT"/>
+              <a:sym typeface="Old Standard TT"/>
+            </a:endParaRPr>
+          </a:p>
+          <a:p>
+            <a:pPr indent="0" lvl="0" marL="457200" rtl="0" algn="l">
+              <a:lnSpc>
+                <a:spcPct val="115000"/>
+              </a:lnSpc>
+              <a:spcBef>
+                <a:spcPts val="1600"/>
+              </a:spcBef>
+              <a:spcAft>
+                <a:spcPts val="0"/>
+              </a:spcAft>
+              <a:buNone/>
+            </a:pPr>
+            <a:r>
+              <a:t/>
+            </a:r>
+            <a:endParaRPr sz="2400">
+              <a:latin typeface="Old Standard TT"/>
+              <a:ea typeface="Old Standard TT"/>
+              <a:cs typeface="Old Standard TT"/>
+              <a:sym typeface="Old Standard TT"/>
+            </a:endParaRPr>
+          </a:p>
+          <a:p>
+            <a:pPr indent="0" lvl="0" marL="457200" rtl="0" algn="l">
+              <a:lnSpc>
+                <a:spcPct val="115000"/>
+              </a:lnSpc>
+              <a:spcBef>
+                <a:spcPts val="1600"/>
+              </a:spcBef>
+              <a:spcAft>
+                <a:spcPts val="0"/>
+              </a:spcAft>
+              <a:buNone/>
+            </a:pPr>
+            <a:r>
+              <a:t/>
+            </a:r>
+            <a:endParaRPr sz="2400">
+              <a:latin typeface="Old Standard TT"/>
+              <a:ea typeface="Old Standard TT"/>
+              <a:cs typeface="Old Standard TT"/>
+              <a:sym typeface="Old Standard TT"/>
+            </a:endParaRPr>
+          </a:p>
+          <a:p>
+            <a:pPr indent="0" lvl="0" marL="457200" rtl="0" algn="l">
+              <a:lnSpc>
+                <a:spcPct val="115000"/>
+              </a:lnSpc>
+              <a:spcBef>
+                <a:spcPts val="1600"/>
+              </a:spcBef>
+              <a:spcAft>
+                <a:spcPts val="1600"/>
+              </a:spcAft>
+              <a:buNone/>
+            </a:pPr>
+            <a:r>
+              <a:rPr lang="en-US" sz="2400">
+                <a:latin typeface="Old Standard TT"/>
+                <a:ea typeface="Old Standard TT"/>
+                <a:cs typeface="Old Standard TT"/>
+                <a:sym typeface="Old Standard TT"/>
+              </a:rPr>
+              <a:t>                                                            </a:t>
+            </a:r>
+            <a:r>
+              <a:rPr lang="en-US" sz="1800">
+                <a:latin typeface="Old Standard TT"/>
+                <a:ea typeface="Old Standard TT"/>
+                <a:cs typeface="Old Standard TT"/>
+                <a:sym typeface="Old Standard TT"/>
+              </a:rPr>
+              <a:t>Fig 3:-</a:t>
+            </a:r>
+            <a:r>
+              <a:rPr lang="en-US" sz="2400">
+                <a:latin typeface="Old Standard TT"/>
+                <a:ea typeface="Old Standard TT"/>
+                <a:cs typeface="Old Standard TT"/>
+                <a:sym typeface="Old Standard TT"/>
+              </a:rPr>
+              <a:t> </a:t>
+            </a:r>
+            <a:r>
+              <a:rPr lang="en-US" sz="1800">
+                <a:latin typeface="Old Standard TT"/>
+                <a:ea typeface="Old Standard TT"/>
+                <a:cs typeface="Old Standard TT"/>
+                <a:sym typeface="Old Standard TT"/>
+              </a:rPr>
+              <a:t>Basic architecture of the LSTM Model</a:t>
+            </a:r>
+            <a:r>
+              <a:rPr lang="en-US" sz="2400">
+                <a:latin typeface="Old Standard TT"/>
+                <a:ea typeface="Old Standard TT"/>
+                <a:cs typeface="Old Standard TT"/>
+                <a:sym typeface="Old Standard TT"/>
+              </a:rPr>
+              <a:t> </a:t>
+            </a:r>
+            <a:endParaRPr sz="2400">
+              <a:latin typeface="Old Standard TT"/>
+              <a:ea typeface="Old Standard TT"/>
+              <a:cs typeface="Old Standard TT"/>
+              <a:sym typeface="Old Standard TT"/>
+            </a:endParaRPr>
           </a:p>
         </p:txBody>
       </p:sp>
       <p:pic>
         <p:nvPicPr>
-          <p:cNvPr id="109" name="Google Shape;109;g11b806550b1_1_15"/>
+          <p:cNvPr id="108" name="Google Shape;108;g11b806550b1_1_15"/>
           <p:cNvPicPr preferRelativeResize="0"/>
           <p:nvPr/>
         </p:nvPicPr>
@@ -17810,285 +20296,6 @@
 </file>
 
 <file path=ppt/theme/theme1.xml><?xml version="1.0" encoding="utf-8"?>
-<a:theme xmlns:a="http://schemas.openxmlformats.org/drawingml/2006/main" xmlns:r="http://schemas.openxmlformats.org/officeDocument/2006/relationships" name="2_Theme2">
-  <a:themeElements>
-    <a:clrScheme name="template 2">
-      <a:dk1>
-        <a:srgbClr val="000000"/>
-      </a:dk1>
-      <a:lt1>
-        <a:srgbClr val="FFFFFF"/>
-      </a:lt1>
-      <a:dk2>
-        <a:srgbClr val="000000"/>
-      </a:dk2>
-      <a:lt2>
-        <a:srgbClr val="808080"/>
-      </a:lt2>
-      <a:accent1>
-        <a:srgbClr val="00CC99"/>
-      </a:accent1>
-      <a:accent2>
-        <a:srgbClr val="3333CC"/>
-      </a:accent2>
-      <a:accent3>
-        <a:srgbClr val="FFFFFF"/>
-      </a:accent3>
-      <a:accent4>
-        <a:srgbClr val="000000"/>
-      </a:accent4>
-      <a:accent5>
-        <a:srgbClr val="AAE2CA"/>
-      </a:accent5>
-      <a:accent6>
-        <a:srgbClr val="2D2DB9"/>
-      </a:accent6>
-      <a:hlink>
-        <a:srgbClr val="CCCCFF"/>
-      </a:hlink>
-      <a:folHlink>
-        <a:srgbClr val="B2B2B2"/>
-      </a:folHlink>
-    </a:clrScheme>
-    <a:fontScheme name="Office">
-      <a:majorFont>
-        <a:latin typeface="Arial"/>
-        <a:ea typeface=""/>
-        <a:cs typeface=""/>
-        <a:font script="Jpan" typeface="ＭＳ Ｐゴシック"/>
-        <a:font script="Hang" typeface="맑은 고딕"/>
-        <a:font script="Hans" typeface="宋体"/>
-        <a:font script="Hant" typeface="新細明體"/>
-        <a:font script="Arab" typeface="Times New Roman"/>
-        <a:font script="Hebr" typeface="Times New Roman"/>
-        <a:font script="Thai" typeface="Angsana New"/>
-        <a:font script="Ethi" typeface="Nyala"/>
-        <a:font script="Beng" typeface="Vrinda"/>
-        <a:font script="Gujr" typeface="Shruti"/>
-        <a:font script="Khmr" typeface="MoolBoran"/>
-        <a:font script="Knda" typeface="Tunga"/>
-        <a:font script="Guru" typeface="Raavi"/>
-        <a:font script="Cans" typeface="Euphemia"/>
-        <a:font script="Cher" typeface="Plantagenet Cherokee"/>
-        <a:font script="Yiii" typeface="Microsoft Yi Baiti"/>
-        <a:font script="Tibt" typeface="Microsoft Himalaya"/>
-        <a:font script="Thaa" typeface="MV Boli"/>
-        <a:font script="Deva" typeface="Mangal"/>
-        <a:font script="Telu" typeface="Gautami"/>
-        <a:font script="Taml" typeface="Latha"/>
-        <a:font script="Syrc" typeface="Estrangelo Edessa"/>
-        <a:font script="Orya" typeface="Kalinga"/>
-        <a:font script="Mlym" typeface="Kartika"/>
-        <a:font script="Laoo" typeface="DokChampa"/>
-        <a:font script="Sinh" typeface="Iskoola Pota"/>
-        <a:font script="Mong" typeface="Mongolian Baiti"/>
-        <a:font script="Viet" typeface="Times New Roman"/>
-        <a:font script="Uigh" typeface="Microsoft Uighur"/>
-        <a:font script="Geor" typeface="Sylfaen"/>
-      </a:majorFont>
-      <a:minorFont>
-        <a:latin typeface="Arial"/>
-        <a:ea typeface=""/>
-        <a:cs typeface=""/>
-        <a:font script="Jpan" typeface="ＭＳ Ｐゴシック"/>
-        <a:font script="Hang" typeface="맑은 고딕"/>
-        <a:font script="Hans" typeface="宋体"/>
-        <a:font script="Hant" typeface="新細明體"/>
-        <a:font script="Arab" typeface="Arial"/>
-        <a:font script="Hebr" typeface="Arial"/>
-        <a:font script="Thai" typeface="Cordia New"/>
-        <a:font script="Ethi" typeface="Nyala"/>
-        <a:font script="Beng" typeface="Vrinda"/>
-        <a:font script="Gujr" typeface="Shruti"/>
-        <a:font script="Khmr" typeface="DaunPenh"/>
-        <a:font script="Knda" typeface="Tunga"/>
-        <a:font script="Guru" typeface="Raavi"/>
-        <a:font script="Cans" typeface="Euphemia"/>
-        <a:font script="Cher" typeface="Plantagenet Cherokee"/>
-        <a:font script="Yiii" typeface="Microsoft Yi Baiti"/>
-        <a:font script="Tibt" typeface="Microsoft Himalaya"/>
-        <a:font script="Thaa" typeface="MV Boli"/>
-        <a:font script="Deva" typeface="Mangal"/>
-        <a:font script="Telu" typeface="Gautami"/>
-        <a:font script="Taml" typeface="Latha"/>
-        <a:font script="Syrc" typeface="Estrangelo Edessa"/>
-        <a:font script="Orya" typeface="Kalinga"/>
-        <a:font script="Mlym" typeface="Kartika"/>
-        <a:font script="Laoo" typeface="DokChampa"/>
-        <a:font script="Sinh" typeface="Iskoola Pota"/>
-        <a:font script="Mong" typeface="Mongolian Baiti"/>
-        <a:font script="Viet" typeface="Arial"/>
-        <a:font script="Uigh" typeface="Microsoft Uighur"/>
-        <a:font script="Geor" typeface="Sylfaen"/>
-      </a:minorFont>
-    </a:fontScheme>
-    <a:fmtScheme name="Office">
-      <a:fillStyleLst>
-        <a:solidFill>
-          <a:schemeClr val="phClr"/>
-        </a:solidFill>
-        <a:gradFill rotWithShape="1">
-          <a:gsLst>
-            <a:gs pos="0">
-              <a:schemeClr val="phClr">
-                <a:tint val="50000"/>
-                <a:satMod val="300000"/>
-              </a:schemeClr>
-            </a:gs>
-            <a:gs pos="35000">
-              <a:schemeClr val="phClr">
-                <a:tint val="37000"/>
-                <a:satMod val="300000"/>
-              </a:schemeClr>
-            </a:gs>
-            <a:gs pos="100000">
-              <a:schemeClr val="phClr">
-                <a:tint val="15000"/>
-                <a:satMod val="350000"/>
-              </a:schemeClr>
-            </a:gs>
-          </a:gsLst>
-          <a:lin ang="16200000" scaled="1"/>
-        </a:gradFill>
-        <a:gradFill rotWithShape="1">
-          <a:gsLst>
-            <a:gs pos="0">
-              <a:schemeClr val="phClr">
-                <a:tint val="100000"/>
-                <a:shade val="100000"/>
-                <a:satMod val="130000"/>
-              </a:schemeClr>
-            </a:gs>
-            <a:gs pos="100000">
-              <a:schemeClr val="phClr">
-                <a:tint val="50000"/>
-                <a:shade val="100000"/>
-                <a:satMod val="350000"/>
-              </a:schemeClr>
-            </a:gs>
-          </a:gsLst>
-          <a:lin ang="16200000" scaled="0"/>
-        </a:gradFill>
-      </a:fillStyleLst>
-      <a:lnStyleLst>
-        <a:ln w="9525" cap="flat" cmpd="sng" algn="ctr">
-          <a:solidFill>
-            <a:schemeClr val="phClr">
-              <a:shade val="95000"/>
-              <a:satMod val="105000"/>
-            </a:schemeClr>
-          </a:solidFill>
-          <a:prstDash val="solid"/>
-        </a:ln>
-        <a:ln w="25400" cap="flat" cmpd="sng" algn="ctr">
-          <a:solidFill>
-            <a:schemeClr val="phClr"/>
-          </a:solidFill>
-          <a:prstDash val="solid"/>
-        </a:ln>
-        <a:ln w="38100" cap="flat" cmpd="sng" algn="ctr">
-          <a:solidFill>
-            <a:schemeClr val="phClr"/>
-          </a:solidFill>
-          <a:prstDash val="solid"/>
-        </a:ln>
-      </a:lnStyleLst>
-      <a:effectStyleLst>
-        <a:effectStyle>
-          <a:effectLst>
-            <a:outerShdw blurRad="40000" dist="20000" dir="5400000" rotWithShape="0">
-              <a:srgbClr val="000000">
-                <a:alpha val="38000"/>
-              </a:srgbClr>
-            </a:outerShdw>
-          </a:effectLst>
-        </a:effectStyle>
-        <a:effectStyle>
-          <a:effectLst>
-            <a:outerShdw blurRad="40000" dist="23000" dir="5400000" rotWithShape="0">
-              <a:srgbClr val="000000">
-                <a:alpha val="35000"/>
-              </a:srgbClr>
-            </a:outerShdw>
-          </a:effectLst>
-        </a:effectStyle>
-        <a:effectStyle>
-          <a:effectLst>
-            <a:outerShdw blurRad="40000" dist="23000" dir="5400000" rotWithShape="0">
-              <a:srgbClr val="000000">
-                <a:alpha val="35000"/>
-              </a:srgbClr>
-            </a:outerShdw>
-          </a:effectLst>
-          <a:scene3d>
-            <a:camera prst="orthographicFront">
-              <a:rot lat="0" lon="0" rev="0"/>
-            </a:camera>
-            <a:lightRig rig="threePt" dir="t">
-              <a:rot lat="0" lon="0" rev="1200000"/>
-            </a:lightRig>
-          </a:scene3d>
-          <a:sp3d>
-            <a:bevelT w="63500" h="25400"/>
-          </a:sp3d>
-        </a:effectStyle>
-      </a:effectStyleLst>
-      <a:bgFillStyleLst>
-        <a:solidFill>
-          <a:schemeClr val="phClr"/>
-        </a:solidFill>
-        <a:gradFill rotWithShape="1">
-          <a:gsLst>
-            <a:gs pos="0">
-              <a:schemeClr val="phClr">
-                <a:tint val="40000"/>
-                <a:satMod val="350000"/>
-              </a:schemeClr>
-            </a:gs>
-            <a:gs pos="40000">
-              <a:schemeClr val="phClr">
-                <a:tint val="45000"/>
-                <a:shade val="99000"/>
-                <a:satMod val="350000"/>
-              </a:schemeClr>
-            </a:gs>
-            <a:gs pos="100000">
-              <a:schemeClr val="phClr">
-                <a:shade val="20000"/>
-                <a:satMod val="255000"/>
-              </a:schemeClr>
-            </a:gs>
-          </a:gsLst>
-          <a:path path="circle">
-            <a:fillToRect l="50000" t="-80000" r="50000" b="180000"/>
-          </a:path>
-        </a:gradFill>
-        <a:gradFill rotWithShape="1">
-          <a:gsLst>
-            <a:gs pos="0">
-              <a:schemeClr val="phClr">
-                <a:tint val="80000"/>
-                <a:satMod val="300000"/>
-              </a:schemeClr>
-            </a:gs>
-            <a:gs pos="100000">
-              <a:schemeClr val="phClr">
-                <a:shade val="30000"/>
-                <a:satMod val="200000"/>
-              </a:schemeClr>
-            </a:gs>
-          </a:gsLst>
-          <a:path path="circle">
-            <a:fillToRect l="50000" t="50000" r="50000" b="50000"/>
-          </a:path>
-        </a:gradFill>
-      </a:bgFillStyleLst>
-    </a:fmtScheme>
-  </a:themeElements>
-</a:theme>
-</file>
-
-<file path=ppt/theme/theme2.xml><?xml version="1.0" encoding="utf-8"?>
 <a:theme xmlns:a="http://schemas.openxmlformats.org/drawingml/2006/main" xmlns:r="http://schemas.openxmlformats.org/officeDocument/2006/relationships">
   <a:themeElements>
     <a:clrScheme name="Default">
@@ -18367,7 +20574,7 @@
 </a:theme>
 </file>
 
-<file path=ppt/theme/theme3.xml><?xml version="1.0" encoding="utf-8"?>
+<file path=ppt/theme/theme2.xml><?xml version="1.0" encoding="utf-8"?>
 <a:theme xmlns:a="http://schemas.openxmlformats.org/drawingml/2006/main" xmlns:r="http://schemas.openxmlformats.org/officeDocument/2006/relationships" name="7_Theme2">
   <a:themeElements>
     <a:clrScheme name="template 2">
@@ -18644,4 +20851,283 @@
     </a:fmtScheme>
   </a:themeElements>
 </a:theme>
+</file>
+
+<file path=ppt/theme/theme3.xml><?xml version="1.0" encoding="utf-8"?>
+<a:theme xmlns:a="http://schemas.openxmlformats.org/drawingml/2006/main" xmlns:r="http://schemas.openxmlformats.org/officeDocument/2006/relationships" name="2_Theme2">
+  <a:themeElements>
+    <a:clrScheme name="template 2">
+      <a:dk1>
+        <a:srgbClr val="000000"/>
+      </a:dk1>
+      <a:lt1>
+        <a:srgbClr val="FFFFFF"/>
+      </a:lt1>
+      <a:dk2>
+        <a:srgbClr val="000000"/>
+      </a:dk2>
+      <a:lt2>
+        <a:srgbClr val="808080"/>
+      </a:lt2>
+      <a:accent1>
+        <a:srgbClr val="00CC99"/>
+      </a:accent1>
+      <a:accent2>
+        <a:srgbClr val="3333CC"/>
+      </a:accent2>
+      <a:accent3>
+        <a:srgbClr val="FFFFFF"/>
+      </a:accent3>
+      <a:accent4>
+        <a:srgbClr val="000000"/>
+      </a:accent4>
+      <a:accent5>
+        <a:srgbClr val="AAE2CA"/>
+      </a:accent5>
+      <a:accent6>
+        <a:srgbClr val="2D2DB9"/>
+      </a:accent6>
+      <a:hlink>
+        <a:srgbClr val="CCCCFF"/>
+      </a:hlink>
+      <a:folHlink>
+        <a:srgbClr val="B2B2B2"/>
+      </a:folHlink>
+    </a:clrScheme>
+    <a:fontScheme name="Office">
+      <a:majorFont>
+        <a:latin typeface="Arial"/>
+        <a:ea typeface=""/>
+        <a:cs typeface=""/>
+        <a:font script="Jpan" typeface="ＭＳ Ｐゴシック"/>
+        <a:font script="Hang" typeface="맑은 고딕"/>
+        <a:font script="Hans" typeface="宋体"/>
+        <a:font script="Hant" typeface="新細明體"/>
+        <a:font script="Arab" typeface="Times New Roman"/>
+        <a:font script="Hebr" typeface="Times New Roman"/>
+        <a:font script="Thai" typeface="Angsana New"/>
+        <a:font script="Ethi" typeface="Nyala"/>
+        <a:font script="Beng" typeface="Vrinda"/>
+        <a:font script="Gujr" typeface="Shruti"/>
+        <a:font script="Khmr" typeface="MoolBoran"/>
+        <a:font script="Knda" typeface="Tunga"/>
+        <a:font script="Guru" typeface="Raavi"/>
+        <a:font script="Cans" typeface="Euphemia"/>
+        <a:font script="Cher" typeface="Plantagenet Cherokee"/>
+        <a:font script="Yiii" typeface="Microsoft Yi Baiti"/>
+        <a:font script="Tibt" typeface="Microsoft Himalaya"/>
+        <a:font script="Thaa" typeface="MV Boli"/>
+        <a:font script="Deva" typeface="Mangal"/>
+        <a:font script="Telu" typeface="Gautami"/>
+        <a:font script="Taml" typeface="Latha"/>
+        <a:font script="Syrc" typeface="Estrangelo Edessa"/>
+        <a:font script="Orya" typeface="Kalinga"/>
+        <a:font script="Mlym" typeface="Kartika"/>
+        <a:font script="Laoo" typeface="DokChampa"/>
+        <a:font script="Sinh" typeface="Iskoola Pota"/>
+        <a:font script="Mong" typeface="Mongolian Baiti"/>
+        <a:font script="Viet" typeface="Times New Roman"/>
+        <a:font script="Uigh" typeface="Microsoft Uighur"/>
+        <a:font script="Geor" typeface="Sylfaen"/>
+      </a:majorFont>
+      <a:minorFont>
+        <a:latin typeface="Arial"/>
+        <a:ea typeface=""/>
+        <a:cs typeface=""/>
+        <a:font script="Jpan" typeface="ＭＳ Ｐゴシック"/>
+        <a:font script="Hang" typeface="맑은 고딕"/>
+        <a:font script="Hans" typeface="宋体"/>
+        <a:font script="Hant" typeface="新細明體"/>
+        <a:font script="Arab" typeface="Arial"/>
+        <a:font script="Hebr" typeface="Arial"/>
+        <a:font script="Thai" typeface="Cordia New"/>
+        <a:font script="Ethi" typeface="Nyala"/>
+        <a:font script="Beng" typeface="Vrinda"/>
+        <a:font script="Gujr" typeface="Shruti"/>
+        <a:font script="Khmr" typeface="DaunPenh"/>
+        <a:font script="Knda" typeface="Tunga"/>
+        <a:font script="Guru" typeface="Raavi"/>
+        <a:font script="Cans" typeface="Euphemia"/>
+        <a:font script="Cher" typeface="Plantagenet Cherokee"/>
+        <a:font script="Yiii" typeface="Microsoft Yi Baiti"/>
+        <a:font script="Tibt" typeface="Microsoft Himalaya"/>
+        <a:font script="Thaa" typeface="MV Boli"/>
+        <a:font script="Deva" typeface="Mangal"/>
+        <a:font script="Telu" typeface="Gautami"/>
+        <a:font script="Taml" typeface="Latha"/>
+        <a:font script="Syrc" typeface="Estrangelo Edessa"/>
+        <a:font script="Orya" typeface="Kalinga"/>
+        <a:font script="Mlym" typeface="Kartika"/>
+        <a:font script="Laoo" typeface="DokChampa"/>
+        <a:font script="Sinh" typeface="Iskoola Pota"/>
+        <a:font script="Mong" typeface="Mongolian Baiti"/>
+        <a:font script="Viet" typeface="Arial"/>
+        <a:font script="Uigh" typeface="Microsoft Uighur"/>
+        <a:font script="Geor" typeface="Sylfaen"/>
+      </a:minorFont>
+    </a:fontScheme>
+    <a:fmtScheme name="Office">
+      <a:fillStyleLst>
+        <a:solidFill>
+          <a:schemeClr val="phClr"/>
+        </a:solidFill>
+        <a:gradFill rotWithShape="1">
+          <a:gsLst>
+            <a:gs pos="0">
+              <a:schemeClr val="phClr">
+                <a:tint val="50000"/>
+                <a:satMod val="300000"/>
+              </a:schemeClr>
+            </a:gs>
+            <a:gs pos="35000">
+              <a:schemeClr val="phClr">
+                <a:tint val="37000"/>
+                <a:satMod val="300000"/>
+              </a:schemeClr>
+            </a:gs>
+            <a:gs pos="100000">
+              <a:schemeClr val="phClr">
+                <a:tint val="15000"/>
+                <a:satMod val="350000"/>
+              </a:schemeClr>
+            </a:gs>
+          </a:gsLst>
+          <a:lin ang="16200000" scaled="1"/>
+        </a:gradFill>
+        <a:gradFill rotWithShape="1">
+          <a:gsLst>
+            <a:gs pos="0">
+              <a:schemeClr val="phClr">
+                <a:tint val="100000"/>
+                <a:shade val="100000"/>
+                <a:satMod val="130000"/>
+              </a:schemeClr>
+            </a:gs>
+            <a:gs pos="100000">
+              <a:schemeClr val="phClr">
+                <a:tint val="50000"/>
+                <a:shade val="100000"/>
+                <a:satMod val="350000"/>
+              </a:schemeClr>
+            </a:gs>
+          </a:gsLst>
+          <a:lin ang="16200000" scaled="0"/>
+        </a:gradFill>
+      </a:fillStyleLst>
+      <a:lnStyleLst>
+        <a:ln w="9525" cap="flat" cmpd="sng" algn="ctr">
+          <a:solidFill>
+            <a:schemeClr val="phClr">
+              <a:shade val="95000"/>
+              <a:satMod val="105000"/>
+            </a:schemeClr>
+          </a:solidFill>
+          <a:prstDash val="solid"/>
+        </a:ln>
+        <a:ln w="25400" cap="flat" cmpd="sng" algn="ctr">
+          <a:solidFill>
+            <a:schemeClr val="phClr"/>
+          </a:solidFill>
+          <a:prstDash val="solid"/>
+        </a:ln>
+        <a:ln w="38100" cap="flat" cmpd="sng" algn="ctr">
+          <a:solidFill>
+            <a:schemeClr val="phClr"/>
+          </a:solidFill>
+          <a:prstDash val="solid"/>
+        </a:ln>
+      </a:lnStyleLst>
+      <a:effectStyleLst>
+        <a:effectStyle>
+          <a:effectLst>
+            <a:outerShdw blurRad="40000" dist="20000" dir="5400000" rotWithShape="0">
+              <a:srgbClr val="000000">
+                <a:alpha val="38000"/>
+              </a:srgbClr>
+            </a:outerShdw>
+          </a:effectLst>
+        </a:effectStyle>
+        <a:effectStyle>
+          <a:effectLst>
+            <a:outerShdw blurRad="40000" dist="23000" dir="5400000" rotWithShape="0">
+              <a:srgbClr val="000000">
+                <a:alpha val="35000"/>
+              </a:srgbClr>
+            </a:outerShdw>
+          </a:effectLst>
+        </a:effectStyle>
+        <a:effectStyle>
+          <a:effectLst>
+            <a:outerShdw blurRad="40000" dist="23000" dir="5400000" rotWithShape="0">
+              <a:srgbClr val="000000">
+                <a:alpha val="35000"/>
+              </a:srgbClr>
+            </a:outerShdw>
+          </a:effectLst>
+          <a:scene3d>
+            <a:camera prst="orthographicFront">
+              <a:rot lat="0" lon="0" rev="0"/>
+            </a:camera>
+            <a:lightRig rig="threePt" dir="t">
+              <a:rot lat="0" lon="0" rev="1200000"/>
+            </a:lightRig>
+          </a:scene3d>
+          <a:sp3d>
+            <a:bevelT w="63500" h="25400"/>
+          </a:sp3d>
+        </a:effectStyle>
+      </a:effectStyleLst>
+      <a:bgFillStyleLst>
+        <a:solidFill>
+          <a:schemeClr val="phClr"/>
+        </a:solidFill>
+        <a:gradFill rotWithShape="1">
+          <a:gsLst>
+            <a:gs pos="0">
+              <a:schemeClr val="phClr">
+                <a:tint val="40000"/>
+                <a:satMod val="350000"/>
+              </a:schemeClr>
+            </a:gs>
+            <a:gs pos="40000">
+              <a:schemeClr val="phClr">
+                <a:tint val="45000"/>
+                <a:shade val="99000"/>
+                <a:satMod val="350000"/>
+              </a:schemeClr>
+            </a:gs>
+            <a:gs pos="100000">
+              <a:schemeClr val="phClr">
+                <a:shade val="20000"/>
+                <a:satMod val="255000"/>
+              </a:schemeClr>
+            </a:gs>
+          </a:gsLst>
+          <a:path path="circle">
+            <a:fillToRect l="50000" t="-80000" r="50000" b="180000"/>
+          </a:path>
+        </a:gradFill>
+        <a:gradFill rotWithShape="1">
+          <a:gsLst>
+            <a:gs pos="0">
+              <a:schemeClr val="phClr">
+                <a:tint val="80000"/>
+                <a:satMod val="300000"/>
+              </a:schemeClr>
+            </a:gs>
+            <a:gs pos="100000">
+              <a:schemeClr val="phClr">
+                <a:shade val="30000"/>
+                <a:satMod val="200000"/>
+              </a:schemeClr>
+            </a:gs>
+          </a:gsLst>
+          <a:path path="circle">
+            <a:fillToRect l="50000" t="50000" r="50000" b="50000"/>
+          </a:path>
+        </a:gradFill>
+      </a:bgFillStyleLst>
+    </a:fmtScheme>
+  </a:themeElements>
+</a:theme>
 </file>